--- a/ODD/materials/part2_packages_editable_install.pptx
+++ b/ODD/materials/part2_packages_editable_install.pptx
@@ -5,7 +5,7 @@
     <p:sldMasterId id="2147483648" r:id="rId1"/>
   </p:sldMasterIdLst>
   <p:notesMasterIdLst>
-    <p:notesMasterId r:id="rId29"/>
+    <p:notesMasterId r:id="rId30"/>
   </p:notesMasterIdLst>
   <p:sldIdLst>
     <p:sldId id="272" r:id="rId2"/>
@@ -30,11 +30,12 @@
     <p:sldId id="386" r:id="rId21"/>
     <p:sldId id="387" r:id="rId22"/>
     <p:sldId id="388" r:id="rId23"/>
-    <p:sldId id="384" r:id="rId24"/>
-    <p:sldId id="383" r:id="rId25"/>
-    <p:sldId id="339" r:id="rId26"/>
-    <p:sldId id="368" r:id="rId27"/>
-    <p:sldId id="362" r:id="rId28"/>
+    <p:sldId id="390" r:id="rId24"/>
+    <p:sldId id="384" r:id="rId25"/>
+    <p:sldId id="383" r:id="rId26"/>
+    <p:sldId id="339" r:id="rId27"/>
+    <p:sldId id="368" r:id="rId28"/>
+    <p:sldId id="362" r:id="rId29"/>
   </p:sldIdLst>
   <p:sldSz cx="9144000" cy="5143500" type="screen16x9"/>
   <p:notesSz cx="6858000" cy="9144000"/>
@@ -9835,6 +9836,18 @@
               <a:rPr lang="en-US" dirty="0"/>
               <a:t> pizza</a:t>
             </a:r>
+          </a:p>
+          <a:p>
+            <a:endParaRPr lang="en-US" dirty="0"/>
+          </a:p>
+          <a:p>
+            <a:pPr marL="101599" indent="0">
+              <a:buNone/>
+            </a:pPr>
+            <a:r>
+              <a:rPr lang="en-US" dirty="0"/>
+              <a:t>(10 min)</a:t>
+            </a:r>
             <a:endParaRPr dirty="0"/>
           </a:p>
         </p:txBody>
@@ -18940,6 +18953,2232 @@
         <p:cNvPr id="1" name="">
           <a:extLst>
             <a:ext uri="{FF2B5EF4-FFF2-40B4-BE49-F238E27FC236}">
+              <a16:creationId xmlns:a16="http://schemas.microsoft.com/office/drawing/2014/main" id="{751B5CB3-6951-122A-D14D-2D64DCEB60C3}"/>
+            </a:ext>
+          </a:extLst>
+        </p:cNvPr>
+        <p:cNvGrpSpPr/>
+        <p:nvPr/>
+      </p:nvGrpSpPr>
+      <p:grpSpPr>
+        <a:xfrm>
+          <a:off x="0" y="0"/>
+          <a:ext cx="0" cy="0"/>
+          <a:chOff x="0" y="0"/>
+          <a:chExt cx="0" cy="0"/>
+        </a:xfrm>
+      </p:grpSpPr>
+      <p:sp>
+        <p:nvSpPr>
+          <p:cNvPr id="10" name="Title 1">
+            <a:extLst>
+              <a:ext uri="{FF2B5EF4-FFF2-40B4-BE49-F238E27FC236}">
+                <a16:creationId xmlns:a16="http://schemas.microsoft.com/office/drawing/2014/main" id="{5274F2AD-8DFA-069B-A2E0-ABBC472B1A0E}"/>
+              </a:ext>
+            </a:extLst>
+          </p:cNvPr>
+          <p:cNvSpPr txBox="1">
+            <a:spLocks noGrp="1"/>
+          </p:cNvSpPr>
+          <p:nvPr>
+            <p:ph type="title"/>
+          </p:nvPr>
+        </p:nvSpPr>
+        <p:spPr>
+          <a:xfrm>
+            <a:off x="869152" y="0"/>
+            <a:ext cx="4763163" cy="912373"/>
+          </a:xfrm>
+          <a:prstGeom prst="rect">
+            <a:avLst/>
+          </a:prstGeom>
+          <a:solidFill>
+            <a:srgbClr val="FFFFFF"/>
+          </a:solidFill>
+        </p:spPr>
+        <p:txBody>
+          <a:bodyPr anchor="t">
+            <a:normAutofit/>
+          </a:bodyPr>
+          <a:lstStyle/>
+          <a:p>
+            <a:r>
+              <a:rPr lang="da-DK" dirty="0" err="1"/>
+              <a:t>Other</a:t>
+            </a:r>
+            <a:r>
+              <a:rPr lang="da-DK" dirty="0"/>
+              <a:t> notable files</a:t>
+            </a:r>
+            <a:endParaRPr dirty="0"/>
+          </a:p>
+        </p:txBody>
+      </p:sp>
+      <p:sp>
+        <p:nvSpPr>
+          <p:cNvPr id="11" name="Slide Number Placeholder 3">
+            <a:extLst>
+              <a:ext uri="{FF2B5EF4-FFF2-40B4-BE49-F238E27FC236}">
+                <a16:creationId xmlns:a16="http://schemas.microsoft.com/office/drawing/2014/main" id="{2953653B-FAAE-03D9-9C66-7D8494E83C2C}"/>
+              </a:ext>
+            </a:extLst>
+          </p:cNvPr>
+          <p:cNvSpPr txBox="1">
+            <a:spLocks noGrp="1"/>
+          </p:cNvSpPr>
+          <p:nvPr>
+            <p:ph type="sldNum" sz="quarter" idx="2"/>
+          </p:nvPr>
+        </p:nvSpPr>
+        <p:spPr>
+          <a:xfrm>
+            <a:off x="8414909" y="4384352"/>
+            <a:ext cx="293290" cy="411451"/>
+          </a:xfrm>
+          <a:prstGeom prst="rect">
+            <a:avLst/>
+          </a:prstGeom>
+          <a:extLst>
+            <a:ext uri="{C572A759-6A51-4108-AA02-DFA0A04FC94B}">
+              <ma14:wrappingTextBoxFlag xmlns="" xmlns:m="http://schemas.openxmlformats.org/officeDocument/2006/math" xmlns:a14="http://schemas.microsoft.com/office/drawing/2010/main" xmlns:ma14="http://schemas.microsoft.com/office/mac/drawingml/2011/main" val="1"/>
+            </a:ext>
+          </a:extLst>
+        </p:spPr>
+        <p:txBody>
+          <a:bodyPr/>
+          <a:lstStyle/>
+          <a:p>
+            <a:fld id="{86CB4B4D-7CA3-9044-876B-883B54F8677D}" type="slidenum">
+              <a:rPr/>
+              <a:t>23</a:t>
+            </a:fld>
+            <a:endParaRPr/>
+          </a:p>
+        </p:txBody>
+      </p:sp>
+      <p:sp>
+        <p:nvSpPr>
+          <p:cNvPr id="12" name="Slide Number Placeholder 3">
+            <a:extLst>
+              <a:ext uri="{FF2B5EF4-FFF2-40B4-BE49-F238E27FC236}">
+                <a16:creationId xmlns:a16="http://schemas.microsoft.com/office/drawing/2014/main" id="{43FA0878-02E0-22CF-4B33-5246B3971C7C}"/>
+              </a:ext>
+            </a:extLst>
+          </p:cNvPr>
+          <p:cNvSpPr txBox="1">
+            <a:spLocks/>
+          </p:cNvSpPr>
+          <p:nvPr/>
+        </p:nvSpPr>
+        <p:spPr>
+          <a:xfrm>
+            <a:off x="8317170" y="4384352"/>
+            <a:ext cx="391029" cy="411451"/>
+          </a:xfrm>
+          <a:prstGeom prst="rect">
+            <a:avLst/>
+          </a:prstGeom>
+          <a:ln w="12700">
+            <a:miter lim="400000"/>
+          </a:ln>
+          <a:extLst>
+            <a:ext uri="{C572A759-6A51-4108-AA02-DFA0A04FC94B}">
+              <ma14:wrappingTextBoxFlag xmlns:ma14="http://schemas.microsoft.com/office/mac/drawingml/2011/main" xmlns:a14="http://schemas.microsoft.com/office/drawing/2010/main" xmlns:m="http://schemas.openxmlformats.org/officeDocument/2006/math" xmlns="" val="1"/>
+            </a:ext>
+          </a:extLst>
+        </p:spPr>
+        <p:txBody>
+          <a:bodyPr wrap="none" lIns="91424" tIns="91424" rIns="91424" bIns="91424" anchor="ctr">
+            <a:spAutoFit/>
+          </a:bodyPr>
+          <a:lstStyle>
+            <a:defPPr marL="0" marR="0" indent="0" algn="l" defTabSz="914400" rtl="0" fontAlgn="auto" latinLnBrk="1" hangingPunct="0">
+              <a:lnSpc>
+                <a:spcPct val="100000"/>
+              </a:lnSpc>
+              <a:spcBef>
+                <a:spcPts val="0"/>
+              </a:spcBef>
+              <a:spcAft>
+                <a:spcPts val="0"/>
+              </a:spcAft>
+              <a:buClrTx/>
+              <a:buSzTx/>
+              <a:buFontTx/>
+              <a:buNone/>
+              <a:tabLst/>
+              <a:defRPr kumimoji="0" sz="1800" b="0" i="0" u="none" strike="noStrike" cap="none" spc="0" normalizeH="0" baseline="0">
+                <a:ln>
+                  <a:noFill/>
+                </a:ln>
+                <a:solidFill>
+                  <a:srgbClr val="000000"/>
+                </a:solidFill>
+                <a:effectLst/>
+                <a:uFillTx/>
+              </a:defRPr>
+            </a:defPPr>
+            <a:lvl1pPr marL="0" marR="0" indent="0" algn="r" defTabSz="914400" rtl="0" fontAlgn="auto" latinLnBrk="0" hangingPunct="0">
+              <a:lnSpc>
+                <a:spcPct val="100000"/>
+              </a:lnSpc>
+              <a:spcBef>
+                <a:spcPts val="0"/>
+              </a:spcBef>
+              <a:spcAft>
+                <a:spcPts val="0"/>
+              </a:spcAft>
+              <a:buClrTx/>
+              <a:buSzTx/>
+              <a:buFontTx/>
+              <a:buNone/>
+              <a:tabLst/>
+              <a:defRPr kumimoji="0" sz="1300" b="0" i="0" u="none" strike="noStrike" cap="none" spc="0" normalizeH="0" baseline="0">
+                <a:ln>
+                  <a:noFill/>
+                </a:ln>
+                <a:solidFill>
+                  <a:srgbClr val="000000"/>
+                </a:solidFill>
+                <a:effectLst/>
+                <a:uFillTx/>
+                <a:latin typeface="Avenir Heavy"/>
+                <a:ea typeface="Avenir Heavy"/>
+                <a:cs typeface="Avenir Heavy"/>
+                <a:sym typeface="Avenir Heavy"/>
+              </a:defRPr>
+            </a:lvl1pPr>
+            <a:lvl2pPr marL="0" marR="0" indent="0" algn="l" defTabSz="914400" rtl="0" fontAlgn="auto" latinLnBrk="0" hangingPunct="0">
+              <a:lnSpc>
+                <a:spcPct val="100000"/>
+              </a:lnSpc>
+              <a:spcBef>
+                <a:spcPts val="0"/>
+              </a:spcBef>
+              <a:spcAft>
+                <a:spcPts val="0"/>
+              </a:spcAft>
+              <a:buClrTx/>
+              <a:buSzTx/>
+              <a:buFontTx/>
+              <a:buNone/>
+              <a:tabLst/>
+              <a:defRPr kumimoji="0" sz="1400" b="0" i="0" u="none" strike="noStrike" cap="none" spc="0" normalizeH="0" baseline="0">
+                <a:ln>
+                  <a:noFill/>
+                </a:ln>
+                <a:solidFill>
+                  <a:srgbClr val="000000"/>
+                </a:solidFill>
+                <a:effectLst/>
+                <a:uFillTx/>
+                <a:latin typeface="+mj-lt"/>
+                <a:ea typeface="+mj-ea"/>
+                <a:cs typeface="+mj-cs"/>
+                <a:sym typeface="Arial"/>
+              </a:defRPr>
+            </a:lvl2pPr>
+            <a:lvl3pPr marL="0" marR="0" indent="0" algn="l" defTabSz="914400" rtl="0" fontAlgn="auto" latinLnBrk="0" hangingPunct="0">
+              <a:lnSpc>
+                <a:spcPct val="100000"/>
+              </a:lnSpc>
+              <a:spcBef>
+                <a:spcPts val="0"/>
+              </a:spcBef>
+              <a:spcAft>
+                <a:spcPts val="0"/>
+              </a:spcAft>
+              <a:buClrTx/>
+              <a:buSzTx/>
+              <a:buFontTx/>
+              <a:buNone/>
+              <a:tabLst/>
+              <a:defRPr kumimoji="0" sz="1400" b="0" i="0" u="none" strike="noStrike" cap="none" spc="0" normalizeH="0" baseline="0">
+                <a:ln>
+                  <a:noFill/>
+                </a:ln>
+                <a:solidFill>
+                  <a:srgbClr val="000000"/>
+                </a:solidFill>
+                <a:effectLst/>
+                <a:uFillTx/>
+                <a:latin typeface="+mj-lt"/>
+                <a:ea typeface="+mj-ea"/>
+                <a:cs typeface="+mj-cs"/>
+                <a:sym typeface="Arial"/>
+              </a:defRPr>
+            </a:lvl3pPr>
+            <a:lvl4pPr marL="0" marR="0" indent="0" algn="l" defTabSz="914400" rtl="0" fontAlgn="auto" latinLnBrk="0" hangingPunct="0">
+              <a:lnSpc>
+                <a:spcPct val="100000"/>
+              </a:lnSpc>
+              <a:spcBef>
+                <a:spcPts val="0"/>
+              </a:spcBef>
+              <a:spcAft>
+                <a:spcPts val="0"/>
+              </a:spcAft>
+              <a:buClrTx/>
+              <a:buSzTx/>
+              <a:buFontTx/>
+              <a:buNone/>
+              <a:tabLst/>
+              <a:defRPr kumimoji="0" sz="1400" b="0" i="0" u="none" strike="noStrike" cap="none" spc="0" normalizeH="0" baseline="0">
+                <a:ln>
+                  <a:noFill/>
+                </a:ln>
+                <a:solidFill>
+                  <a:srgbClr val="000000"/>
+                </a:solidFill>
+                <a:effectLst/>
+                <a:uFillTx/>
+                <a:latin typeface="+mj-lt"/>
+                <a:ea typeface="+mj-ea"/>
+                <a:cs typeface="+mj-cs"/>
+                <a:sym typeface="Arial"/>
+              </a:defRPr>
+            </a:lvl4pPr>
+            <a:lvl5pPr marL="0" marR="0" indent="0" algn="l" defTabSz="914400" rtl="0" fontAlgn="auto" latinLnBrk="0" hangingPunct="0">
+              <a:lnSpc>
+                <a:spcPct val="100000"/>
+              </a:lnSpc>
+              <a:spcBef>
+                <a:spcPts val="0"/>
+              </a:spcBef>
+              <a:spcAft>
+                <a:spcPts val="0"/>
+              </a:spcAft>
+              <a:buClrTx/>
+              <a:buSzTx/>
+              <a:buFontTx/>
+              <a:buNone/>
+              <a:tabLst/>
+              <a:defRPr kumimoji="0" sz="1400" b="0" i="0" u="none" strike="noStrike" cap="none" spc="0" normalizeH="0" baseline="0">
+                <a:ln>
+                  <a:noFill/>
+                </a:ln>
+                <a:solidFill>
+                  <a:srgbClr val="000000"/>
+                </a:solidFill>
+                <a:effectLst/>
+                <a:uFillTx/>
+                <a:latin typeface="+mj-lt"/>
+                <a:ea typeface="+mj-ea"/>
+                <a:cs typeface="+mj-cs"/>
+                <a:sym typeface="Arial"/>
+              </a:defRPr>
+            </a:lvl5pPr>
+            <a:lvl6pPr marL="0" marR="0" indent="0" algn="l" defTabSz="914400" rtl="0" fontAlgn="auto" latinLnBrk="0" hangingPunct="0">
+              <a:lnSpc>
+                <a:spcPct val="100000"/>
+              </a:lnSpc>
+              <a:spcBef>
+                <a:spcPts val="0"/>
+              </a:spcBef>
+              <a:spcAft>
+                <a:spcPts val="0"/>
+              </a:spcAft>
+              <a:buClrTx/>
+              <a:buSzTx/>
+              <a:buFontTx/>
+              <a:buNone/>
+              <a:tabLst/>
+              <a:defRPr kumimoji="0" sz="1400" b="0" i="0" u="none" strike="noStrike" cap="none" spc="0" normalizeH="0" baseline="0">
+                <a:ln>
+                  <a:noFill/>
+                </a:ln>
+                <a:solidFill>
+                  <a:srgbClr val="000000"/>
+                </a:solidFill>
+                <a:effectLst/>
+                <a:uFillTx/>
+                <a:latin typeface="+mj-lt"/>
+                <a:ea typeface="+mj-ea"/>
+                <a:cs typeface="+mj-cs"/>
+                <a:sym typeface="Arial"/>
+              </a:defRPr>
+            </a:lvl6pPr>
+            <a:lvl7pPr marL="0" marR="0" indent="0" algn="l" defTabSz="914400" rtl="0" fontAlgn="auto" latinLnBrk="0" hangingPunct="0">
+              <a:lnSpc>
+                <a:spcPct val="100000"/>
+              </a:lnSpc>
+              <a:spcBef>
+                <a:spcPts val="0"/>
+              </a:spcBef>
+              <a:spcAft>
+                <a:spcPts val="0"/>
+              </a:spcAft>
+              <a:buClrTx/>
+              <a:buSzTx/>
+              <a:buFontTx/>
+              <a:buNone/>
+              <a:tabLst/>
+              <a:defRPr kumimoji="0" sz="1400" b="0" i="0" u="none" strike="noStrike" cap="none" spc="0" normalizeH="0" baseline="0">
+                <a:ln>
+                  <a:noFill/>
+                </a:ln>
+                <a:solidFill>
+                  <a:srgbClr val="000000"/>
+                </a:solidFill>
+                <a:effectLst/>
+                <a:uFillTx/>
+                <a:latin typeface="+mj-lt"/>
+                <a:ea typeface="+mj-ea"/>
+                <a:cs typeface="+mj-cs"/>
+                <a:sym typeface="Arial"/>
+              </a:defRPr>
+            </a:lvl7pPr>
+            <a:lvl8pPr marL="0" marR="0" indent="0" algn="l" defTabSz="914400" rtl="0" fontAlgn="auto" latinLnBrk="0" hangingPunct="0">
+              <a:lnSpc>
+                <a:spcPct val="100000"/>
+              </a:lnSpc>
+              <a:spcBef>
+                <a:spcPts val="0"/>
+              </a:spcBef>
+              <a:spcAft>
+                <a:spcPts val="0"/>
+              </a:spcAft>
+              <a:buClrTx/>
+              <a:buSzTx/>
+              <a:buFontTx/>
+              <a:buNone/>
+              <a:tabLst/>
+              <a:defRPr kumimoji="0" sz="1400" b="0" i="0" u="none" strike="noStrike" cap="none" spc="0" normalizeH="0" baseline="0">
+                <a:ln>
+                  <a:noFill/>
+                </a:ln>
+                <a:solidFill>
+                  <a:srgbClr val="000000"/>
+                </a:solidFill>
+                <a:effectLst/>
+                <a:uFillTx/>
+                <a:latin typeface="+mj-lt"/>
+                <a:ea typeface="+mj-ea"/>
+                <a:cs typeface="+mj-cs"/>
+                <a:sym typeface="Arial"/>
+              </a:defRPr>
+            </a:lvl8pPr>
+            <a:lvl9pPr marL="0" marR="0" indent="0" algn="l" defTabSz="914400" rtl="0" fontAlgn="auto" latinLnBrk="0" hangingPunct="0">
+              <a:lnSpc>
+                <a:spcPct val="100000"/>
+              </a:lnSpc>
+              <a:spcBef>
+                <a:spcPts val="0"/>
+              </a:spcBef>
+              <a:spcAft>
+                <a:spcPts val="0"/>
+              </a:spcAft>
+              <a:buClrTx/>
+              <a:buSzTx/>
+              <a:buFontTx/>
+              <a:buNone/>
+              <a:tabLst/>
+              <a:defRPr kumimoji="0" sz="1400" b="0" i="0" u="none" strike="noStrike" cap="none" spc="0" normalizeH="0" baseline="0">
+                <a:ln>
+                  <a:noFill/>
+                </a:ln>
+                <a:solidFill>
+                  <a:srgbClr val="000000"/>
+                </a:solidFill>
+                <a:effectLst/>
+                <a:uFillTx/>
+                <a:latin typeface="+mj-lt"/>
+                <a:ea typeface="+mj-ea"/>
+                <a:cs typeface="+mj-cs"/>
+                <a:sym typeface="Arial"/>
+              </a:defRPr>
+            </a:lvl9pPr>
+          </a:lstStyle>
+          <a:p>
+            <a:fld id="{86CB4B4D-7CA3-9044-876B-883B54F8677D}" type="slidenum">
+              <a:rPr lang="en-GB" smtClean="0"/>
+              <a:pPr/>
+              <a:t>23</a:t>
+            </a:fld>
+            <a:endParaRPr lang="en-GB"/>
+          </a:p>
+        </p:txBody>
+      </p:sp>
+      <p:sp>
+        <p:nvSpPr>
+          <p:cNvPr id="13" name="Textfeld 4">
+            <a:extLst>
+              <a:ext uri="{FF2B5EF4-FFF2-40B4-BE49-F238E27FC236}">
+                <a16:creationId xmlns:a16="http://schemas.microsoft.com/office/drawing/2014/main" id="{7BE33F41-7EEB-D921-CC46-F2F3C2C53540}"/>
+              </a:ext>
+            </a:extLst>
+          </p:cNvPr>
+          <p:cNvSpPr txBox="1"/>
+          <p:nvPr/>
+        </p:nvSpPr>
+        <p:spPr>
+          <a:xfrm>
+            <a:off x="5324833" y="867695"/>
+            <a:ext cx="3331029" cy="3816429"/>
+          </a:xfrm>
+          <a:prstGeom prst="rect">
+            <a:avLst/>
+          </a:prstGeom>
+          <a:solidFill>
+            <a:schemeClr val="accent1">
+              <a:lumMod val="20000"/>
+              <a:lumOff val="80000"/>
+            </a:schemeClr>
+          </a:solidFill>
+          <a:ln w="12700" cap="flat">
+            <a:noFill/>
+            <a:miter lim="400000"/>
+          </a:ln>
+          <a:effectLst/>
+          <a:sp3d/>
+        </p:spPr>
+        <p:style>
+          <a:lnRef idx="0">
+            <a:scrgbClr r="0" g="0" b="0"/>
+          </a:lnRef>
+          <a:fillRef idx="0">
+            <a:scrgbClr r="0" g="0" b="0"/>
+          </a:fillRef>
+          <a:effectRef idx="0">
+            <a:scrgbClr r="0" g="0" b="0"/>
+          </a:effectRef>
+          <a:fontRef idx="none"/>
+        </p:style>
+        <p:txBody>
+          <a:bodyPr wrap="square">
+            <a:spAutoFit/>
+          </a:bodyPr>
+          <a:lstStyle/>
+          <a:p>
+            <a:pPr marL="0" marR="0" lvl="0" indent="0" algn="l" defTabSz="914400" rtl="0" eaLnBrk="1" fontAlgn="auto" latinLnBrk="0" hangingPunct="0">
+              <a:lnSpc>
+                <a:spcPct val="100000"/>
+              </a:lnSpc>
+              <a:spcBef>
+                <a:spcPts val="0"/>
+              </a:spcBef>
+              <a:spcAft>
+                <a:spcPts val="0"/>
+              </a:spcAft>
+              <a:buClrTx/>
+              <a:buSzTx/>
+              <a:buFontTx/>
+              <a:buNone/>
+              <a:tabLst/>
+              <a:defRPr/>
+            </a:pPr>
+            <a:r>
+              <a:rPr kumimoji="0" lang="de-DE" sz="1100" b="1" i="0" u="none" strike="noStrike" kern="0" cap="none" spc="0" normalizeH="0" baseline="0" noProof="0" dirty="0" err="1">
+                <a:ln>
+                  <a:noFill/>
+                </a:ln>
+                <a:solidFill>
+                  <a:srgbClr val="002060"/>
+                </a:solidFill>
+                <a:effectLst/>
+                <a:uLnTx/>
+                <a:uFillTx/>
+                <a:latin typeface="Courier New" panose="02070309020205020404" pitchFamily="49" charset="0"/>
+                <a:cs typeface="Courier New" panose="02070309020205020404" pitchFamily="49" charset="0"/>
+                <a:sym typeface="Arial"/>
+              </a:rPr>
+              <a:t>my_project</a:t>
+            </a:r>
+            <a:r>
+              <a:rPr kumimoji="0" lang="de-DE" sz="1100" b="1" i="0" u="none" strike="noStrike" kern="0" cap="none" spc="0" normalizeH="0" baseline="0" noProof="0" dirty="0">
+                <a:ln>
+                  <a:noFill/>
+                </a:ln>
+                <a:solidFill>
+                  <a:srgbClr val="002060"/>
+                </a:solidFill>
+                <a:effectLst/>
+                <a:uLnTx/>
+                <a:uFillTx/>
+                <a:latin typeface="Courier New" panose="02070309020205020404" pitchFamily="49" charset="0"/>
+                <a:cs typeface="Courier New" panose="02070309020205020404" pitchFamily="49" charset="0"/>
+                <a:sym typeface="Arial"/>
+              </a:rPr>
+              <a:t>/</a:t>
+            </a:r>
+          </a:p>
+          <a:p>
+            <a:pPr>
+              <a:defRPr/>
+            </a:pPr>
+            <a:r>
+              <a:rPr lang="de-DE" sz="1100" b="1" dirty="0">
+                <a:solidFill>
+                  <a:srgbClr val="FFFFFF"/>
+                </a:solidFill>
+                <a:highlight>
+                  <a:srgbClr val="008000"/>
+                </a:highlight>
+                <a:latin typeface="Courier New" panose="02070309020205020404" pitchFamily="49" charset="0"/>
+                <a:cs typeface="Courier New" panose="02070309020205020404" pitchFamily="49" charset="0"/>
+              </a:rPr>
+              <a:t>├── .gitignore</a:t>
+            </a:r>
+            <a:endParaRPr kumimoji="0" lang="de-DE" sz="1100" b="1" i="0" u="none" strike="noStrike" kern="0" cap="none" spc="0" normalizeH="0" baseline="0" noProof="0" dirty="0">
+              <a:ln>
+                <a:noFill/>
+              </a:ln>
+              <a:solidFill>
+                <a:srgbClr val="002060"/>
+              </a:solidFill>
+              <a:effectLst/>
+              <a:uLnTx/>
+              <a:uFillTx/>
+              <a:latin typeface="Courier New" panose="02070309020205020404" pitchFamily="49" charset="0"/>
+              <a:cs typeface="Courier New" panose="02070309020205020404" pitchFamily="49" charset="0"/>
+              <a:sym typeface="Arial"/>
+            </a:endParaRPr>
+          </a:p>
+          <a:p>
+            <a:pPr>
+              <a:defRPr/>
+            </a:pPr>
+            <a:r>
+              <a:rPr lang="de-DE" sz="1100" b="1" dirty="0">
+                <a:solidFill>
+                  <a:srgbClr val="FFFFFF"/>
+                </a:solidFill>
+                <a:highlight>
+                  <a:srgbClr val="008000"/>
+                </a:highlight>
+                <a:latin typeface="Courier New" panose="02070309020205020404" pitchFamily="49" charset="0"/>
+                <a:cs typeface="Courier New" panose="02070309020205020404" pitchFamily="49" charset="0"/>
+              </a:rPr>
+              <a:t>├── LICENSE</a:t>
+            </a:r>
+          </a:p>
+          <a:p>
+            <a:pPr marL="0" marR="0" lvl="0" indent="0" algn="l" defTabSz="914400" rtl="0" eaLnBrk="1" fontAlgn="auto" latinLnBrk="0" hangingPunct="0">
+              <a:lnSpc>
+                <a:spcPct val="100000"/>
+              </a:lnSpc>
+              <a:spcBef>
+                <a:spcPts val="0"/>
+              </a:spcBef>
+              <a:spcAft>
+                <a:spcPts val="0"/>
+              </a:spcAft>
+              <a:buClrTx/>
+              <a:buSzTx/>
+              <a:buFontTx/>
+              <a:buNone/>
+              <a:tabLst/>
+              <a:defRPr/>
+            </a:pPr>
+            <a:r>
+              <a:rPr lang="de-DE" sz="1100" b="1" dirty="0">
+                <a:solidFill>
+                  <a:srgbClr val="002060"/>
+                </a:solidFill>
+                <a:latin typeface="Courier New" panose="02070309020205020404" pitchFamily="49" charset="0"/>
+                <a:cs typeface="Courier New" panose="02070309020205020404" pitchFamily="49" charset="0"/>
+              </a:rPr>
+              <a:t>├── </a:t>
+            </a:r>
+            <a:r>
+              <a:rPr lang="de-DE" sz="1100" b="1" dirty="0" err="1">
+                <a:solidFill>
+                  <a:srgbClr val="002060"/>
+                </a:solidFill>
+                <a:latin typeface="Courier New" panose="02070309020205020404" pitchFamily="49" charset="0"/>
+                <a:cs typeface="Courier New" panose="02070309020205020404" pitchFamily="49" charset="0"/>
+              </a:rPr>
+              <a:t>notebooks_scripts</a:t>
+            </a:r>
+            <a:endParaRPr lang="de-DE" sz="1100" b="1" dirty="0">
+              <a:solidFill>
+                <a:srgbClr val="002060"/>
+              </a:solidFill>
+              <a:latin typeface="Courier New" panose="02070309020205020404" pitchFamily="49" charset="0"/>
+              <a:cs typeface="Courier New" panose="02070309020205020404" pitchFamily="49" charset="0"/>
+            </a:endParaRPr>
+          </a:p>
+          <a:p>
+            <a:pPr marL="0" marR="0" lvl="0" indent="0" algn="l" defTabSz="914400" rtl="0" eaLnBrk="1" fontAlgn="auto" latinLnBrk="0" hangingPunct="0">
+              <a:lnSpc>
+                <a:spcPct val="100000"/>
+              </a:lnSpc>
+              <a:spcBef>
+                <a:spcPts val="0"/>
+              </a:spcBef>
+              <a:spcAft>
+                <a:spcPts val="0"/>
+              </a:spcAft>
+              <a:buClrTx/>
+              <a:buSzTx/>
+              <a:buFontTx/>
+              <a:buNone/>
+              <a:tabLst/>
+              <a:defRPr/>
+            </a:pPr>
+            <a:r>
+              <a:rPr kumimoji="0" lang="de-DE" sz="1100" b="1" i="0" u="none" strike="noStrike" kern="0" cap="none" spc="0" normalizeH="0" baseline="0" noProof="0" dirty="0">
+                <a:ln>
+                  <a:noFill/>
+                </a:ln>
+                <a:solidFill>
+                  <a:srgbClr val="002060"/>
+                </a:solidFill>
+                <a:effectLst/>
+                <a:uLnTx/>
+                <a:uFillTx/>
+                <a:latin typeface="Courier New" panose="02070309020205020404" pitchFamily="49" charset="0"/>
+                <a:cs typeface="Courier New" panose="02070309020205020404" pitchFamily="49" charset="0"/>
+                <a:sym typeface="Arial"/>
+              </a:rPr>
+              <a:t>│   ├── </a:t>
+            </a:r>
+            <a:r>
+              <a:rPr kumimoji="0" lang="de-DE" sz="1100" b="1" i="0" u="none" strike="noStrike" kern="0" cap="none" spc="0" normalizeH="0" baseline="0" noProof="0" dirty="0" err="1">
+                <a:ln>
+                  <a:noFill/>
+                </a:ln>
+                <a:solidFill>
+                  <a:srgbClr val="002060"/>
+                </a:solidFill>
+                <a:effectLst/>
+                <a:uLnTx/>
+                <a:uFillTx/>
+                <a:latin typeface="Courier New" panose="02070309020205020404" pitchFamily="49" charset="0"/>
+                <a:cs typeface="Courier New" panose="02070309020205020404" pitchFamily="49" charset="0"/>
+                <a:sym typeface="Arial"/>
+              </a:rPr>
+              <a:t>demo.ipynb</a:t>
+            </a:r>
+            <a:endParaRPr kumimoji="0" lang="de-DE" sz="1100" b="1" i="0" u="none" strike="noStrike" kern="0" cap="none" spc="0" normalizeH="0" baseline="0" noProof="0" dirty="0">
+              <a:ln>
+                <a:noFill/>
+              </a:ln>
+              <a:solidFill>
+                <a:srgbClr val="002060"/>
+              </a:solidFill>
+              <a:effectLst/>
+              <a:uLnTx/>
+              <a:uFillTx/>
+              <a:latin typeface="Courier New" panose="02070309020205020404" pitchFamily="49" charset="0"/>
+              <a:cs typeface="Courier New" panose="02070309020205020404" pitchFamily="49" charset="0"/>
+              <a:sym typeface="Arial"/>
+            </a:endParaRPr>
+          </a:p>
+          <a:p>
+            <a:pPr marL="0" marR="0" lvl="0" indent="0" algn="l" defTabSz="914400" rtl="0" eaLnBrk="1" fontAlgn="auto" latinLnBrk="0" hangingPunct="0">
+              <a:lnSpc>
+                <a:spcPct val="100000"/>
+              </a:lnSpc>
+              <a:spcBef>
+                <a:spcPts val="0"/>
+              </a:spcBef>
+              <a:spcAft>
+                <a:spcPts val="0"/>
+              </a:spcAft>
+              <a:buClrTx/>
+              <a:buSzTx/>
+              <a:buFontTx/>
+              <a:buNone/>
+              <a:tabLst/>
+              <a:defRPr/>
+            </a:pPr>
+            <a:r>
+              <a:rPr kumimoji="0" lang="de-DE" sz="1100" b="1" i="0" u="none" strike="noStrike" kern="0" cap="none" spc="0" normalizeH="0" baseline="0" noProof="0" dirty="0">
+                <a:ln>
+                  <a:noFill/>
+                </a:ln>
+                <a:solidFill>
+                  <a:srgbClr val="002060"/>
+                </a:solidFill>
+                <a:effectLst/>
+                <a:uLnTx/>
+                <a:uFillTx/>
+                <a:latin typeface="Courier New" panose="02070309020205020404" pitchFamily="49" charset="0"/>
+                <a:cs typeface="Courier New" panose="02070309020205020404" pitchFamily="49" charset="0"/>
+                <a:sym typeface="Arial"/>
+              </a:rPr>
+              <a:t>│   ├── </a:t>
+            </a:r>
+            <a:r>
+              <a:rPr kumimoji="0" lang="de-DE" sz="1100" b="1" i="0" u="none" strike="noStrike" kern="0" cap="none" spc="0" normalizeH="0" baseline="0" noProof="0" dirty="0" err="1">
+                <a:ln>
+                  <a:noFill/>
+                </a:ln>
+                <a:solidFill>
+                  <a:srgbClr val="002060"/>
+                </a:solidFill>
+                <a:effectLst/>
+                <a:uLnTx/>
+                <a:uFillTx/>
+                <a:latin typeface="Courier New" panose="02070309020205020404" pitchFamily="49" charset="0"/>
+                <a:cs typeface="Courier New" panose="02070309020205020404" pitchFamily="49" charset="0"/>
+                <a:sym typeface="Arial"/>
+              </a:rPr>
+              <a:t>recreate_paper_figures.py</a:t>
+            </a:r>
+            <a:endParaRPr kumimoji="0" lang="de-DE" sz="1100" b="1" i="0" u="none" strike="noStrike" kern="0" cap="none" spc="0" normalizeH="0" baseline="0" noProof="0" dirty="0">
+              <a:ln>
+                <a:noFill/>
+              </a:ln>
+              <a:solidFill>
+                <a:srgbClr val="002060"/>
+              </a:solidFill>
+              <a:effectLst/>
+              <a:uLnTx/>
+              <a:uFillTx/>
+              <a:latin typeface="Courier New" panose="02070309020205020404" pitchFamily="49" charset="0"/>
+              <a:cs typeface="Courier New" panose="02070309020205020404" pitchFamily="49" charset="0"/>
+              <a:sym typeface="Arial"/>
+            </a:endParaRPr>
+          </a:p>
+          <a:p>
+            <a:pPr marL="0" marR="0" lvl="0" indent="0" algn="l" defTabSz="914400" rtl="0" eaLnBrk="1" fontAlgn="auto" latinLnBrk="0" hangingPunct="0">
+              <a:lnSpc>
+                <a:spcPct val="100000"/>
+              </a:lnSpc>
+              <a:spcBef>
+                <a:spcPts val="0"/>
+              </a:spcBef>
+              <a:spcAft>
+                <a:spcPts val="0"/>
+              </a:spcAft>
+              <a:buClrTx/>
+              <a:buSzTx/>
+              <a:buFontTx/>
+              <a:buNone/>
+              <a:tabLst/>
+              <a:defRPr/>
+            </a:pPr>
+            <a:r>
+              <a:rPr kumimoji="0" lang="de-DE" sz="1100" b="1" i="0" u="none" strike="noStrike" kern="0" cap="none" spc="0" normalizeH="0" baseline="0" noProof="0" dirty="0">
+                <a:ln>
+                  <a:noFill/>
+                </a:ln>
+                <a:solidFill>
+                  <a:srgbClr val="002060"/>
+                </a:solidFill>
+                <a:effectLst/>
+                <a:uLnTx/>
+                <a:uFillTx/>
+                <a:latin typeface="Courier New" panose="02070309020205020404" pitchFamily="49" charset="0"/>
+                <a:cs typeface="Courier New" panose="02070309020205020404" pitchFamily="49" charset="0"/>
+                <a:sym typeface="Arial"/>
+              </a:rPr>
+              <a:t>├── </a:t>
+            </a:r>
+            <a:r>
+              <a:rPr kumimoji="0" lang="de-DE" sz="1100" b="1" i="0" u="none" strike="noStrike" kern="0" cap="none" spc="0" normalizeH="0" baseline="0" noProof="0" dirty="0" err="1">
+                <a:ln>
+                  <a:noFill/>
+                </a:ln>
+                <a:solidFill>
+                  <a:srgbClr val="002060"/>
+                </a:solidFill>
+                <a:effectLst/>
+                <a:uLnTx/>
+                <a:uFillTx/>
+                <a:latin typeface="Courier New" panose="02070309020205020404" pitchFamily="49" charset="0"/>
+                <a:cs typeface="Courier New" panose="02070309020205020404" pitchFamily="49" charset="0"/>
+                <a:sym typeface="Arial"/>
+              </a:rPr>
+              <a:t>pyproject.toml</a:t>
+            </a:r>
+            <a:endParaRPr kumimoji="0" lang="de-DE" sz="1100" b="1" i="0" u="none" strike="noStrike" kern="0" cap="none" spc="0" normalizeH="0" baseline="0" noProof="0" dirty="0">
+              <a:ln>
+                <a:noFill/>
+              </a:ln>
+              <a:solidFill>
+                <a:srgbClr val="002060"/>
+              </a:solidFill>
+              <a:effectLst/>
+              <a:uLnTx/>
+              <a:uFillTx/>
+              <a:latin typeface="Courier New" panose="02070309020205020404" pitchFamily="49" charset="0"/>
+              <a:cs typeface="Courier New" panose="02070309020205020404" pitchFamily="49" charset="0"/>
+              <a:sym typeface="Arial"/>
+            </a:endParaRPr>
+          </a:p>
+          <a:p>
+            <a:pPr lvl="0" eaLnBrk="1">
+              <a:defRPr/>
+            </a:pPr>
+            <a:r>
+              <a:rPr lang="de-DE" sz="1100" b="1" dirty="0">
+                <a:solidFill>
+                  <a:srgbClr val="FFFFFF"/>
+                </a:solidFill>
+                <a:highlight>
+                  <a:srgbClr val="008000"/>
+                </a:highlight>
+                <a:latin typeface="Courier New" panose="02070309020205020404" pitchFamily="49" charset="0"/>
+                <a:cs typeface="Courier New" panose="02070309020205020404" pitchFamily="49" charset="0"/>
+              </a:rPr>
+              <a:t>├── README.md</a:t>
+            </a:r>
+          </a:p>
+          <a:p>
+            <a:pPr>
+              <a:defRPr/>
+            </a:pPr>
+            <a:r>
+              <a:rPr lang="de-DE" sz="1100" b="1" dirty="0">
+                <a:solidFill>
+                  <a:srgbClr val="FFFFFF"/>
+                </a:solidFill>
+                <a:highlight>
+                  <a:srgbClr val="008000"/>
+                </a:highlight>
+                <a:latin typeface="Courier New" panose="02070309020205020404" pitchFamily="49" charset="0"/>
+                <a:cs typeface="Courier New" panose="02070309020205020404" pitchFamily="49" charset="0"/>
+              </a:rPr>
+              <a:t>├── requirements.txt</a:t>
+            </a:r>
+          </a:p>
+          <a:p>
+            <a:pPr marL="0" marR="0" lvl="0" indent="0" algn="l" defTabSz="914400" rtl="0" eaLnBrk="1" fontAlgn="auto" latinLnBrk="0" hangingPunct="0">
+              <a:lnSpc>
+                <a:spcPct val="100000"/>
+              </a:lnSpc>
+              <a:spcBef>
+                <a:spcPts val="0"/>
+              </a:spcBef>
+              <a:spcAft>
+                <a:spcPts val="0"/>
+              </a:spcAft>
+              <a:buClrTx/>
+              <a:buSzTx/>
+              <a:buFontTx/>
+              <a:buNone/>
+              <a:tabLst/>
+              <a:defRPr/>
+            </a:pPr>
+            <a:r>
+              <a:rPr lang="de-DE" sz="1100" b="1" dirty="0">
+                <a:solidFill>
+                  <a:srgbClr val="002060"/>
+                </a:solidFill>
+                <a:latin typeface="Courier New" panose="02070309020205020404" pitchFamily="49" charset="0"/>
+                <a:cs typeface="Courier New" panose="02070309020205020404" pitchFamily="49" charset="0"/>
+              </a:rPr>
+              <a:t>├── </a:t>
+            </a:r>
+            <a:r>
+              <a:rPr lang="de-DE" sz="1100" b="1" dirty="0" err="1">
+                <a:solidFill>
+                  <a:srgbClr val="002060"/>
+                </a:solidFill>
+                <a:latin typeface="Courier New" panose="02070309020205020404" pitchFamily="49" charset="0"/>
+                <a:cs typeface="Courier New" panose="02070309020205020404" pitchFamily="49" charset="0"/>
+              </a:rPr>
+              <a:t>src</a:t>
+            </a:r>
+            <a:r>
+              <a:rPr lang="de-DE" sz="1100" b="1" dirty="0">
+                <a:solidFill>
+                  <a:srgbClr val="002060"/>
+                </a:solidFill>
+                <a:latin typeface="Courier New" panose="02070309020205020404" pitchFamily="49" charset="0"/>
+                <a:cs typeface="Courier New" panose="02070309020205020404" pitchFamily="49" charset="0"/>
+              </a:rPr>
+              <a:t>/</a:t>
+            </a:r>
+          </a:p>
+          <a:p>
+            <a:pPr marL="0" marR="0" lvl="0" indent="0" algn="l" defTabSz="914400" rtl="0" eaLnBrk="1" fontAlgn="auto" latinLnBrk="0" hangingPunct="0">
+              <a:lnSpc>
+                <a:spcPct val="100000"/>
+              </a:lnSpc>
+              <a:spcBef>
+                <a:spcPts val="0"/>
+              </a:spcBef>
+              <a:spcAft>
+                <a:spcPts val="0"/>
+              </a:spcAft>
+              <a:buClrTx/>
+              <a:buSzTx/>
+              <a:buFontTx/>
+              <a:buNone/>
+              <a:tabLst/>
+              <a:defRPr/>
+            </a:pPr>
+            <a:r>
+              <a:rPr kumimoji="0" lang="de-DE" sz="1100" b="1" i="0" u="none" strike="noStrike" kern="0" cap="none" spc="0" normalizeH="0" baseline="0" noProof="0" dirty="0">
+                <a:ln>
+                  <a:noFill/>
+                </a:ln>
+                <a:solidFill>
+                  <a:srgbClr val="002060"/>
+                </a:solidFill>
+                <a:effectLst/>
+                <a:uLnTx/>
+                <a:uFillTx/>
+                <a:latin typeface="Courier New" panose="02070309020205020404" pitchFamily="49" charset="0"/>
+                <a:cs typeface="Courier New" panose="02070309020205020404" pitchFamily="49" charset="0"/>
+                <a:sym typeface="Arial"/>
+              </a:rPr>
+              <a:t>│   ├── </a:t>
+            </a:r>
+            <a:r>
+              <a:rPr kumimoji="0" lang="de-DE" sz="1100" b="1" i="0" u="none" strike="noStrike" kern="0" cap="none" spc="0" normalizeH="0" baseline="0" noProof="0" dirty="0" err="1">
+                <a:ln>
+                  <a:noFill/>
+                </a:ln>
+                <a:solidFill>
+                  <a:srgbClr val="002060"/>
+                </a:solidFill>
+                <a:effectLst/>
+                <a:uLnTx/>
+                <a:uFillTx/>
+                <a:latin typeface="Courier New" panose="02070309020205020404" pitchFamily="49" charset="0"/>
+                <a:cs typeface="Courier New" panose="02070309020205020404" pitchFamily="49" charset="0"/>
+                <a:sym typeface="Arial"/>
+              </a:rPr>
+              <a:t>package_name</a:t>
+            </a:r>
+            <a:r>
+              <a:rPr kumimoji="0" lang="de-DE" sz="1100" b="1" i="0" u="none" strike="noStrike" kern="0" cap="none" spc="0" normalizeH="0" baseline="0" noProof="0" dirty="0">
+                <a:ln>
+                  <a:noFill/>
+                </a:ln>
+                <a:solidFill>
+                  <a:srgbClr val="002060"/>
+                </a:solidFill>
+                <a:effectLst/>
+                <a:uLnTx/>
+                <a:uFillTx/>
+                <a:latin typeface="Courier New" panose="02070309020205020404" pitchFamily="49" charset="0"/>
+                <a:cs typeface="Courier New" panose="02070309020205020404" pitchFamily="49" charset="0"/>
+                <a:sym typeface="Arial"/>
+              </a:rPr>
+              <a:t>/</a:t>
+            </a:r>
+          </a:p>
+          <a:p>
+            <a:pPr marL="0" marR="0" lvl="0" indent="0" algn="l" defTabSz="914400" rtl="0" eaLnBrk="1" fontAlgn="auto" latinLnBrk="0" hangingPunct="0">
+              <a:lnSpc>
+                <a:spcPct val="100000"/>
+              </a:lnSpc>
+              <a:spcBef>
+                <a:spcPts val="0"/>
+              </a:spcBef>
+              <a:spcAft>
+                <a:spcPts val="0"/>
+              </a:spcAft>
+              <a:buClrTx/>
+              <a:buSzTx/>
+              <a:buFontTx/>
+              <a:buNone/>
+              <a:tabLst/>
+              <a:defRPr/>
+            </a:pPr>
+            <a:r>
+              <a:rPr kumimoji="0" lang="de-DE" sz="1100" b="1" i="0" u="none" strike="noStrike" kern="0" cap="none" spc="0" normalizeH="0" baseline="0" noProof="0" dirty="0">
+                <a:ln>
+                  <a:noFill/>
+                </a:ln>
+                <a:solidFill>
+                  <a:srgbClr val="002060"/>
+                </a:solidFill>
+                <a:effectLst/>
+                <a:uLnTx/>
+                <a:uFillTx/>
+                <a:latin typeface="Courier New" panose="02070309020205020404" pitchFamily="49" charset="0"/>
+                <a:cs typeface="Courier New" panose="02070309020205020404" pitchFamily="49" charset="0"/>
+                <a:sym typeface="Arial"/>
+              </a:rPr>
+              <a:t>│   │   ├── __</a:t>
+            </a:r>
+            <a:r>
+              <a:rPr kumimoji="0" lang="de-DE" sz="1100" b="1" i="0" u="none" strike="noStrike" kern="0" cap="none" spc="0" normalizeH="0" baseline="0" noProof="0" dirty="0" err="1">
+                <a:ln>
+                  <a:noFill/>
+                </a:ln>
+                <a:solidFill>
+                  <a:srgbClr val="002060"/>
+                </a:solidFill>
+                <a:effectLst/>
+                <a:uLnTx/>
+                <a:uFillTx/>
+                <a:latin typeface="Courier New" panose="02070309020205020404" pitchFamily="49" charset="0"/>
+                <a:cs typeface="Courier New" panose="02070309020205020404" pitchFamily="49" charset="0"/>
+                <a:sym typeface="Arial"/>
+              </a:rPr>
+              <a:t>init</a:t>
+            </a:r>
+            <a:r>
+              <a:rPr kumimoji="0" lang="de-DE" sz="1100" b="1" i="0" u="none" strike="noStrike" kern="0" cap="none" spc="0" normalizeH="0" baseline="0" noProof="0" dirty="0">
+                <a:ln>
+                  <a:noFill/>
+                </a:ln>
+                <a:solidFill>
+                  <a:srgbClr val="002060"/>
+                </a:solidFill>
+                <a:effectLst/>
+                <a:uLnTx/>
+                <a:uFillTx/>
+                <a:latin typeface="Courier New" panose="02070309020205020404" pitchFamily="49" charset="0"/>
+                <a:cs typeface="Courier New" panose="02070309020205020404" pitchFamily="49" charset="0"/>
+                <a:sym typeface="Arial"/>
+              </a:rPr>
+              <a:t>__.</a:t>
+            </a:r>
+            <a:r>
+              <a:rPr kumimoji="0" lang="de-DE" sz="1100" b="1" i="0" u="none" strike="noStrike" kern="0" cap="none" spc="0" normalizeH="0" baseline="0" noProof="0" dirty="0" err="1">
+                <a:ln>
+                  <a:noFill/>
+                </a:ln>
+                <a:solidFill>
+                  <a:srgbClr val="002060"/>
+                </a:solidFill>
+                <a:effectLst/>
+                <a:uLnTx/>
+                <a:uFillTx/>
+                <a:latin typeface="Courier New" panose="02070309020205020404" pitchFamily="49" charset="0"/>
+                <a:cs typeface="Courier New" panose="02070309020205020404" pitchFamily="49" charset="0"/>
+                <a:sym typeface="Arial"/>
+              </a:rPr>
+              <a:t>py</a:t>
+            </a:r>
+            <a:endParaRPr kumimoji="0" lang="de-DE" sz="1100" b="1" i="0" u="none" strike="noStrike" kern="0" cap="none" spc="0" normalizeH="0" baseline="0" noProof="0" dirty="0">
+              <a:ln>
+                <a:noFill/>
+              </a:ln>
+              <a:solidFill>
+                <a:srgbClr val="002060"/>
+              </a:solidFill>
+              <a:effectLst/>
+              <a:uLnTx/>
+              <a:uFillTx/>
+              <a:latin typeface="Courier New" panose="02070309020205020404" pitchFamily="49" charset="0"/>
+              <a:cs typeface="Courier New" panose="02070309020205020404" pitchFamily="49" charset="0"/>
+              <a:sym typeface="Arial"/>
+            </a:endParaRPr>
+          </a:p>
+          <a:p>
+            <a:pPr marL="0" marR="0" lvl="0" indent="0" algn="l" defTabSz="914400" rtl="0" eaLnBrk="1" fontAlgn="auto" latinLnBrk="0" hangingPunct="0">
+              <a:lnSpc>
+                <a:spcPct val="100000"/>
+              </a:lnSpc>
+              <a:spcBef>
+                <a:spcPts val="0"/>
+              </a:spcBef>
+              <a:spcAft>
+                <a:spcPts val="0"/>
+              </a:spcAft>
+              <a:buClrTx/>
+              <a:buSzTx/>
+              <a:buFontTx/>
+              <a:buNone/>
+              <a:tabLst/>
+              <a:defRPr/>
+            </a:pPr>
+            <a:r>
+              <a:rPr kumimoji="0" lang="de-DE" sz="1100" b="1" i="0" u="none" strike="noStrike" kern="0" cap="none" spc="0" normalizeH="0" baseline="0" noProof="0" dirty="0">
+                <a:ln>
+                  <a:noFill/>
+                </a:ln>
+                <a:solidFill>
+                  <a:srgbClr val="002060"/>
+                </a:solidFill>
+                <a:effectLst/>
+                <a:uLnTx/>
+                <a:uFillTx/>
+                <a:latin typeface="Courier New" panose="02070309020205020404" pitchFamily="49" charset="0"/>
+                <a:cs typeface="Courier New" panose="02070309020205020404" pitchFamily="49" charset="0"/>
+                <a:sym typeface="Arial"/>
+              </a:rPr>
+              <a:t>│   │   ├── </a:t>
+            </a:r>
+            <a:r>
+              <a:rPr kumimoji="0" lang="de-DE" sz="1100" b="1" i="0" u="none" strike="noStrike" kern="0" cap="none" spc="0" normalizeH="0" baseline="0" noProof="0" dirty="0" err="1">
+                <a:ln>
+                  <a:noFill/>
+                </a:ln>
+                <a:solidFill>
+                  <a:srgbClr val="002060"/>
+                </a:solidFill>
+                <a:effectLst/>
+                <a:uLnTx/>
+                <a:uFillTx/>
+                <a:latin typeface="Courier New" panose="02070309020205020404" pitchFamily="49" charset="0"/>
+                <a:cs typeface="Courier New" panose="02070309020205020404" pitchFamily="49" charset="0"/>
+                <a:sym typeface="Arial"/>
+              </a:rPr>
+              <a:t>analysis.py</a:t>
+            </a:r>
+            <a:endParaRPr kumimoji="0" lang="de-DE" sz="1100" b="1" i="0" u="none" strike="noStrike" kern="0" cap="none" spc="0" normalizeH="0" baseline="0" noProof="0" dirty="0">
+              <a:ln>
+                <a:noFill/>
+              </a:ln>
+              <a:solidFill>
+                <a:srgbClr val="002060"/>
+              </a:solidFill>
+              <a:effectLst/>
+              <a:uLnTx/>
+              <a:uFillTx/>
+              <a:latin typeface="Courier New" panose="02070309020205020404" pitchFamily="49" charset="0"/>
+              <a:cs typeface="Courier New" panose="02070309020205020404" pitchFamily="49" charset="0"/>
+              <a:sym typeface="Arial"/>
+            </a:endParaRPr>
+          </a:p>
+          <a:p>
+            <a:pPr marL="0" marR="0" lvl="0" indent="0" algn="l" defTabSz="914400" rtl="0" eaLnBrk="1" fontAlgn="auto" latinLnBrk="0" hangingPunct="0">
+              <a:lnSpc>
+                <a:spcPct val="100000"/>
+              </a:lnSpc>
+              <a:spcBef>
+                <a:spcPts val="0"/>
+              </a:spcBef>
+              <a:spcAft>
+                <a:spcPts val="0"/>
+              </a:spcAft>
+              <a:buClrTx/>
+              <a:buSzTx/>
+              <a:buFontTx/>
+              <a:buNone/>
+              <a:tabLst/>
+              <a:defRPr/>
+            </a:pPr>
+            <a:r>
+              <a:rPr kumimoji="0" lang="de-DE" sz="1100" b="1" i="0" u="none" strike="noStrike" kern="0" cap="none" spc="0" normalizeH="0" baseline="0" noProof="0" dirty="0">
+                <a:ln>
+                  <a:noFill/>
+                </a:ln>
+                <a:solidFill>
+                  <a:srgbClr val="002060"/>
+                </a:solidFill>
+                <a:effectLst/>
+                <a:uLnTx/>
+                <a:uFillTx/>
+                <a:latin typeface="Courier New" panose="02070309020205020404" pitchFamily="49" charset="0"/>
+                <a:cs typeface="Courier New" panose="02070309020205020404" pitchFamily="49" charset="0"/>
+                <a:sym typeface="Arial"/>
+              </a:rPr>
+              <a:t>│   │   ├── </a:t>
+            </a:r>
+            <a:r>
+              <a:rPr kumimoji="0" lang="de-DE" sz="1100" b="1" i="0" u="none" strike="noStrike" kern="0" cap="none" spc="0" normalizeH="0" baseline="0" noProof="0" dirty="0" err="1">
+                <a:ln>
+                  <a:noFill/>
+                </a:ln>
+                <a:solidFill>
+                  <a:srgbClr val="002060"/>
+                </a:solidFill>
+                <a:effectLst/>
+                <a:uLnTx/>
+                <a:uFillTx/>
+                <a:latin typeface="Courier New" panose="02070309020205020404" pitchFamily="49" charset="0"/>
+                <a:cs typeface="Courier New" panose="02070309020205020404" pitchFamily="49" charset="0"/>
+                <a:sym typeface="Arial"/>
+              </a:rPr>
+              <a:t>constants.py</a:t>
+            </a:r>
+            <a:endParaRPr kumimoji="0" lang="de-DE" sz="1100" b="1" i="0" u="none" strike="noStrike" kern="0" cap="none" spc="0" normalizeH="0" baseline="0" noProof="0" dirty="0">
+              <a:ln>
+                <a:noFill/>
+              </a:ln>
+              <a:solidFill>
+                <a:srgbClr val="002060"/>
+              </a:solidFill>
+              <a:effectLst/>
+              <a:uLnTx/>
+              <a:uFillTx/>
+              <a:latin typeface="Courier New" panose="02070309020205020404" pitchFamily="49" charset="0"/>
+              <a:cs typeface="Courier New" panose="02070309020205020404" pitchFamily="49" charset="0"/>
+              <a:sym typeface="Arial"/>
+            </a:endParaRPr>
+          </a:p>
+          <a:p>
+            <a:pPr marL="0" marR="0" lvl="0" indent="0" algn="l" defTabSz="914400" rtl="0" eaLnBrk="1" fontAlgn="auto" latinLnBrk="0" hangingPunct="0">
+              <a:lnSpc>
+                <a:spcPct val="100000"/>
+              </a:lnSpc>
+              <a:spcBef>
+                <a:spcPts val="0"/>
+              </a:spcBef>
+              <a:spcAft>
+                <a:spcPts val="0"/>
+              </a:spcAft>
+              <a:buClrTx/>
+              <a:buSzTx/>
+              <a:buFontTx/>
+              <a:buNone/>
+              <a:tabLst/>
+              <a:defRPr/>
+            </a:pPr>
+            <a:r>
+              <a:rPr kumimoji="0" lang="de-DE" sz="1100" b="1" i="0" u="none" strike="noStrike" kern="0" cap="none" spc="0" normalizeH="0" baseline="0" noProof="0" dirty="0">
+                <a:ln>
+                  <a:noFill/>
+                </a:ln>
+                <a:solidFill>
+                  <a:srgbClr val="002060"/>
+                </a:solidFill>
+                <a:effectLst/>
+                <a:uLnTx/>
+                <a:uFillTx/>
+                <a:latin typeface="Courier New" panose="02070309020205020404" pitchFamily="49" charset="0"/>
+                <a:cs typeface="Courier New" panose="02070309020205020404" pitchFamily="49" charset="0"/>
+                <a:sym typeface="Arial"/>
+              </a:rPr>
+              <a:t>│   │   ├── </a:t>
+            </a:r>
+            <a:r>
+              <a:rPr kumimoji="0" lang="de-DE" sz="1100" b="1" i="0" u="none" strike="noStrike" kern="0" cap="none" spc="0" normalizeH="0" baseline="0" noProof="0" dirty="0" err="1">
+                <a:ln>
+                  <a:noFill/>
+                </a:ln>
+                <a:solidFill>
+                  <a:srgbClr val="002060"/>
+                </a:solidFill>
+                <a:effectLst/>
+                <a:uLnTx/>
+                <a:uFillTx/>
+                <a:latin typeface="Courier New" panose="02070309020205020404" pitchFamily="49" charset="0"/>
+                <a:cs typeface="Courier New" panose="02070309020205020404" pitchFamily="49" charset="0"/>
+                <a:sym typeface="Arial"/>
+              </a:rPr>
+              <a:t>data_preprocessing.py</a:t>
+            </a:r>
+            <a:endParaRPr kumimoji="0" lang="de-DE" sz="1100" b="1" i="0" u="none" strike="noStrike" kern="0" cap="none" spc="0" normalizeH="0" baseline="0" noProof="0" dirty="0">
+              <a:ln>
+                <a:noFill/>
+              </a:ln>
+              <a:solidFill>
+                <a:srgbClr val="002060"/>
+              </a:solidFill>
+              <a:effectLst/>
+              <a:uLnTx/>
+              <a:uFillTx/>
+              <a:latin typeface="Courier New" panose="02070309020205020404" pitchFamily="49" charset="0"/>
+              <a:cs typeface="Courier New" panose="02070309020205020404" pitchFamily="49" charset="0"/>
+              <a:sym typeface="Arial"/>
+            </a:endParaRPr>
+          </a:p>
+          <a:p>
+            <a:pPr marL="0" marR="0" lvl="0" indent="0" algn="l" defTabSz="914400" rtl="0" eaLnBrk="1" fontAlgn="auto" latinLnBrk="0" hangingPunct="0">
+              <a:lnSpc>
+                <a:spcPct val="100000"/>
+              </a:lnSpc>
+              <a:spcBef>
+                <a:spcPts val="0"/>
+              </a:spcBef>
+              <a:spcAft>
+                <a:spcPts val="0"/>
+              </a:spcAft>
+              <a:buClrTx/>
+              <a:buSzTx/>
+              <a:buFontTx/>
+              <a:buNone/>
+              <a:tabLst/>
+              <a:defRPr/>
+            </a:pPr>
+            <a:r>
+              <a:rPr kumimoji="0" lang="de-DE" sz="1100" b="1" i="0" u="none" strike="noStrike" kern="0" cap="none" spc="0" normalizeH="0" baseline="0" noProof="0" dirty="0">
+                <a:ln>
+                  <a:noFill/>
+                </a:ln>
+                <a:solidFill>
+                  <a:srgbClr val="002060"/>
+                </a:solidFill>
+                <a:effectLst/>
+                <a:uLnTx/>
+                <a:uFillTx/>
+                <a:latin typeface="Courier New" panose="02070309020205020404" pitchFamily="49" charset="0"/>
+                <a:cs typeface="Courier New" panose="02070309020205020404" pitchFamily="49" charset="0"/>
+                <a:sym typeface="Arial"/>
+              </a:rPr>
+              <a:t>│   │   ├── </a:t>
+            </a:r>
+            <a:r>
+              <a:rPr kumimoji="0" lang="de-DE" sz="1100" b="1" i="0" u="none" strike="noStrike" kern="0" cap="none" spc="0" normalizeH="0" baseline="0" noProof="0" dirty="0" err="1">
+                <a:ln>
+                  <a:noFill/>
+                </a:ln>
+                <a:solidFill>
+                  <a:srgbClr val="002060"/>
+                </a:solidFill>
+                <a:effectLst/>
+                <a:uLnTx/>
+                <a:uFillTx/>
+                <a:latin typeface="Courier New" panose="02070309020205020404" pitchFamily="49" charset="0"/>
+                <a:cs typeface="Courier New" panose="02070309020205020404" pitchFamily="49" charset="0"/>
+                <a:sym typeface="Arial"/>
+              </a:rPr>
+              <a:t>data_visualization.py</a:t>
+            </a:r>
+            <a:endParaRPr kumimoji="0" lang="de-DE" sz="1100" b="1" i="0" u="none" strike="noStrike" kern="0" cap="none" spc="0" normalizeH="0" baseline="0" noProof="0" dirty="0">
+              <a:ln>
+                <a:noFill/>
+              </a:ln>
+              <a:solidFill>
+                <a:srgbClr val="002060"/>
+              </a:solidFill>
+              <a:effectLst/>
+              <a:uLnTx/>
+              <a:uFillTx/>
+              <a:latin typeface="Courier New" panose="02070309020205020404" pitchFamily="49" charset="0"/>
+              <a:cs typeface="Courier New" panose="02070309020205020404" pitchFamily="49" charset="0"/>
+              <a:sym typeface="Arial"/>
+            </a:endParaRPr>
+          </a:p>
+          <a:p>
+            <a:pPr marL="0" marR="0" lvl="0" indent="0" algn="l" defTabSz="914400" rtl="0" eaLnBrk="1" fontAlgn="auto" latinLnBrk="0" hangingPunct="0">
+              <a:lnSpc>
+                <a:spcPct val="100000"/>
+              </a:lnSpc>
+              <a:spcBef>
+                <a:spcPts val="0"/>
+              </a:spcBef>
+              <a:spcAft>
+                <a:spcPts val="0"/>
+              </a:spcAft>
+              <a:buClrTx/>
+              <a:buSzTx/>
+              <a:buFontTx/>
+              <a:buNone/>
+              <a:tabLst/>
+              <a:defRPr/>
+            </a:pPr>
+            <a:r>
+              <a:rPr kumimoji="0" lang="de-DE" sz="1100" b="1" i="0" u="none" strike="noStrike" kern="0" cap="none" spc="0" normalizeH="0" baseline="0" noProof="0" dirty="0">
+                <a:ln>
+                  <a:noFill/>
+                </a:ln>
+                <a:solidFill>
+                  <a:srgbClr val="002060"/>
+                </a:solidFill>
+                <a:effectLst/>
+                <a:uLnTx/>
+                <a:uFillTx/>
+                <a:latin typeface="Courier New" panose="02070309020205020404" pitchFamily="49" charset="0"/>
+                <a:cs typeface="Courier New" panose="02070309020205020404" pitchFamily="49" charset="0"/>
+                <a:sym typeface="Arial"/>
+              </a:rPr>
+              <a:t>│   │   ├── </a:t>
+            </a:r>
+            <a:r>
+              <a:rPr kumimoji="0" lang="de-DE" sz="1100" b="1" i="0" u="none" strike="noStrike" kern="0" cap="none" spc="0" normalizeH="0" baseline="0" noProof="0" dirty="0" err="1">
+                <a:ln>
+                  <a:noFill/>
+                </a:ln>
+                <a:solidFill>
+                  <a:srgbClr val="002060"/>
+                </a:solidFill>
+                <a:effectLst/>
+                <a:uLnTx/>
+                <a:uFillTx/>
+                <a:latin typeface="Courier New" panose="02070309020205020404" pitchFamily="49" charset="0"/>
+                <a:cs typeface="Courier New" panose="02070309020205020404" pitchFamily="49" charset="0"/>
+                <a:sym typeface="Arial"/>
+              </a:rPr>
+              <a:t>file_io.py</a:t>
+            </a:r>
+            <a:endParaRPr kumimoji="0" lang="de-DE" sz="1100" b="1" i="0" u="none" strike="noStrike" kern="0" cap="none" spc="0" normalizeH="0" baseline="0" noProof="0" dirty="0">
+              <a:ln>
+                <a:noFill/>
+              </a:ln>
+              <a:solidFill>
+                <a:srgbClr val="002060"/>
+              </a:solidFill>
+              <a:effectLst/>
+              <a:uLnTx/>
+              <a:uFillTx/>
+              <a:latin typeface="Courier New" panose="02070309020205020404" pitchFamily="49" charset="0"/>
+              <a:cs typeface="Courier New" panose="02070309020205020404" pitchFamily="49" charset="0"/>
+              <a:sym typeface="Arial"/>
+            </a:endParaRPr>
+          </a:p>
+          <a:p>
+            <a:pPr marL="0" marR="0" lvl="0" indent="0" algn="l" defTabSz="914400" rtl="0" eaLnBrk="1" fontAlgn="auto" latinLnBrk="0" hangingPunct="0">
+              <a:lnSpc>
+                <a:spcPct val="100000"/>
+              </a:lnSpc>
+              <a:spcBef>
+                <a:spcPts val="0"/>
+              </a:spcBef>
+              <a:spcAft>
+                <a:spcPts val="0"/>
+              </a:spcAft>
+              <a:buClrTx/>
+              <a:buSzTx/>
+              <a:buFontTx/>
+              <a:buNone/>
+              <a:tabLst/>
+              <a:defRPr/>
+            </a:pPr>
+            <a:r>
+              <a:rPr kumimoji="0" lang="de-DE" sz="1100" b="1" i="0" u="none" strike="noStrike" kern="0" cap="none" spc="0" normalizeH="0" baseline="0" noProof="0" dirty="0">
+                <a:ln>
+                  <a:noFill/>
+                </a:ln>
+                <a:solidFill>
+                  <a:srgbClr val="002060"/>
+                </a:solidFill>
+                <a:effectLst/>
+                <a:uLnTx/>
+                <a:uFillTx/>
+                <a:latin typeface="Courier New" panose="02070309020205020404" pitchFamily="49" charset="0"/>
+                <a:cs typeface="Courier New" panose="02070309020205020404" pitchFamily="49" charset="0"/>
+                <a:sym typeface="Arial"/>
+              </a:rPr>
+              <a:t>│   │   ├── </a:t>
+            </a:r>
+            <a:r>
+              <a:rPr kumimoji="0" lang="de-DE" sz="1100" b="1" i="0" u="none" strike="noStrike" kern="0" cap="none" spc="0" normalizeH="0" baseline="0" noProof="0" dirty="0" err="1">
+                <a:ln>
+                  <a:noFill/>
+                </a:ln>
+                <a:solidFill>
+                  <a:srgbClr val="002060"/>
+                </a:solidFill>
+                <a:effectLst/>
+                <a:uLnTx/>
+                <a:uFillTx/>
+                <a:latin typeface="Courier New" panose="02070309020205020404" pitchFamily="49" charset="0"/>
+                <a:cs typeface="Courier New" panose="02070309020205020404" pitchFamily="49" charset="0"/>
+                <a:sym typeface="Arial"/>
+              </a:rPr>
+              <a:t>models.py</a:t>
+            </a:r>
+            <a:endParaRPr kumimoji="0" lang="de-DE" sz="1100" b="1" i="0" u="none" strike="noStrike" kern="0" cap="none" spc="0" normalizeH="0" baseline="0" noProof="0" dirty="0">
+              <a:ln>
+                <a:noFill/>
+              </a:ln>
+              <a:solidFill>
+                <a:srgbClr val="002060"/>
+              </a:solidFill>
+              <a:effectLst/>
+              <a:uLnTx/>
+              <a:uFillTx/>
+              <a:latin typeface="Courier New" panose="02070309020205020404" pitchFamily="49" charset="0"/>
+              <a:cs typeface="Courier New" panose="02070309020205020404" pitchFamily="49" charset="0"/>
+              <a:sym typeface="Arial"/>
+            </a:endParaRPr>
+          </a:p>
+          <a:p>
+            <a:pPr>
+              <a:defRPr/>
+            </a:pPr>
+            <a:r>
+              <a:rPr lang="de-DE" sz="1100" b="1" dirty="0">
+                <a:solidFill>
+                  <a:srgbClr val="002060"/>
+                </a:solidFill>
+                <a:latin typeface="Courier New" panose="02070309020205020404" pitchFamily="49" charset="0"/>
+                <a:cs typeface="Courier New" panose="02070309020205020404" pitchFamily="49" charset="0"/>
+              </a:rPr>
+              <a:t>├── </a:t>
+            </a:r>
+            <a:r>
+              <a:rPr lang="de-DE" sz="1100" b="1" dirty="0" err="1">
+                <a:solidFill>
+                  <a:srgbClr val="002060"/>
+                </a:solidFill>
+                <a:latin typeface="Courier New" panose="02070309020205020404" pitchFamily="49" charset="0"/>
+                <a:cs typeface="Courier New" panose="02070309020205020404" pitchFamily="49" charset="0"/>
+              </a:rPr>
+              <a:t>tests</a:t>
+            </a:r>
+            <a:r>
+              <a:rPr lang="de-DE" sz="1100" b="1" dirty="0">
+                <a:solidFill>
+                  <a:srgbClr val="002060"/>
+                </a:solidFill>
+                <a:latin typeface="Courier New" panose="02070309020205020404" pitchFamily="49" charset="0"/>
+                <a:cs typeface="Courier New" panose="02070309020205020404" pitchFamily="49" charset="0"/>
+              </a:rPr>
+              <a:t>/</a:t>
+            </a:r>
+          </a:p>
+          <a:p>
+            <a:pPr marL="0" marR="0" lvl="0" indent="0" algn="l" defTabSz="914400" rtl="0" eaLnBrk="1" fontAlgn="auto" latinLnBrk="0" hangingPunct="0">
+              <a:lnSpc>
+                <a:spcPct val="100000"/>
+              </a:lnSpc>
+              <a:spcBef>
+                <a:spcPts val="0"/>
+              </a:spcBef>
+              <a:spcAft>
+                <a:spcPts val="0"/>
+              </a:spcAft>
+              <a:buClrTx/>
+              <a:buSzTx/>
+              <a:buFontTx/>
+              <a:buNone/>
+              <a:tabLst/>
+              <a:defRPr/>
+            </a:pPr>
+            <a:r>
+              <a:rPr kumimoji="0" lang="de-DE" sz="1100" b="1" i="0" u="none" strike="noStrike" kern="0" cap="none" spc="0" normalizeH="0" baseline="0" noProof="0" dirty="0">
+                <a:ln>
+                  <a:noFill/>
+                </a:ln>
+                <a:solidFill>
+                  <a:srgbClr val="002060"/>
+                </a:solidFill>
+                <a:effectLst/>
+                <a:uLnTx/>
+                <a:uFillTx/>
+                <a:latin typeface="Courier New" panose="02070309020205020404" pitchFamily="49" charset="0"/>
+                <a:cs typeface="Courier New" panose="02070309020205020404" pitchFamily="49" charset="0"/>
+                <a:sym typeface="Arial"/>
+              </a:rPr>
+              <a:t>│   ├── test_analysis.py</a:t>
+            </a:r>
+          </a:p>
+          <a:p>
+            <a:pPr marL="0" marR="0" lvl="0" indent="0" algn="l" defTabSz="914400" rtl="0" eaLnBrk="1" fontAlgn="auto" latinLnBrk="0" hangingPunct="0">
+              <a:lnSpc>
+                <a:spcPct val="100000"/>
+              </a:lnSpc>
+              <a:spcBef>
+                <a:spcPts val="0"/>
+              </a:spcBef>
+              <a:spcAft>
+                <a:spcPts val="0"/>
+              </a:spcAft>
+              <a:buClrTx/>
+              <a:buSzTx/>
+              <a:buFontTx/>
+              <a:buNone/>
+              <a:tabLst/>
+              <a:defRPr/>
+            </a:pPr>
+            <a:r>
+              <a:rPr kumimoji="0" lang="de-DE" sz="1100" b="1" i="0" u="none" strike="noStrike" kern="0" cap="none" spc="0" normalizeH="0" baseline="0" noProof="0" dirty="0">
+                <a:ln>
+                  <a:noFill/>
+                </a:ln>
+                <a:solidFill>
+                  <a:srgbClr val="002060"/>
+                </a:solidFill>
+                <a:effectLst/>
+                <a:uLnTx/>
+                <a:uFillTx/>
+                <a:latin typeface="Courier New" panose="02070309020205020404" pitchFamily="49" charset="0"/>
+                <a:cs typeface="Courier New" panose="02070309020205020404" pitchFamily="49" charset="0"/>
+                <a:sym typeface="Arial"/>
+              </a:rPr>
+              <a:t>│   ├── </a:t>
+            </a:r>
+            <a:r>
+              <a:rPr kumimoji="0" lang="de-DE" sz="1100" b="1" i="0" u="none" strike="noStrike" kern="0" cap="none" spc="0" normalizeH="0" baseline="0" noProof="0" dirty="0" err="1">
+                <a:ln>
+                  <a:noFill/>
+                </a:ln>
+                <a:solidFill>
+                  <a:srgbClr val="002060"/>
+                </a:solidFill>
+                <a:effectLst/>
+                <a:uLnTx/>
+                <a:uFillTx/>
+                <a:latin typeface="Courier New" panose="02070309020205020404" pitchFamily="49" charset="0"/>
+                <a:cs typeface="Courier New" panose="02070309020205020404" pitchFamily="49" charset="0"/>
+                <a:sym typeface="Arial"/>
+              </a:rPr>
+              <a:t>test_data_processing.py</a:t>
+            </a:r>
+            <a:endParaRPr kumimoji="0" lang="de-DE" sz="1100" b="1" i="0" u="none" strike="noStrike" kern="0" cap="none" spc="0" normalizeH="0" baseline="0" noProof="0" dirty="0">
+              <a:ln>
+                <a:noFill/>
+              </a:ln>
+              <a:solidFill>
+                <a:srgbClr val="002060"/>
+              </a:solidFill>
+              <a:effectLst/>
+              <a:uLnTx/>
+              <a:uFillTx/>
+              <a:latin typeface="Courier New" panose="02070309020205020404" pitchFamily="49" charset="0"/>
+              <a:cs typeface="Courier New" panose="02070309020205020404" pitchFamily="49" charset="0"/>
+              <a:sym typeface="Arial"/>
+            </a:endParaRPr>
+          </a:p>
+          <a:p>
+            <a:pPr marL="0" marR="0" lvl="0" indent="0" algn="l" defTabSz="914400" rtl="0" eaLnBrk="1" fontAlgn="auto" latinLnBrk="0" hangingPunct="0">
+              <a:lnSpc>
+                <a:spcPct val="100000"/>
+              </a:lnSpc>
+              <a:spcBef>
+                <a:spcPts val="0"/>
+              </a:spcBef>
+              <a:spcAft>
+                <a:spcPts val="0"/>
+              </a:spcAft>
+              <a:buClrTx/>
+              <a:buSzTx/>
+              <a:buFontTx/>
+              <a:buNone/>
+              <a:tabLst/>
+              <a:defRPr/>
+            </a:pPr>
+            <a:r>
+              <a:rPr kumimoji="0" lang="de-DE" sz="1100" b="1" i="0" u="none" strike="noStrike" kern="0" cap="none" spc="0" normalizeH="0" baseline="0" noProof="0" dirty="0">
+                <a:ln>
+                  <a:noFill/>
+                </a:ln>
+                <a:solidFill>
+                  <a:srgbClr val="002060"/>
+                </a:solidFill>
+                <a:effectLst/>
+                <a:uLnTx/>
+                <a:uFillTx/>
+                <a:latin typeface="Courier New" panose="02070309020205020404" pitchFamily="49" charset="0"/>
+                <a:cs typeface="Courier New" panose="02070309020205020404" pitchFamily="49" charset="0"/>
+                <a:sym typeface="Arial"/>
+              </a:rPr>
+              <a:t>│   ├── </a:t>
+            </a:r>
+            <a:r>
+              <a:rPr kumimoji="0" lang="de-DE" sz="1100" b="1" i="0" u="none" strike="noStrike" kern="0" cap="none" spc="0" normalizeH="0" baseline="0" noProof="0" dirty="0" err="1">
+                <a:ln>
+                  <a:noFill/>
+                </a:ln>
+                <a:solidFill>
+                  <a:srgbClr val="002060"/>
+                </a:solidFill>
+                <a:effectLst/>
+                <a:uLnTx/>
+                <a:uFillTx/>
+                <a:latin typeface="Courier New" panose="02070309020205020404" pitchFamily="49" charset="0"/>
+                <a:cs typeface="Courier New" panose="02070309020205020404" pitchFamily="49" charset="0"/>
+                <a:sym typeface="Arial"/>
+              </a:rPr>
+              <a:t>test_models.py</a:t>
+            </a:r>
+            <a:endParaRPr kumimoji="0" lang="de-DE" sz="1100" b="1" i="0" u="none" strike="noStrike" kern="0" cap="none" spc="0" normalizeH="0" baseline="0" noProof="0" dirty="0">
+              <a:ln>
+                <a:noFill/>
+              </a:ln>
+              <a:solidFill>
+                <a:srgbClr val="002060"/>
+              </a:solidFill>
+              <a:effectLst/>
+              <a:uLnTx/>
+              <a:uFillTx/>
+              <a:latin typeface="Courier New" panose="02070309020205020404" pitchFamily="49" charset="0"/>
+              <a:cs typeface="Courier New" panose="02070309020205020404" pitchFamily="49" charset="0"/>
+              <a:sym typeface="Arial"/>
+            </a:endParaRPr>
+          </a:p>
+        </p:txBody>
+      </p:sp>
+      <p:sp>
+        <p:nvSpPr>
+          <p:cNvPr id="14" name="* pick one from choosealicense.com">
+            <a:extLst>
+              <a:ext uri="{FF2B5EF4-FFF2-40B4-BE49-F238E27FC236}">
+                <a16:creationId xmlns:a16="http://schemas.microsoft.com/office/drawing/2014/main" id="{A217F41E-137F-04B6-2B29-EE5FDF2A28A3}"/>
+              </a:ext>
+            </a:extLst>
+          </p:cNvPr>
+          <p:cNvSpPr txBox="1"/>
+          <p:nvPr/>
+        </p:nvSpPr>
+        <p:spPr>
+          <a:xfrm>
+            <a:off x="361911" y="4936373"/>
+            <a:ext cx="2340433" cy="239271"/>
+          </a:xfrm>
+          <a:prstGeom prst="rect">
+            <a:avLst/>
+          </a:prstGeom>
+          <a:ln w="12700">
+            <a:miter lim="400000"/>
+          </a:ln>
+          <a:extLst>
+            <a:ext uri="{C572A759-6A51-4108-AA02-DFA0A04FC94B}">
+              <ma14:wrappingTextBoxFlag xmlns="" xmlns:m="http://schemas.openxmlformats.org/officeDocument/2006/math" xmlns:a14="http://schemas.microsoft.com/office/drawing/2010/main" xmlns:ma14="http://schemas.microsoft.com/office/mac/drawingml/2011/main" val="1"/>
+            </a:ext>
+          </a:extLst>
+        </p:spPr>
+        <p:txBody>
+          <a:bodyPr wrap="none" lIns="45719" rIns="45719">
+            <a:spAutoFit/>
+          </a:bodyPr>
+          <a:lstStyle>
+            <a:lvl1pPr>
+              <a:defRPr sz="1100">
+                <a:solidFill>
+                  <a:srgbClr val="6BA5B3"/>
+                </a:solidFill>
+              </a:defRPr>
+            </a:lvl1pPr>
+          </a:lstStyle>
+          <a:p>
+            <a:r>
+              <a:t>* pick one from choosealicense.com</a:t>
+            </a:r>
+          </a:p>
+        </p:txBody>
+      </p:sp>
+      <p:sp>
+        <p:nvSpPr>
+          <p:cNvPr id="15" name="Rectangle 63">
+            <a:extLst>
+              <a:ext uri="{FF2B5EF4-FFF2-40B4-BE49-F238E27FC236}">
+                <a16:creationId xmlns:a16="http://schemas.microsoft.com/office/drawing/2014/main" id="{11C26039-4A36-240D-DD6F-998ECD2EC389}"/>
+              </a:ext>
+            </a:extLst>
+          </p:cNvPr>
+          <p:cNvSpPr txBox="1"/>
+          <p:nvPr/>
+        </p:nvSpPr>
+        <p:spPr>
+          <a:xfrm>
+            <a:off x="1972989" y="1646374"/>
+            <a:ext cx="2312349" cy="695224"/>
+          </a:xfrm>
+          <a:prstGeom prst="rect">
+            <a:avLst/>
+          </a:prstGeom>
+          <a:ln w="12700">
+            <a:miter lim="400000"/>
+          </a:ln>
+          <a:extLst>
+            <a:ext uri="{C572A759-6A51-4108-AA02-DFA0A04FC94B}">
+              <ma14:wrappingTextBoxFlag xmlns="" xmlns:m="http://schemas.openxmlformats.org/officeDocument/2006/math" xmlns:a14="http://schemas.microsoft.com/office/drawing/2010/main" xmlns:ma14="http://schemas.microsoft.com/office/mac/drawingml/2011/main" val="1"/>
+            </a:ext>
+          </a:extLst>
+        </p:spPr>
+        <p:txBody>
+          <a:bodyPr lIns="45719" rIns="45719">
+            <a:spAutoFit/>
+          </a:bodyPr>
+          <a:lstStyle/>
+          <a:p>
+            <a:pPr algn="r">
+              <a:defRPr>
+                <a:solidFill>
+                  <a:srgbClr val="6BA5B3"/>
+                </a:solidFill>
+              </a:defRPr>
+            </a:pPr>
+            <a:r>
+              <a:rPr b="1" dirty="0"/>
+              <a:t>LICENSE</a:t>
+            </a:r>
+            <a:r>
+              <a:rPr dirty="0"/>
+              <a:t> </a:t>
+            </a:r>
+            <a:br>
+              <a:rPr dirty="0"/>
+            </a:br>
+            <a:r>
+              <a:rPr dirty="0"/>
+              <a:t>makes the package </a:t>
+            </a:r>
+            <a:br>
+              <a:rPr dirty="0"/>
+            </a:br>
+            <a:r>
+              <a:rPr dirty="0"/>
+              <a:t>(legally) usable.*</a:t>
+            </a:r>
+          </a:p>
+        </p:txBody>
+      </p:sp>
+      <p:sp>
+        <p:nvSpPr>
+          <p:cNvPr id="16" name="Straight Arrow Connector 64">
+            <a:extLst>
+              <a:ext uri="{FF2B5EF4-FFF2-40B4-BE49-F238E27FC236}">
+                <a16:creationId xmlns:a16="http://schemas.microsoft.com/office/drawing/2014/main" id="{242D55AE-7649-19E7-9F8D-70DD8E2D2CF9}"/>
+              </a:ext>
+            </a:extLst>
+          </p:cNvPr>
+          <p:cNvSpPr/>
+          <p:nvPr/>
+        </p:nvSpPr>
+        <p:spPr>
+          <a:xfrm flipV="1">
+            <a:off x="4285338" y="1435256"/>
+            <a:ext cx="1091831" cy="601307"/>
+          </a:xfrm>
+          <a:prstGeom prst="line">
+            <a:avLst/>
+          </a:prstGeom>
+          <a:ln w="25400">
+            <a:solidFill>
+              <a:srgbClr val="6BA5B3"/>
+            </a:solidFill>
+            <a:tailEnd type="triangle"/>
+          </a:ln>
+        </p:spPr>
+        <p:txBody>
+          <a:bodyPr lIns="45719" rIns="45719"/>
+          <a:lstStyle/>
+          <a:p>
+            <a:endParaRPr/>
+          </a:p>
+        </p:txBody>
+      </p:sp>
+      <p:sp>
+        <p:nvSpPr>
+          <p:cNvPr id="17" name="Rectangle 63">
+            <a:extLst>
+              <a:ext uri="{FF2B5EF4-FFF2-40B4-BE49-F238E27FC236}">
+                <a16:creationId xmlns:a16="http://schemas.microsoft.com/office/drawing/2014/main" id="{AA4D21B1-F8FC-A783-4E96-C49EB69A352A}"/>
+              </a:ext>
+            </a:extLst>
+          </p:cNvPr>
+          <p:cNvSpPr txBox="1"/>
+          <p:nvPr/>
+        </p:nvSpPr>
+        <p:spPr>
+          <a:xfrm>
+            <a:off x="869152" y="2579372"/>
+            <a:ext cx="2312349" cy="898424"/>
+          </a:xfrm>
+          <a:prstGeom prst="rect">
+            <a:avLst/>
+          </a:prstGeom>
+          <a:ln w="12700">
+            <a:miter lim="400000"/>
+          </a:ln>
+          <a:extLst>
+            <a:ext uri="{C572A759-6A51-4108-AA02-DFA0A04FC94B}">
+              <ma14:wrappingTextBoxFlag xmlns="" xmlns:m="http://schemas.openxmlformats.org/officeDocument/2006/math" xmlns:a14="http://schemas.microsoft.com/office/drawing/2010/main" xmlns:ma14="http://schemas.microsoft.com/office/mac/drawingml/2011/main" val="1"/>
+            </a:ext>
+          </a:extLst>
+        </p:spPr>
+        <p:txBody>
+          <a:bodyPr lIns="45719" rIns="45719">
+            <a:spAutoFit/>
+          </a:bodyPr>
+          <a:lstStyle/>
+          <a:p>
+            <a:pPr algn="r">
+              <a:defRPr>
+                <a:solidFill>
+                  <a:srgbClr val="6BA5B3"/>
+                </a:solidFill>
+              </a:defRPr>
+            </a:pPr>
+            <a:r>
+              <a:rPr b="1" dirty="0"/>
+              <a:t>README</a:t>
+            </a:r>
+            <a:r>
+              <a:rPr dirty="0"/>
+              <a:t> </a:t>
+            </a:r>
+            <a:br>
+              <a:rPr dirty="0"/>
+            </a:br>
+            <a:r>
+              <a:rPr dirty="0"/>
+              <a:t>contains more information e.g. instructions on how to use your package.</a:t>
+            </a:r>
+          </a:p>
+        </p:txBody>
+      </p:sp>
+      <p:sp>
+        <p:nvSpPr>
+          <p:cNvPr id="18" name="Straight Arrow Connector 64">
+            <a:extLst>
+              <a:ext uri="{FF2B5EF4-FFF2-40B4-BE49-F238E27FC236}">
+                <a16:creationId xmlns:a16="http://schemas.microsoft.com/office/drawing/2014/main" id="{0E38F6BE-BD09-70E2-6FFA-7DA027659C1F}"/>
+              </a:ext>
+            </a:extLst>
+          </p:cNvPr>
+          <p:cNvSpPr/>
+          <p:nvPr/>
+        </p:nvSpPr>
+        <p:spPr>
+          <a:xfrm flipV="1">
+            <a:off x="3181501" y="2169257"/>
+            <a:ext cx="2195669" cy="871970"/>
+          </a:xfrm>
+          <a:prstGeom prst="line">
+            <a:avLst/>
+          </a:prstGeom>
+          <a:ln w="25400">
+            <a:solidFill>
+              <a:srgbClr val="6BA5B3"/>
+            </a:solidFill>
+            <a:tailEnd type="triangle"/>
+          </a:ln>
+        </p:spPr>
+        <p:txBody>
+          <a:bodyPr lIns="45719" rIns="45719"/>
+          <a:lstStyle/>
+          <a:p>
+            <a:endParaRPr/>
+          </a:p>
+        </p:txBody>
+      </p:sp>
+      <p:sp>
+        <p:nvSpPr>
+          <p:cNvPr id="19" name="Rectangle 63">
+            <a:extLst>
+              <a:ext uri="{FF2B5EF4-FFF2-40B4-BE49-F238E27FC236}">
+                <a16:creationId xmlns:a16="http://schemas.microsoft.com/office/drawing/2014/main" id="{F06A5019-3582-CCA2-63DC-17A072EC03E3}"/>
+              </a:ext>
+            </a:extLst>
+          </p:cNvPr>
+          <p:cNvSpPr txBox="1"/>
+          <p:nvPr/>
+        </p:nvSpPr>
+        <p:spPr>
+          <a:xfrm>
+            <a:off x="816815" y="801467"/>
+            <a:ext cx="2312349" cy="738664"/>
+          </a:xfrm>
+          <a:prstGeom prst="rect">
+            <a:avLst/>
+          </a:prstGeom>
+          <a:ln w="12700">
+            <a:miter lim="400000"/>
+          </a:ln>
+          <a:extLst>
+            <a:ext uri="{C572A759-6A51-4108-AA02-DFA0A04FC94B}">
+              <ma14:wrappingTextBoxFlag xmlns="" xmlns:m="http://schemas.openxmlformats.org/officeDocument/2006/math" xmlns:a14="http://schemas.microsoft.com/office/drawing/2010/main" xmlns:ma14="http://schemas.microsoft.com/office/mac/drawingml/2011/main" val="1"/>
+            </a:ext>
+          </a:extLst>
+        </p:spPr>
+        <p:txBody>
+          <a:bodyPr lIns="45719" rIns="45719">
+            <a:spAutoFit/>
+          </a:bodyPr>
+          <a:lstStyle/>
+          <a:p>
+            <a:pPr algn="r">
+              <a:defRPr>
+                <a:solidFill>
+                  <a:srgbClr val="6BA5B3"/>
+                </a:solidFill>
+              </a:defRPr>
+            </a:pPr>
+            <a:r>
+              <a:rPr lang="en-US" b="1" dirty="0"/>
+              <a:t>.gitignore</a:t>
+            </a:r>
+            <a:r>
+              <a:rPr lang="en-US" dirty="0"/>
+              <a:t> </a:t>
+            </a:r>
+            <a:br>
+              <a:rPr lang="en-US" dirty="0"/>
+            </a:br>
+            <a:r>
+              <a:rPr lang="en-US" dirty="0"/>
+              <a:t>so you don’t add</a:t>
+            </a:r>
+          </a:p>
+          <a:p>
+            <a:pPr algn="r">
+              <a:defRPr>
+                <a:solidFill>
+                  <a:srgbClr val="6BA5B3"/>
+                </a:solidFill>
+              </a:defRPr>
+            </a:pPr>
+            <a:r>
+              <a:rPr lang="en-US" dirty="0" err="1"/>
+              <a:t>pycache</a:t>
+            </a:r>
+            <a:r>
+              <a:rPr lang="en-US" dirty="0"/>
+              <a:t> files ;) </a:t>
+            </a:r>
+          </a:p>
+        </p:txBody>
+      </p:sp>
+      <p:sp>
+        <p:nvSpPr>
+          <p:cNvPr id="20" name="Rectangle 63">
+            <a:extLst>
+              <a:ext uri="{FF2B5EF4-FFF2-40B4-BE49-F238E27FC236}">
+                <a16:creationId xmlns:a16="http://schemas.microsoft.com/office/drawing/2014/main" id="{70782FA6-607A-636A-D472-220AEBEF4C12}"/>
+              </a:ext>
+            </a:extLst>
+          </p:cNvPr>
+          <p:cNvSpPr txBox="1"/>
+          <p:nvPr/>
+        </p:nvSpPr>
+        <p:spPr>
+          <a:xfrm>
+            <a:off x="2506133" y="3730017"/>
+            <a:ext cx="2312349" cy="954107"/>
+          </a:xfrm>
+          <a:prstGeom prst="rect">
+            <a:avLst/>
+          </a:prstGeom>
+          <a:ln w="12700">
+            <a:miter lim="400000"/>
+          </a:ln>
+          <a:extLst>
+            <a:ext uri="{C572A759-6A51-4108-AA02-DFA0A04FC94B}">
+              <ma14:wrappingTextBoxFlag xmlns="" xmlns:m="http://schemas.openxmlformats.org/officeDocument/2006/math" xmlns:a14="http://schemas.microsoft.com/office/drawing/2010/main" xmlns:ma14="http://schemas.microsoft.com/office/mac/drawingml/2011/main" val="1"/>
+            </a:ext>
+          </a:extLst>
+        </p:spPr>
+        <p:txBody>
+          <a:bodyPr lIns="45719" rIns="45719">
+            <a:spAutoFit/>
+          </a:bodyPr>
+          <a:lstStyle/>
+          <a:p>
+            <a:pPr algn="r">
+              <a:defRPr>
+                <a:solidFill>
+                  <a:srgbClr val="6BA5B3"/>
+                </a:solidFill>
+              </a:defRPr>
+            </a:pPr>
+            <a:r>
+              <a:rPr lang="da-DK" b="1" dirty="0"/>
+              <a:t>requirements.txt</a:t>
+            </a:r>
+            <a:r>
+              <a:rPr dirty="0"/>
+              <a:t> </a:t>
+            </a:r>
+            <a:br>
+              <a:rPr dirty="0"/>
+            </a:br>
+            <a:r>
+              <a:rPr lang="da-DK" dirty="0"/>
+              <a:t>in case </a:t>
+            </a:r>
+            <a:r>
+              <a:rPr lang="da-DK" dirty="0" err="1"/>
+              <a:t>dependencies</a:t>
+            </a:r>
+            <a:endParaRPr lang="da-DK" dirty="0"/>
+          </a:p>
+          <a:p>
+            <a:pPr algn="r">
+              <a:defRPr>
+                <a:solidFill>
+                  <a:srgbClr val="6BA5B3"/>
+                </a:solidFill>
+              </a:defRPr>
+            </a:pPr>
+            <a:r>
+              <a:rPr lang="da-DK" dirty="0"/>
+              <a:t>in </a:t>
+            </a:r>
+            <a:r>
+              <a:rPr lang="da-DK" dirty="0" err="1"/>
+              <a:t>pyproject.toml</a:t>
+            </a:r>
+            <a:r>
+              <a:rPr lang="da-DK" dirty="0"/>
+              <a:t> is not</a:t>
+            </a:r>
+          </a:p>
+          <a:p>
+            <a:pPr algn="r">
+              <a:defRPr>
+                <a:solidFill>
+                  <a:srgbClr val="6BA5B3"/>
+                </a:solidFill>
+              </a:defRPr>
+            </a:pPr>
+            <a:r>
+              <a:rPr lang="da-DK" dirty="0"/>
+              <a:t>sufficient</a:t>
+            </a:r>
+            <a:endParaRPr dirty="0"/>
+          </a:p>
+        </p:txBody>
+      </p:sp>
+      <p:sp>
+        <p:nvSpPr>
+          <p:cNvPr id="21" name="Straight Arrow Connector 64">
+            <a:extLst>
+              <a:ext uri="{FF2B5EF4-FFF2-40B4-BE49-F238E27FC236}">
+                <a16:creationId xmlns:a16="http://schemas.microsoft.com/office/drawing/2014/main" id="{11B38E17-FB62-5D1F-CC38-EEB2EE34081E}"/>
+              </a:ext>
+            </a:extLst>
+          </p:cNvPr>
+          <p:cNvSpPr/>
+          <p:nvPr/>
+        </p:nvSpPr>
+        <p:spPr>
+          <a:xfrm flipV="1">
+            <a:off x="4818482" y="2473133"/>
+            <a:ext cx="606414" cy="1712787"/>
+          </a:xfrm>
+          <a:prstGeom prst="line">
+            <a:avLst/>
+          </a:prstGeom>
+          <a:ln w="25400">
+            <a:solidFill>
+              <a:srgbClr val="6BA5B3"/>
+            </a:solidFill>
+            <a:tailEnd type="triangle"/>
+          </a:ln>
+        </p:spPr>
+        <p:txBody>
+          <a:bodyPr lIns="45719" rIns="45719"/>
+          <a:lstStyle/>
+          <a:p>
+            <a:endParaRPr/>
+          </a:p>
+        </p:txBody>
+      </p:sp>
+      <p:sp>
+        <p:nvSpPr>
+          <p:cNvPr id="22" name="Straight Arrow Connector 64">
+            <a:extLst>
+              <a:ext uri="{FF2B5EF4-FFF2-40B4-BE49-F238E27FC236}">
+                <a16:creationId xmlns:a16="http://schemas.microsoft.com/office/drawing/2014/main" id="{593D4136-9A83-7294-5E02-F5CB37B0C04E}"/>
+              </a:ext>
+            </a:extLst>
+          </p:cNvPr>
+          <p:cNvSpPr/>
+          <p:nvPr/>
+        </p:nvSpPr>
+        <p:spPr>
+          <a:xfrm>
+            <a:off x="3129164" y="1148170"/>
+            <a:ext cx="2248005" cy="34837"/>
+          </a:xfrm>
+          <a:prstGeom prst="line">
+            <a:avLst/>
+          </a:prstGeom>
+          <a:ln w="25400">
+            <a:solidFill>
+              <a:srgbClr val="6BA5B3"/>
+            </a:solidFill>
+            <a:tailEnd type="triangle"/>
+          </a:ln>
+        </p:spPr>
+        <p:txBody>
+          <a:bodyPr lIns="45719" rIns="45719"/>
+          <a:lstStyle/>
+          <a:p>
+            <a:endParaRPr/>
+          </a:p>
+        </p:txBody>
+      </p:sp>
+    </p:spTree>
+    <p:extLst>
+      <p:ext uri="{BB962C8B-B14F-4D97-AF65-F5344CB8AC3E}">
+        <p14:creationId xmlns:p14="http://schemas.microsoft.com/office/powerpoint/2010/main" val="3834119812"/>
+      </p:ext>
+    </p:extLst>
+  </p:cSld>
+  <p:clrMapOvr>
+    <a:masterClrMapping/>
+  </p:clrMapOvr>
+  <p:transition spd="med"/>
+</p:sld>
+</file>
+
+<file path=ppt/slides/slide24.xml><?xml version="1.0" encoding="utf-8"?>
+<p:sld xmlns:a="http://schemas.openxmlformats.org/drawingml/2006/main" xmlns:r="http://schemas.openxmlformats.org/officeDocument/2006/relationships" xmlns:p="http://schemas.openxmlformats.org/presentationml/2006/main">
+  <p:cSld>
+    <p:spTree>
+      <p:nvGrpSpPr>
+        <p:cNvPr id="1" name="">
+          <a:extLst>
+            <a:ext uri="{FF2B5EF4-FFF2-40B4-BE49-F238E27FC236}">
               <a16:creationId xmlns:a16="http://schemas.microsoft.com/office/drawing/2014/main" id="{A086128F-D9EB-5297-B2C0-24563E994DD2}"/>
             </a:ext>
           </a:extLst>
@@ -19289,7 +21528,7 @@
           <a:p>
             <a:fld id="{86CB4B4D-7CA3-9044-876B-883B54F8677D}" type="slidenum">
               <a:rPr/>
-              <a:t>23</a:t>
+              <a:t>24</a:t>
             </a:fld>
             <a:endParaRPr/>
           </a:p>
@@ -19592,7 +21831,7 @@
 </p:sld>
 </file>
 
-<file path=ppt/slides/slide24.xml><?xml version="1.0" encoding="utf-8"?>
+<file path=ppt/slides/slide25.xml><?xml version="1.0" encoding="utf-8"?>
 <p:sld xmlns:a="http://schemas.openxmlformats.org/drawingml/2006/main" xmlns:r="http://schemas.openxmlformats.org/officeDocument/2006/relationships" xmlns:p="http://schemas.openxmlformats.org/presentationml/2006/main">
   <p:cSld>
     <p:spTree>
@@ -19690,7 +21929,7 @@
             </a:r>
             <a:r>
               <a:rPr lang="en-US" dirty="0"/>
-              <a:t>`) and create a </a:t>
+              <a:t>`), create a </a:t>
             </a:r>
             <a:r>
               <a:rPr lang="en-US" dirty="0" err="1"/>
@@ -19698,7 +21937,7 @@
             </a:r>
             <a:r>
               <a:rPr lang="en-US" dirty="0"/>
-              <a:t> file</a:t>
+              <a:t> file and upload to git</a:t>
             </a:r>
           </a:p>
           <a:p>
@@ -19756,7 +21995,7 @@
             </a:pPr>
             <a:r>
               <a:rPr lang="en-US" dirty="0"/>
-              <a:t>Tip: use one file that runs your project code start to finish and always re-run this until the imports work after copying</a:t>
+              <a:t>Tip: use one file that runs your project code start to finish and always re-run this until the code work after copying</a:t>
             </a:r>
             <a:endParaRPr dirty="0"/>
           </a:p>
@@ -19840,7 +22079,7 @@
           <a:p>
             <a:fld id="{86CB4B4D-7CA3-9044-876B-883B54F8677D}" type="slidenum">
               <a:rPr/>
-              <a:t>24</a:t>
+              <a:t>25</a:t>
             </a:fld>
             <a:endParaRPr/>
           </a:p>
@@ -20143,7 +22382,7 @@
 </p:sld>
 </file>
 
-<file path=ppt/slides/slide25.xml><?xml version="1.0" encoding="utf-8"?>
+<file path=ppt/slides/slide26.xml><?xml version="1.0" encoding="utf-8"?>
 <p:sld xmlns:a="http://schemas.openxmlformats.org/drawingml/2006/main" xmlns:r="http://schemas.openxmlformats.org/officeDocument/2006/relationships" xmlns:p="http://schemas.openxmlformats.org/presentationml/2006/main">
   <p:cSld>
     <p:spTree>
@@ -21197,7 +23436,7 @@
 </p:sld>
 </file>
 
-<file path=ppt/slides/slide26.xml><?xml version="1.0" encoding="utf-8"?>
+<file path=ppt/slides/slide27.xml><?xml version="1.0" encoding="utf-8"?>
 <p:sld xmlns:a="http://schemas.openxmlformats.org/drawingml/2006/main" xmlns:r="http://schemas.openxmlformats.org/officeDocument/2006/relationships" xmlns:p="http://schemas.openxmlformats.org/presentationml/2006/main">
   <p:cSld>
     <p:spTree>
@@ -21277,7 +23516,7 @@
 </p:sld>
 </file>
 
-<file path=ppt/slides/slide27.xml><?xml version="1.0" encoding="utf-8"?>
+<file path=ppt/slides/slide28.xml><?xml version="1.0" encoding="utf-8"?>
 <p:sld xmlns:a="http://schemas.openxmlformats.org/drawingml/2006/main" xmlns:r="http://schemas.openxmlformats.org/officeDocument/2006/relationships" xmlns:p="http://schemas.openxmlformats.org/presentationml/2006/main" show="0">
   <p:cSld>
     <p:spTree>
@@ -23406,6 +25645,20 @@
               <a:defRPr sz="1760"/>
             </a:pPr>
             <a:endParaRPr lang="de-DE" dirty="0"/>
+          </a:p>
+          <a:p>
+            <a:pPr marL="89406" indent="0" defTabSz="804672">
+              <a:spcBef>
+                <a:spcPts val="500"/>
+              </a:spcBef>
+              <a:buSzPct val="100000"/>
+              <a:buNone/>
+              <a:defRPr sz="1760"/>
+            </a:pPr>
+            <a:r>
+              <a:rPr lang="de-DE" dirty="0"/>
+              <a:t>(5 min)</a:t>
+            </a:r>
           </a:p>
         </p:txBody>
       </p:sp>

--- a/ODD/materials/part2_packages_editable_install.pptx
+++ b/ODD/materials/part2_packages_editable_install.pptx
@@ -11,9 +11,9 @@
     <p:sldId id="272" r:id="rId2"/>
     <p:sldId id="377" r:id="rId3"/>
     <p:sldId id="382" r:id="rId4"/>
-    <p:sldId id="280" r:id="rId5"/>
+    <p:sldId id="281" r:id="rId5"/>
     <p:sldId id="296" r:id="rId6"/>
-    <p:sldId id="281" r:id="rId7"/>
+    <p:sldId id="280" r:id="rId7"/>
     <p:sldId id="278" r:id="rId8"/>
     <p:sldId id="356" r:id="rId9"/>
     <p:sldId id="357" r:id="rId10"/>
@@ -9791,7 +9791,7 @@
                 <a:cs typeface="Avenir Heavy"/>
                 <a:sym typeface="Avenir Heavy"/>
               </a:rPr>
-              <a:t>3</a:t>
+              <a:t>2</a:t>
             </a:r>
             <a:r>
               <a:rPr dirty="0">
@@ -10255,7 +10255,7 @@
 </file>
 
 <file path=ppt/slides/slide13.xml><?xml version="1.0" encoding="utf-8"?>
-<p:sld xmlns:a="http://schemas.openxmlformats.org/drawingml/2006/main" xmlns:r="http://schemas.openxmlformats.org/officeDocument/2006/relationships" xmlns:p="http://schemas.openxmlformats.org/presentationml/2006/main">
+<p:sld xmlns:a="http://schemas.openxmlformats.org/drawingml/2006/main" xmlns:r="http://schemas.openxmlformats.org/officeDocument/2006/relationships" xmlns:p="http://schemas.openxmlformats.org/presentationml/2006/main" show="0">
   <p:cSld>
     <p:spTree>
       <p:nvGrpSpPr>
@@ -16161,10 +16161,10 @@
       </p:sp>
       <p:sp>
         <p:nvSpPr>
-          <p:cNvPr id="6" name="Rectangle 6">
+          <p:cNvPr id="7" name="Rectangle 6">
             <a:extLst>
               <a:ext uri="{FF2B5EF4-FFF2-40B4-BE49-F238E27FC236}">
-                <a16:creationId xmlns:a16="http://schemas.microsoft.com/office/drawing/2014/main" id="{57529C13-F5D2-C78A-E1C9-171B688B3546}"/>
+                <a16:creationId xmlns:a16="http://schemas.microsoft.com/office/drawing/2014/main" id="{D8700C52-E3AD-954A-983A-C0C90F1BF952}"/>
               </a:ext>
             </a:extLst>
           </p:cNvPr>
@@ -16173,16 +16173,17 @@
         </p:nvSpPr>
         <p:spPr>
           <a:xfrm>
-            <a:off x="4463751" y="1417588"/>
-            <a:ext cx="4150627" cy="1892826"/>
+            <a:off x="4463751" y="1429347"/>
+            <a:ext cx="4150627" cy="2800767"/>
           </a:xfrm>
           <a:prstGeom prst="rect">
             <a:avLst/>
           </a:prstGeom>
-          <a:solidFill>
-            <a:srgbClr val="262626"/>
-          </a:solidFill>
+          <a:noFill/>
           <a:ln w="12700">
+            <a:solidFill>
+              <a:schemeClr val="bg2"/>
+            </a:solidFill>
             <a:miter lim="400000"/>
           </a:ln>
           <a:extLst>
@@ -16209,21 +16210,25 @@
               </a:defRPr>
             </a:pPr>
             <a:r>
-              <a:rPr dirty="0">
-                <a:solidFill>
-                  <a:srgbClr val="D4D4D4"/>
+              <a:rPr sz="1100" b="1" dirty="0">
+                <a:solidFill>
+                  <a:schemeClr val="tx1"/>
                 </a:solidFill>
               </a:rPr>
               <a:t>[</a:t>
             </a:r>
             <a:r>
-              <a:rPr dirty="0"/>
+              <a:rPr sz="1100" b="1" dirty="0">
+                <a:solidFill>
+                  <a:schemeClr val="accent6"/>
+                </a:solidFill>
+              </a:rPr>
               <a:t>project</a:t>
             </a:r>
             <a:r>
-              <a:rPr dirty="0">
-                <a:solidFill>
-                  <a:srgbClr val="D4D4D4"/>
+              <a:rPr sz="1100" b="1" dirty="0">
+                <a:solidFill>
+                  <a:schemeClr val="tx1"/>
                 </a:solidFill>
               </a:rPr>
               <a:t>]</a:t>
@@ -16242,7 +16247,7 @@
               </a:defRPr>
             </a:pPr>
             <a:r>
-              <a:rPr dirty="0">
+              <a:rPr sz="1100" b="1" dirty="0">
                 <a:solidFill>
                   <a:srgbClr val="569CD6"/>
                 </a:solidFill>
@@ -16250,26 +16255,42 @@
               <a:t>name</a:t>
             </a:r>
             <a:r>
-              <a:rPr dirty="0">
+              <a:rPr sz="1100" b="1" dirty="0">
                 <a:solidFill>
                   <a:srgbClr val="D4D4D4"/>
                 </a:solidFill>
               </a:rPr>
-              <a:t> = </a:t>
-            </a:r>
-            <a:r>
-              <a:rPr dirty="0"/>
+              <a:t> </a:t>
+            </a:r>
+            <a:r>
+              <a:rPr sz="1100" b="1" dirty="0">
+                <a:solidFill>
+                  <a:schemeClr val="tx1"/>
+                </a:solidFill>
+              </a:rPr>
+              <a:t>=</a:t>
+            </a:r>
+            <a:r>
+              <a:rPr sz="1100" b="1" dirty="0">
+                <a:solidFill>
+                  <a:srgbClr val="D4D4D4"/>
+                </a:solidFill>
+              </a:rPr>
+              <a:t> </a:t>
+            </a:r>
+            <a:r>
+              <a:rPr sz="1100" b="1" dirty="0"/>
               <a:t>"</a:t>
             </a:r>
             <a:r>
-              <a:rPr lang="en-US" dirty="0" err="1"/>
+              <a:rPr lang="en-US" sz="1100" b="1" dirty="0" err="1"/>
               <a:t>italianfood</a:t>
             </a:r>
             <a:r>
-              <a:rPr dirty="0"/>
+              <a:rPr sz="1100" b="1" dirty="0"/>
               <a:t>"</a:t>
             </a:r>
-            <a:endParaRPr dirty="0">
+            <a:endParaRPr sz="1100" b="1" dirty="0">
               <a:solidFill>
                 <a:srgbClr val="D4D4D4"/>
               </a:solidFill>
@@ -16288,26 +16309,42 @@
               </a:defRPr>
             </a:pPr>
             <a:r>
-              <a:rPr dirty="0"/>
+              <a:rPr sz="1100" b="1" dirty="0"/>
               <a:t>version</a:t>
             </a:r>
             <a:r>
-              <a:rPr dirty="0">
+              <a:rPr sz="1100" b="1" dirty="0">
                 <a:solidFill>
                   <a:srgbClr val="D4D4D4"/>
                 </a:solidFill>
               </a:rPr>
-              <a:t> = </a:t>
-            </a:r>
-            <a:r>
-              <a:rPr dirty="0">
+              <a:t> </a:t>
+            </a:r>
+            <a:r>
+              <a:rPr sz="1100" b="1" dirty="0">
+                <a:solidFill>
+                  <a:schemeClr val="tx1"/>
+                </a:solidFill>
+              </a:rPr>
+              <a:t>=</a:t>
+            </a:r>
+            <a:r>
+              <a:rPr sz="1100" b="1" dirty="0">
+                <a:solidFill>
+                  <a:srgbClr val="D4D4D4"/>
+                </a:solidFill>
+              </a:rPr>
+              <a:t> </a:t>
+            </a:r>
+            <a:r>
+              <a:rPr sz="1100" b="1" dirty="0">
                 <a:solidFill>
                   <a:srgbClr val="CE9178"/>
                 </a:solidFill>
               </a:rPr>
               <a:t>"0.1.0"</a:t>
             </a:r>
-            <a:endParaRPr dirty="0">
+            <a:endParaRPr sz="1100" b="1" dirty="0">
               <a:solidFill>
                 <a:srgbClr val="D4D4D4"/>
               </a:solidFill>
@@ -16326,7 +16363,7 @@
               </a:defRPr>
             </a:pPr>
             <a:r>
-              <a:rPr dirty="0">
+              <a:rPr sz="1100" b="1" dirty="0">
                 <a:solidFill>
                   <a:srgbClr val="569CD6"/>
                 </a:solidFill>
@@ -16334,26 +16371,42 @@
               <a:t>description</a:t>
             </a:r>
             <a:r>
-              <a:rPr dirty="0">
+              <a:rPr sz="1100" b="1" dirty="0">
                 <a:solidFill>
                   <a:srgbClr val="D4D4D4"/>
                 </a:solidFill>
               </a:rPr>
-              <a:t> = </a:t>
-            </a:r>
-            <a:r>
-              <a:rPr dirty="0"/>
+              <a:t> </a:t>
+            </a:r>
+            <a:r>
+              <a:rPr sz="1100" b="1" dirty="0">
+                <a:solidFill>
+                  <a:schemeClr val="tx1"/>
+                </a:solidFill>
+              </a:rPr>
+              <a:t>=</a:t>
+            </a:r>
+            <a:r>
+              <a:rPr sz="1100" b="1" dirty="0">
+                <a:solidFill>
+                  <a:srgbClr val="D4D4D4"/>
+                </a:solidFill>
+              </a:rPr>
+              <a:t> </a:t>
+            </a:r>
+            <a:r>
+              <a:rPr sz="1100" b="1" dirty="0"/>
               <a:t>"a python package for </a:t>
             </a:r>
             <a:r>
-              <a:rPr lang="en-US" dirty="0"/>
+              <a:rPr lang="en-US" sz="1100" b="1" dirty="0"/>
               <a:t>running an restaurant</a:t>
             </a:r>
             <a:r>
-              <a:rPr dirty="0"/>
+              <a:rPr sz="1100" b="1" dirty="0"/>
               <a:t>"</a:t>
             </a:r>
-            <a:endParaRPr dirty="0">
+            <a:endParaRPr sz="1100" b="1" dirty="0">
               <a:solidFill>
                 <a:srgbClr val="D4D4D4"/>
               </a:solidFill>
@@ -16372,7 +16425,7 @@
               </a:defRPr>
             </a:pPr>
             <a:r>
-              <a:rPr dirty="0">
+              <a:rPr sz="1100" b="1" dirty="0">
                 <a:solidFill>
                   <a:srgbClr val="569CD6"/>
                 </a:solidFill>
@@ -16380,15 +16433,23 @@
               <a:t>authors</a:t>
             </a:r>
             <a:r>
-              <a:rPr dirty="0">
+              <a:rPr sz="1100" b="1" dirty="0">
                 <a:solidFill>
                   <a:srgbClr val="D4D4D4"/>
                 </a:solidFill>
               </a:rPr>
-              <a:t> = [{</a:t>
-            </a:r>
-            <a:r>
-              <a:rPr dirty="0">
+              <a:t> </a:t>
+            </a:r>
+            <a:r>
+              <a:rPr sz="1100" b="1" dirty="0">
+                <a:solidFill>
+                  <a:schemeClr val="tx1"/>
+                </a:solidFill>
+              </a:rPr>
+              <a:t>= [{</a:t>
+            </a:r>
+            <a:r>
+              <a:rPr sz="1100" b="1" dirty="0">
                 <a:solidFill>
                   <a:srgbClr val="569CD6"/>
                 </a:solidFill>
@@ -16396,51 +16457,67 @@
               <a:t>name</a:t>
             </a:r>
             <a:r>
-              <a:rPr dirty="0">
+              <a:rPr sz="1100" b="1" dirty="0">
                 <a:solidFill>
                   <a:srgbClr val="D4D4D4"/>
                 </a:solidFill>
               </a:rPr>
-              <a:t> = </a:t>
-            </a:r>
-            <a:r>
-              <a:rPr dirty="0"/>
+              <a:t> </a:t>
+            </a:r>
+            <a:r>
+              <a:rPr sz="1100" b="1" dirty="0">
+                <a:solidFill>
+                  <a:schemeClr val="tx1"/>
+                </a:solidFill>
+              </a:rPr>
+              <a:t>=</a:t>
+            </a:r>
+            <a:r>
+              <a:rPr sz="1100" b="1" dirty="0">
+                <a:solidFill>
+                  <a:srgbClr val="D4D4D4"/>
+                </a:solidFill>
+              </a:rPr>
+              <a:t> </a:t>
+            </a:r>
+            <a:r>
+              <a:rPr sz="1100" b="1" dirty="0"/>
               <a:t>"</a:t>
             </a:r>
             <a:r>
-              <a:rPr lang="en-US" dirty="0"/>
+              <a:rPr lang="en-US" sz="1100" b="1" dirty="0"/>
               <a:t>TAM</a:t>
             </a:r>
             <a:r>
-              <a:rPr dirty="0"/>
-              <a:t> </a:t>
-            </a:r>
-            <a:r>
-              <a:rPr lang="en-US" dirty="0"/>
+              <a:rPr sz="1100" b="1" dirty="0"/>
+              <a:t> </a:t>
+            </a:r>
+            <a:r>
+              <a:rPr lang="en-US" sz="1100" b="1" dirty="0"/>
               <a:t>PIZZA</a:t>
             </a:r>
             <a:r>
-              <a:rPr dirty="0"/>
+              <a:rPr sz="1100" b="1" dirty="0"/>
               <a:t>"</a:t>
             </a:r>
             <a:r>
-              <a:rPr lang="en-US" dirty="0">
+              <a:rPr lang="en-US" sz="1100" b="1" dirty="0">
+                <a:solidFill>
+                  <a:schemeClr val="tx1"/>
+                </a:solidFill>
+              </a:rPr>
+              <a:t>,</a:t>
+            </a:r>
+            <a:r>
+              <a:rPr sz="1100" b="1" dirty="0">
                 <a:solidFill>
                   <a:srgbClr val="D4D4D4"/>
                 </a:solidFill>
               </a:rPr>
-              <a:t>,</a:t>
-            </a:r>
-            <a:r>
-              <a:rPr dirty="0">
-                <a:solidFill>
-                  <a:srgbClr val="D4D4D4"/>
-                </a:solidFill>
-              </a:rPr>
-              <a:t> </a:t>
-            </a:r>
-            <a:r>
-              <a:rPr dirty="0">
+              <a:t> </a:t>
+            </a:r>
+            <a:r>
+              <a:rPr sz="1100" b="1" dirty="0">
                 <a:solidFill>
                   <a:srgbClr val="569CD6"/>
                 </a:solidFill>
@@ -16448,41 +16525,41 @@
               <a:t>email</a:t>
             </a:r>
             <a:r>
-              <a:rPr dirty="0">
-                <a:solidFill>
-                  <a:srgbClr val="D4D4D4"/>
+              <a:rPr sz="1100" b="1" dirty="0">
+                <a:solidFill>
+                  <a:schemeClr val="tx1"/>
                 </a:solidFill>
               </a:rPr>
               <a:t>=</a:t>
             </a:r>
             <a:r>
-              <a:rPr dirty="0"/>
+              <a:rPr sz="1100" b="1" dirty="0"/>
               <a:t>"</a:t>
             </a:r>
             <a:r>
-              <a:rPr lang="en-US" dirty="0"/>
+              <a:rPr lang="en-US" sz="1100" b="1" dirty="0"/>
               <a:t>tam@</a:t>
             </a:r>
             <a:r>
-              <a:rPr dirty="0"/>
+              <a:rPr sz="1100" b="1" dirty="0"/>
               <a:t>@</a:t>
             </a:r>
             <a:r>
-              <a:rPr lang="en-US" dirty="0" err="1"/>
+              <a:rPr lang="en-US" sz="1100" b="1" dirty="0" err="1"/>
               <a:t>pizza</a:t>
             </a:r>
             <a:r>
-              <a:rPr dirty="0" err="1"/>
+              <a:rPr sz="1100" b="1" dirty="0" err="1"/>
               <a:t>.ac.uk</a:t>
             </a:r>
             <a:r>
-              <a:rPr dirty="0"/>
+              <a:rPr sz="1100" b="1" dirty="0"/>
               <a:t>"</a:t>
             </a:r>
             <a:r>
-              <a:rPr dirty="0">
-                <a:solidFill>
-                  <a:srgbClr val="D4D4D4"/>
+              <a:rPr sz="1100" b="1" dirty="0">
+                <a:solidFill>
+                  <a:schemeClr val="tx1"/>
                 </a:solidFill>
               </a:rPr>
               <a:t>}]</a:t>
@@ -16501,7 +16578,7 @@
               </a:defRPr>
             </a:pPr>
             <a:r>
-              <a:rPr dirty="0">
+              <a:rPr sz="1100" b="1" dirty="0">
                 <a:solidFill>
                   <a:srgbClr val="569CD6"/>
                 </a:solidFill>
@@ -16509,15 +16586,39 @@
               <a:t>license</a:t>
             </a:r>
             <a:r>
-              <a:rPr dirty="0">
+              <a:rPr sz="1100" b="1" dirty="0">
                 <a:solidFill>
                   <a:srgbClr val="D4D4D4"/>
                 </a:solidFill>
               </a:rPr>
-              <a:t> = {</a:t>
-            </a:r>
-            <a:r>
-              <a:rPr dirty="0">
+              <a:t> </a:t>
+            </a:r>
+            <a:r>
+              <a:rPr sz="1100" b="1" dirty="0">
+                <a:solidFill>
+                  <a:schemeClr val="tx1"/>
+                </a:solidFill>
+              </a:rPr>
+              <a:t>=</a:t>
+            </a:r>
+            <a:r>
+              <a:rPr sz="1100" b="1" dirty="0">
+                <a:solidFill>
+                  <a:srgbClr val="D4D4D4"/>
+                </a:solidFill>
+              </a:rPr>
+              <a:t> </a:t>
+            </a:r>
+            <a:r>
+              <a:rPr sz="1100" b="1" dirty="0">
+                <a:solidFill>
+                  <a:schemeClr val="tx1"/>
+                </a:solidFill>
+              </a:rPr>
+              <a:t>{</a:t>
+            </a:r>
+            <a:r>
+              <a:rPr sz="1100" b="1" dirty="0">
                 <a:solidFill>
                   <a:srgbClr val="569CD6"/>
                 </a:solidFill>
@@ -16525,21 +16626,37 @@
               <a:t>file</a:t>
             </a:r>
             <a:r>
-              <a:rPr dirty="0">
+              <a:rPr sz="1100" b="1" dirty="0">
                 <a:solidFill>
                   <a:srgbClr val="D4D4D4"/>
                 </a:solidFill>
               </a:rPr>
-              <a:t> = </a:t>
-            </a:r>
-            <a:r>
-              <a:rPr dirty="0"/>
+              <a:t> </a:t>
+            </a:r>
+            <a:r>
+              <a:rPr sz="1100" b="1" dirty="0">
+                <a:solidFill>
+                  <a:schemeClr val="tx1"/>
+                </a:solidFill>
+              </a:rPr>
+              <a:t>=</a:t>
+            </a:r>
+            <a:r>
+              <a:rPr sz="1100" b="1" dirty="0">
+                <a:solidFill>
+                  <a:srgbClr val="D4D4D4"/>
+                </a:solidFill>
+              </a:rPr>
+              <a:t> </a:t>
+            </a:r>
+            <a:r>
+              <a:rPr sz="1100" b="1" dirty="0"/>
               <a:t>"LICENSE"</a:t>
             </a:r>
             <a:r>
-              <a:rPr dirty="0">
-                <a:solidFill>
-                  <a:srgbClr val="D4D4D4"/>
+              <a:rPr sz="1100" b="1" dirty="0">
+                <a:solidFill>
+                  <a:schemeClr val="tx1"/>
                 </a:solidFill>
               </a:rPr>
               <a:t>}</a:t>
@@ -16558,7 +16675,7 @@
               </a:defRPr>
             </a:pPr>
             <a:r>
-              <a:rPr dirty="0">
+              <a:rPr sz="1100" b="1" dirty="0">
                 <a:solidFill>
                   <a:srgbClr val="569CD6"/>
                 </a:solidFill>
@@ -16566,26 +16683,42 @@
               <a:t>readme</a:t>
             </a:r>
             <a:r>
-              <a:rPr dirty="0">
+              <a:rPr sz="1100" b="1" dirty="0">
                 <a:solidFill>
                   <a:srgbClr val="D4D4D4"/>
                 </a:solidFill>
               </a:rPr>
-              <a:t> = </a:t>
-            </a:r>
-            <a:r>
-              <a:rPr dirty="0"/>
+              <a:t> </a:t>
+            </a:r>
+            <a:r>
+              <a:rPr sz="1100" b="1" dirty="0">
+                <a:solidFill>
+                  <a:schemeClr val="tx1"/>
+                </a:solidFill>
+              </a:rPr>
+              <a:t>=</a:t>
+            </a:r>
+            <a:r>
+              <a:rPr sz="1100" b="1" dirty="0">
+                <a:solidFill>
+                  <a:srgbClr val="D4D4D4"/>
+                </a:solidFill>
+              </a:rPr>
+              <a:t> </a:t>
+            </a:r>
+            <a:r>
+              <a:rPr sz="1100" b="1" dirty="0"/>
               <a:t>"</a:t>
             </a:r>
             <a:r>
-              <a:rPr dirty="0" err="1"/>
+              <a:rPr sz="1100" b="1" dirty="0" err="1"/>
               <a:t>README.md</a:t>
             </a:r>
             <a:r>
-              <a:rPr dirty="0"/>
+              <a:rPr sz="1100" b="1" dirty="0"/>
               <a:t>"</a:t>
             </a:r>
-            <a:endParaRPr dirty="0">
+            <a:endParaRPr sz="1100" b="1" dirty="0">
               <a:solidFill>
                 <a:srgbClr val="D4D4D4"/>
               </a:solidFill>
@@ -16604,19 +16737,35 @@
               </a:defRPr>
             </a:pPr>
             <a:r>
-              <a:rPr dirty="0"/>
+              <a:rPr sz="1100" b="1" dirty="0"/>
               <a:t>requires-python</a:t>
             </a:r>
             <a:r>
-              <a:rPr dirty="0">
+              <a:rPr sz="1100" b="1" dirty="0">
                 <a:solidFill>
                   <a:srgbClr val="D4D4D4"/>
                 </a:solidFill>
               </a:rPr>
-              <a:t> = </a:t>
-            </a:r>
-            <a:r>
-              <a:rPr dirty="0">
+              <a:t> </a:t>
+            </a:r>
+            <a:r>
+              <a:rPr sz="1100" b="1" dirty="0">
+                <a:solidFill>
+                  <a:schemeClr val="tx1"/>
+                </a:solidFill>
+              </a:rPr>
+              <a:t>=</a:t>
+            </a:r>
+            <a:r>
+              <a:rPr sz="1100" b="1" dirty="0">
+                <a:solidFill>
+                  <a:srgbClr val="D4D4D4"/>
+                </a:solidFill>
+              </a:rPr>
+              <a:t> </a:t>
+            </a:r>
+            <a:r>
+              <a:rPr sz="1100" b="1" dirty="0">
                 <a:solidFill>
                   <a:srgbClr val="CE9178"/>
                 </a:solidFill>
@@ -16624,7 +16773,7 @@
               <a:t>"&gt;=3.</a:t>
             </a:r>
             <a:r>
-              <a:rPr lang="en-US" dirty="0">
+              <a:rPr lang="en-US" sz="1100" b="1" dirty="0">
                 <a:solidFill>
                   <a:srgbClr val="CE9178"/>
                 </a:solidFill>
@@ -16632,14 +16781,14 @@
               <a:t>12</a:t>
             </a:r>
             <a:r>
-              <a:rPr dirty="0">
+              <a:rPr sz="1100" b="1" dirty="0">
                 <a:solidFill>
                   <a:srgbClr val="CE9178"/>
                 </a:solidFill>
               </a:rPr>
               <a:t>"</a:t>
             </a:r>
-            <a:endParaRPr dirty="0">
+            <a:endParaRPr sz="1100" b="1" dirty="0">
               <a:solidFill>
                 <a:srgbClr val="D4D4D4"/>
               </a:solidFill>
@@ -16658,7 +16807,7 @@
               </a:defRPr>
             </a:pPr>
             <a:r>
-              <a:rPr dirty="0">
+              <a:rPr sz="1100" b="1" dirty="0">
                 <a:solidFill>
                   <a:srgbClr val="569CD6"/>
                 </a:solidFill>
@@ -16666,61 +16815,93 @@
               <a:t>dependencies</a:t>
             </a:r>
             <a:r>
-              <a:rPr dirty="0">
+              <a:rPr sz="1100" b="1" dirty="0">
                 <a:solidFill>
                   <a:srgbClr val="D4D4D4"/>
                 </a:solidFill>
               </a:rPr>
-              <a:t> = [</a:t>
-            </a:r>
-            <a:r>
-              <a:rPr dirty="0"/>
+              <a:t> </a:t>
+            </a:r>
+            <a:r>
+              <a:rPr sz="1100" b="1" dirty="0">
+                <a:solidFill>
+                  <a:schemeClr val="tx1"/>
+                </a:solidFill>
+              </a:rPr>
+              <a:t>= [</a:t>
+            </a:r>
+            <a:r>
+              <a:rPr sz="1100" b="1" dirty="0"/>
               <a:t>"</a:t>
             </a:r>
             <a:r>
-              <a:rPr dirty="0" err="1"/>
-              <a:t>numpy</a:t>
-            </a:r>
-            <a:r>
-              <a:rPr dirty="0"/>
+              <a:rPr sz="1100" b="1" dirty="0" err="1"/>
+              <a:t>n</a:t>
+            </a:r>
+            <a:r>
+              <a:rPr lang="en-US" sz="1100" b="1" dirty="0" err="1"/>
+              <a:t>u</a:t>
+            </a:r>
+            <a:r>
+              <a:rPr sz="1100" b="1" dirty="0" err="1"/>
+              <a:t>mpy</a:t>
+            </a:r>
+            <a:r>
+              <a:rPr sz="1100" b="1" dirty="0"/>
               <a:t>"</a:t>
             </a:r>
             <a:r>
-              <a:rPr dirty="0">
+              <a:rPr sz="1100" b="1" dirty="0">
+                <a:solidFill>
+                  <a:schemeClr val="tx1"/>
+                </a:solidFill>
+              </a:rPr>
+              <a:t>,</a:t>
+            </a:r>
+            <a:r>
+              <a:rPr sz="1100" b="1" dirty="0">
                 <a:solidFill>
                   <a:srgbClr val="D4D4D4"/>
                 </a:solidFill>
               </a:rPr>
-              <a:t>, </a:t>
-            </a:r>
-            <a:r>
-              <a:rPr dirty="0"/>
+              <a:t> </a:t>
+            </a:r>
+            <a:r>
+              <a:rPr sz="1100" b="1" dirty="0"/>
               <a:t>"matplotlib &gt;= 3.0.0"</a:t>
             </a:r>
             <a:r>
-              <a:rPr dirty="0">
+              <a:rPr sz="1100" b="1" dirty="0">
+                <a:solidFill>
+                  <a:schemeClr val="tx1"/>
+                </a:solidFill>
+              </a:rPr>
+              <a:t>,</a:t>
+            </a:r>
+            <a:r>
+              <a:rPr sz="1100" b="1" dirty="0">
                 <a:solidFill>
                   <a:srgbClr val="D4D4D4"/>
                 </a:solidFill>
               </a:rPr>
-              <a:t>, </a:t>
-            </a:r>
-            <a:r>
-              <a:rPr lang="de-DE" dirty="0"/>
+              <a:t> </a:t>
+            </a:r>
+            <a:r>
+              <a:rPr lang="de-DE" sz="1100" b="1" dirty="0"/>
               <a:t>"</a:t>
             </a:r>
             <a:r>
-              <a:rPr lang="de-DE" dirty="0" err="1"/>
+              <a:rPr lang="de-DE" sz="1100" b="1" dirty="0" err="1"/>
               <a:t>pytest</a:t>
             </a:r>
             <a:r>
-              <a:rPr dirty="0"/>
+              <a:rPr sz="1100" b="1" dirty="0"/>
               <a:t>"</a:t>
             </a:r>
             <a:r>
-              <a:rPr dirty="0">
-                <a:solidFill>
-                  <a:srgbClr val="D4D4D4"/>
+              <a:rPr sz="1100" b="1" dirty="0">
+                <a:solidFill>
+                  <a:schemeClr val="tx1"/>
                 </a:solidFill>
               </a:rPr>
               <a:t>]</a:t>
@@ -16738,7 +16919,7 @@
                 <a:sym typeface="Courier"/>
               </a:defRPr>
             </a:pPr>
-            <a:endParaRPr dirty="0">
+            <a:endParaRPr sz="1100" b="1" dirty="0">
               <a:solidFill>
                 <a:srgbClr val="D4D4D4"/>
               </a:solidFill>
@@ -16757,21 +16938,25 @@
               </a:defRPr>
             </a:pPr>
             <a:r>
-              <a:rPr dirty="0">
-                <a:solidFill>
-                  <a:srgbClr val="D4D4D4"/>
+              <a:rPr sz="1100" b="1" dirty="0">
+                <a:solidFill>
+                  <a:schemeClr val="tx1"/>
                 </a:solidFill>
               </a:rPr>
               <a:t>[</a:t>
             </a:r>
             <a:r>
-              <a:rPr dirty="0"/>
+              <a:rPr sz="1100" b="1" dirty="0">
+                <a:solidFill>
+                  <a:schemeClr val="accent6"/>
+                </a:solidFill>
+              </a:rPr>
               <a:t>build-system</a:t>
             </a:r>
             <a:r>
-              <a:rPr dirty="0">
-                <a:solidFill>
-                  <a:srgbClr val="D4D4D4"/>
+              <a:rPr sz="1100" b="1" dirty="0">
+                <a:solidFill>
+                  <a:schemeClr val="tx1"/>
                 </a:solidFill>
               </a:rPr>
               <a:t>]</a:t>
@@ -16790,7 +16975,7 @@
               </a:defRPr>
             </a:pPr>
             <a:r>
-              <a:rPr dirty="0">
+              <a:rPr sz="1100" b="1" dirty="0">
                 <a:solidFill>
                   <a:srgbClr val="569CD6"/>
                 </a:solidFill>
@@ -16798,33 +16983,49 @@
               <a:t>requires</a:t>
             </a:r>
             <a:r>
-              <a:rPr dirty="0">
+              <a:rPr sz="1100" b="1" dirty="0">
                 <a:solidFill>
                   <a:srgbClr val="D4D4D4"/>
                 </a:solidFill>
               </a:rPr>
-              <a:t> = [</a:t>
-            </a:r>
-            <a:r>
-              <a:rPr dirty="0"/>
+              <a:t> </a:t>
+            </a:r>
+            <a:r>
+              <a:rPr sz="1100" b="1" dirty="0">
+                <a:solidFill>
+                  <a:schemeClr val="tx1"/>
+                </a:solidFill>
+              </a:rPr>
+              <a:t>= [</a:t>
+            </a:r>
+            <a:r>
+              <a:rPr sz="1100" b="1" dirty="0"/>
               <a:t>"</a:t>
             </a:r>
             <a:r>
-              <a:rPr dirty="0" err="1"/>
+              <a:rPr sz="1100" b="1" dirty="0" err="1"/>
               <a:t>setuptools</a:t>
             </a:r>
             <a:r>
-              <a:rPr dirty="0"/>
+              <a:rPr sz="1100" b="1" dirty="0"/>
               <a:t>&gt;=42"</a:t>
             </a:r>
             <a:r>
-              <a:rPr lang="en-US" dirty="0"/>
-              <a:t>, “wheel”</a:t>
-            </a:r>
-            <a:r>
-              <a:rPr dirty="0">
-                <a:solidFill>
-                  <a:srgbClr val="D4D4D4"/>
+              <a:rPr lang="en-US" sz="1100" b="1" dirty="0">
+                <a:solidFill>
+                  <a:schemeClr val="tx1"/>
+                </a:solidFill>
+              </a:rPr>
+              <a:t>,</a:t>
+            </a:r>
+            <a:r>
+              <a:rPr lang="en-US" sz="1100" b="1" dirty="0"/>
+              <a:t> “wheel”</a:t>
+            </a:r>
+            <a:r>
+              <a:rPr sz="1100" b="1" dirty="0">
+                <a:solidFill>
+                  <a:schemeClr val="tx1"/>
                 </a:solidFill>
               </a:rPr>
               <a:t>]</a:t>
@@ -16843,7 +17044,7 @@
               </a:defRPr>
             </a:pPr>
             <a:r>
-              <a:rPr dirty="0">
+              <a:rPr sz="1100" b="1" dirty="0">
                 <a:solidFill>
                   <a:srgbClr val="569CD6"/>
                 </a:solidFill>
@@ -16851,26 +17052,42 @@
               <a:t>build-backend</a:t>
             </a:r>
             <a:r>
-              <a:rPr dirty="0">
+              <a:rPr sz="1100" b="1" dirty="0">
                 <a:solidFill>
                   <a:srgbClr val="D4D4D4"/>
                 </a:solidFill>
               </a:rPr>
-              <a:t> = </a:t>
-            </a:r>
-            <a:r>
-              <a:rPr dirty="0"/>
+              <a:t> </a:t>
+            </a:r>
+            <a:r>
+              <a:rPr sz="1100" b="1" dirty="0">
+                <a:solidFill>
+                  <a:schemeClr val="tx1"/>
+                </a:solidFill>
+              </a:rPr>
+              <a:t>=</a:t>
+            </a:r>
+            <a:r>
+              <a:rPr sz="1100" b="1" dirty="0">
+                <a:solidFill>
+                  <a:srgbClr val="D4D4D4"/>
+                </a:solidFill>
+              </a:rPr>
+              <a:t> </a:t>
+            </a:r>
+            <a:r>
+              <a:rPr sz="1100" b="1" dirty="0"/>
               <a:t>"</a:t>
             </a:r>
             <a:r>
-              <a:rPr dirty="0" err="1"/>
+              <a:rPr sz="1100" b="1" dirty="0" err="1"/>
               <a:t>setuptools.build_meta</a:t>
             </a:r>
             <a:r>
-              <a:rPr dirty="0"/>
+              <a:rPr sz="1100" b="1" dirty="0"/>
               <a:t>"</a:t>
             </a:r>
-            <a:endParaRPr dirty="0">
+            <a:endParaRPr sz="1100" b="1" dirty="0">
               <a:solidFill>
                 <a:srgbClr val="D4D4D4"/>
               </a:solidFill>
@@ -17409,729 +17626,6 @@
       </p:sp>
       <p:sp>
         <p:nvSpPr>
-          <p:cNvPr id="5" name="Rectangle 6">
-            <a:extLst>
-              <a:ext uri="{FF2B5EF4-FFF2-40B4-BE49-F238E27FC236}">
-                <a16:creationId xmlns:a16="http://schemas.microsoft.com/office/drawing/2014/main" id="{466A2719-6BF9-8C7D-4A63-0E2EF462AFC8}"/>
-              </a:ext>
-            </a:extLst>
-          </p:cNvPr>
-          <p:cNvSpPr/>
-          <p:nvPr/>
-        </p:nvSpPr>
-        <p:spPr>
-          <a:xfrm>
-            <a:off x="4463751" y="1417588"/>
-            <a:ext cx="4150627" cy="1892826"/>
-          </a:xfrm>
-          <a:prstGeom prst="rect">
-            <a:avLst/>
-          </a:prstGeom>
-          <a:solidFill>
-            <a:srgbClr val="262626"/>
-          </a:solidFill>
-          <a:ln w="12700">
-            <a:miter lim="400000"/>
-          </a:ln>
-          <a:extLst>
-            <a:ext uri="{C572A759-6A51-4108-AA02-DFA0A04FC94B}">
-              <ma14:wrappingTextBoxFlag xmlns="" xmlns:m="http://schemas.openxmlformats.org/officeDocument/2006/math" xmlns:a14="http://schemas.microsoft.com/office/drawing/2010/main" xmlns:ma14="http://schemas.microsoft.com/office/mac/drawingml/2011/main" val="1"/>
-            </a:ext>
-          </a:extLst>
-        </p:spPr>
-        <p:txBody>
-          <a:bodyPr wrap="square" lIns="45719" rIns="45719">
-            <a:spAutoFit/>
-          </a:bodyPr>
-          <a:lstStyle/>
-          <a:p>
-            <a:pPr defTabSz="457200">
-              <a:defRPr sz="900">
-                <a:solidFill>
-                  <a:srgbClr val="9CDCFE"/>
-                </a:solidFill>
-                <a:latin typeface="Courier"/>
-                <a:ea typeface="Courier"/>
-                <a:cs typeface="Courier"/>
-                <a:sym typeface="Courier"/>
-              </a:defRPr>
-            </a:pPr>
-            <a:r>
-              <a:rPr lang="de-DE" dirty="0">
-                <a:solidFill>
-                  <a:srgbClr val="D4D4D4"/>
-                </a:solidFill>
-              </a:rPr>
-              <a:t>[</a:t>
-            </a:r>
-            <a:r>
-              <a:rPr lang="de-DE" dirty="0" err="1"/>
-              <a:t>project</a:t>
-            </a:r>
-            <a:r>
-              <a:rPr lang="de-DE" dirty="0">
-                <a:solidFill>
-                  <a:srgbClr val="D4D4D4"/>
-                </a:solidFill>
-              </a:rPr>
-              <a:t>]</a:t>
-            </a:r>
-          </a:p>
-          <a:p>
-            <a:pPr defTabSz="457200">
-              <a:defRPr sz="900">
-                <a:solidFill>
-                  <a:srgbClr val="CE9178"/>
-                </a:solidFill>
-                <a:latin typeface="Courier"/>
-                <a:ea typeface="Courier"/>
-                <a:cs typeface="Courier"/>
-                <a:sym typeface="Courier"/>
-              </a:defRPr>
-            </a:pPr>
-            <a:r>
-              <a:rPr lang="de-DE" dirty="0" err="1">
-                <a:solidFill>
-                  <a:srgbClr val="569CD6"/>
-                </a:solidFill>
-              </a:rPr>
-              <a:t>name</a:t>
-            </a:r>
-            <a:r>
-              <a:rPr lang="de-DE" dirty="0">
-                <a:solidFill>
-                  <a:srgbClr val="D4D4D4"/>
-                </a:solidFill>
-              </a:rPr>
-              <a:t> = </a:t>
-            </a:r>
-            <a:r>
-              <a:rPr lang="de-DE" dirty="0"/>
-              <a:t>"</a:t>
-            </a:r>
-            <a:r>
-              <a:rPr lang="de-DE" dirty="0" err="1"/>
-              <a:t>italianfood</a:t>
-            </a:r>
-            <a:r>
-              <a:rPr lang="de-DE" dirty="0"/>
-              <a:t>"</a:t>
-            </a:r>
-            <a:endParaRPr lang="de-DE" dirty="0">
-              <a:solidFill>
-                <a:srgbClr val="D4D4D4"/>
-              </a:solidFill>
-            </a:endParaRPr>
-          </a:p>
-          <a:p>
-            <a:pPr defTabSz="457200">
-              <a:defRPr sz="900">
-                <a:solidFill>
-                  <a:srgbClr val="569CD6"/>
-                </a:solidFill>
-                <a:latin typeface="Courier"/>
-                <a:ea typeface="Courier"/>
-                <a:cs typeface="Courier"/>
-                <a:sym typeface="Courier"/>
-              </a:defRPr>
-            </a:pPr>
-            <a:r>
-              <a:rPr lang="de-DE" dirty="0" err="1"/>
-              <a:t>version</a:t>
-            </a:r>
-            <a:r>
-              <a:rPr lang="de-DE" dirty="0">
-                <a:solidFill>
-                  <a:srgbClr val="D4D4D4"/>
-                </a:solidFill>
-              </a:rPr>
-              <a:t> = </a:t>
-            </a:r>
-            <a:r>
-              <a:rPr lang="de-DE" dirty="0">
-                <a:solidFill>
-                  <a:srgbClr val="CE9178"/>
-                </a:solidFill>
-              </a:rPr>
-              <a:t>"0.1.0"</a:t>
-            </a:r>
-            <a:endParaRPr lang="de-DE" dirty="0">
-              <a:solidFill>
-                <a:srgbClr val="D4D4D4"/>
-              </a:solidFill>
-            </a:endParaRPr>
-          </a:p>
-          <a:p>
-            <a:pPr defTabSz="457200">
-              <a:defRPr sz="900">
-                <a:solidFill>
-                  <a:srgbClr val="CE9178"/>
-                </a:solidFill>
-                <a:latin typeface="Courier"/>
-                <a:ea typeface="Courier"/>
-                <a:cs typeface="Courier"/>
-                <a:sym typeface="Courier"/>
-              </a:defRPr>
-            </a:pPr>
-            <a:r>
-              <a:rPr lang="de-DE" dirty="0" err="1">
-                <a:solidFill>
-                  <a:srgbClr val="569CD6"/>
-                </a:solidFill>
-              </a:rPr>
-              <a:t>description</a:t>
-            </a:r>
-            <a:r>
-              <a:rPr lang="de-DE" dirty="0">
-                <a:solidFill>
-                  <a:srgbClr val="D4D4D4"/>
-                </a:solidFill>
-              </a:rPr>
-              <a:t> = </a:t>
-            </a:r>
-            <a:r>
-              <a:rPr lang="de-DE" dirty="0"/>
-              <a:t>"a </a:t>
-            </a:r>
-            <a:r>
-              <a:rPr lang="de-DE" dirty="0" err="1"/>
-              <a:t>python</a:t>
-            </a:r>
-            <a:r>
-              <a:rPr lang="de-DE" dirty="0"/>
-              <a:t> </a:t>
-            </a:r>
-            <a:r>
-              <a:rPr lang="de-DE" dirty="0" err="1"/>
-              <a:t>package</a:t>
-            </a:r>
-            <a:r>
-              <a:rPr lang="de-DE" dirty="0"/>
-              <a:t> </a:t>
-            </a:r>
-            <a:r>
-              <a:rPr lang="de-DE" dirty="0" err="1"/>
-              <a:t>for</a:t>
-            </a:r>
-            <a:r>
-              <a:rPr lang="de-DE" dirty="0"/>
-              <a:t> </a:t>
-            </a:r>
-            <a:r>
-              <a:rPr lang="de-DE" dirty="0" err="1"/>
-              <a:t>running</a:t>
-            </a:r>
-            <a:r>
-              <a:rPr lang="de-DE" dirty="0"/>
-              <a:t> an </a:t>
-            </a:r>
-            <a:r>
-              <a:rPr lang="de-DE" dirty="0" err="1"/>
-              <a:t>restaurant</a:t>
-            </a:r>
-            <a:r>
-              <a:rPr lang="de-DE" dirty="0"/>
-              <a:t>"</a:t>
-            </a:r>
-            <a:endParaRPr lang="de-DE" dirty="0">
-              <a:solidFill>
-                <a:srgbClr val="D4D4D4"/>
-              </a:solidFill>
-            </a:endParaRPr>
-          </a:p>
-          <a:p>
-            <a:pPr defTabSz="457200">
-              <a:defRPr sz="900">
-                <a:solidFill>
-                  <a:srgbClr val="CE9178"/>
-                </a:solidFill>
-                <a:latin typeface="Courier"/>
-                <a:ea typeface="Courier"/>
-                <a:cs typeface="Courier"/>
-                <a:sym typeface="Courier"/>
-              </a:defRPr>
-            </a:pPr>
-            <a:r>
-              <a:rPr lang="de-DE" dirty="0" err="1">
-                <a:solidFill>
-                  <a:srgbClr val="569CD6"/>
-                </a:solidFill>
-              </a:rPr>
-              <a:t>authors</a:t>
-            </a:r>
-            <a:r>
-              <a:rPr lang="de-DE" dirty="0">
-                <a:solidFill>
-                  <a:srgbClr val="D4D4D4"/>
-                </a:solidFill>
-              </a:rPr>
-              <a:t> = [{</a:t>
-            </a:r>
-            <a:r>
-              <a:rPr lang="de-DE" dirty="0" err="1">
-                <a:solidFill>
-                  <a:srgbClr val="569CD6"/>
-                </a:solidFill>
-              </a:rPr>
-              <a:t>name</a:t>
-            </a:r>
-            <a:r>
-              <a:rPr lang="de-DE" dirty="0">
-                <a:solidFill>
-                  <a:srgbClr val="D4D4D4"/>
-                </a:solidFill>
-              </a:rPr>
-              <a:t> = </a:t>
-            </a:r>
-            <a:r>
-              <a:rPr lang="de-DE" dirty="0"/>
-              <a:t>"A. PIZZA"</a:t>
-            </a:r>
-            <a:r>
-              <a:rPr lang="de-DE" dirty="0">
-                <a:solidFill>
-                  <a:srgbClr val="D4D4D4"/>
-                </a:solidFill>
-              </a:rPr>
-              <a:t>, </a:t>
-            </a:r>
-            <a:r>
-              <a:rPr lang="de-DE" dirty="0">
-                <a:solidFill>
-                  <a:srgbClr val="569CD6"/>
-                </a:solidFill>
-              </a:rPr>
-              <a:t>email</a:t>
-            </a:r>
-            <a:r>
-              <a:rPr lang="de-DE" dirty="0">
-                <a:solidFill>
-                  <a:srgbClr val="D4D4D4"/>
-                </a:solidFill>
-              </a:rPr>
-              <a:t>=</a:t>
-            </a:r>
-            <a:r>
-              <a:rPr lang="de-DE" dirty="0"/>
-              <a:t>"</a:t>
-            </a:r>
-            <a:r>
-              <a:rPr lang="de-DE" dirty="0" err="1"/>
-              <a:t>tam</a:t>
-            </a:r>
-            <a:r>
-              <a:rPr lang="de-DE" dirty="0"/>
-              <a:t>@@</a:t>
-            </a:r>
-            <a:r>
-              <a:rPr lang="de-DE" dirty="0" err="1"/>
-              <a:t>pizza.ac.uk</a:t>
-            </a:r>
-            <a:r>
-              <a:rPr lang="de-DE" dirty="0"/>
-              <a:t>"</a:t>
-            </a:r>
-            <a:r>
-              <a:rPr lang="de-DE" dirty="0">
-                <a:solidFill>
-                  <a:srgbClr val="D4D4D4"/>
-                </a:solidFill>
-              </a:rPr>
-              <a:t>}]</a:t>
-            </a:r>
-          </a:p>
-          <a:p>
-            <a:pPr defTabSz="457200">
-              <a:defRPr sz="900">
-                <a:solidFill>
-                  <a:srgbClr val="CE9178"/>
-                </a:solidFill>
-                <a:latin typeface="Courier"/>
-                <a:ea typeface="Courier"/>
-                <a:cs typeface="Courier"/>
-                <a:sym typeface="Courier"/>
-              </a:defRPr>
-            </a:pPr>
-            <a:r>
-              <a:rPr lang="de-DE" dirty="0" err="1">
-                <a:solidFill>
-                  <a:srgbClr val="569CD6"/>
-                </a:solidFill>
-              </a:rPr>
-              <a:t>license</a:t>
-            </a:r>
-            <a:r>
-              <a:rPr lang="de-DE" dirty="0">
-                <a:solidFill>
-                  <a:srgbClr val="D4D4D4"/>
-                </a:solidFill>
-              </a:rPr>
-              <a:t> = {</a:t>
-            </a:r>
-            <a:r>
-              <a:rPr lang="de-DE" dirty="0" err="1">
-                <a:solidFill>
-                  <a:srgbClr val="569CD6"/>
-                </a:solidFill>
-              </a:rPr>
-              <a:t>file</a:t>
-            </a:r>
-            <a:r>
-              <a:rPr lang="de-DE" dirty="0">
-                <a:solidFill>
-                  <a:srgbClr val="D4D4D4"/>
-                </a:solidFill>
-              </a:rPr>
-              <a:t> = </a:t>
-            </a:r>
-            <a:r>
-              <a:rPr lang="de-DE" dirty="0"/>
-              <a:t>"LICENSE"</a:t>
-            </a:r>
-            <a:r>
-              <a:rPr lang="de-DE" dirty="0">
-                <a:solidFill>
-                  <a:srgbClr val="D4D4D4"/>
-                </a:solidFill>
-              </a:rPr>
-              <a:t>}</a:t>
-            </a:r>
-          </a:p>
-          <a:p>
-            <a:pPr defTabSz="457200">
-              <a:defRPr sz="900">
-                <a:solidFill>
-                  <a:srgbClr val="CE9178"/>
-                </a:solidFill>
-                <a:latin typeface="Courier"/>
-                <a:ea typeface="Courier"/>
-                <a:cs typeface="Courier"/>
-                <a:sym typeface="Courier"/>
-              </a:defRPr>
-            </a:pPr>
-            <a:r>
-              <a:rPr lang="de-DE" dirty="0" err="1">
-                <a:solidFill>
-                  <a:srgbClr val="569CD6"/>
-                </a:solidFill>
-              </a:rPr>
-              <a:t>readme</a:t>
-            </a:r>
-            <a:r>
-              <a:rPr lang="de-DE" dirty="0">
-                <a:solidFill>
-                  <a:srgbClr val="D4D4D4"/>
-                </a:solidFill>
-              </a:rPr>
-              <a:t> = </a:t>
-            </a:r>
-            <a:r>
-              <a:rPr lang="de-DE" dirty="0"/>
-              <a:t>"</a:t>
-            </a:r>
-            <a:r>
-              <a:rPr lang="de-DE" dirty="0" err="1"/>
-              <a:t>README.md</a:t>
-            </a:r>
-            <a:r>
-              <a:rPr lang="de-DE" dirty="0"/>
-              <a:t>"</a:t>
-            </a:r>
-            <a:endParaRPr lang="de-DE" dirty="0">
-              <a:solidFill>
-                <a:srgbClr val="D4D4D4"/>
-              </a:solidFill>
-            </a:endParaRPr>
-          </a:p>
-          <a:p>
-            <a:pPr defTabSz="457200">
-              <a:defRPr sz="900">
-                <a:solidFill>
-                  <a:srgbClr val="569CD6"/>
-                </a:solidFill>
-                <a:latin typeface="Courier"/>
-                <a:ea typeface="Courier"/>
-                <a:cs typeface="Courier"/>
-                <a:sym typeface="Courier"/>
-              </a:defRPr>
-            </a:pPr>
-            <a:r>
-              <a:rPr lang="de-DE" dirty="0" err="1"/>
-              <a:t>requires-python</a:t>
-            </a:r>
-            <a:r>
-              <a:rPr lang="de-DE" dirty="0">
-                <a:solidFill>
-                  <a:srgbClr val="D4D4D4"/>
-                </a:solidFill>
-              </a:rPr>
-              <a:t> = </a:t>
-            </a:r>
-            <a:r>
-              <a:rPr lang="de-DE" dirty="0">
-                <a:solidFill>
-                  <a:srgbClr val="CE9178"/>
-                </a:solidFill>
-              </a:rPr>
-              <a:t>"&gt;=3.12"</a:t>
-            </a:r>
-            <a:endParaRPr lang="de-DE" dirty="0">
-              <a:solidFill>
-                <a:srgbClr val="D4D4D4"/>
-              </a:solidFill>
-            </a:endParaRPr>
-          </a:p>
-          <a:p>
-            <a:pPr defTabSz="457200">
-              <a:defRPr sz="900">
-                <a:solidFill>
-                  <a:srgbClr val="CE9178"/>
-                </a:solidFill>
-                <a:latin typeface="Courier"/>
-                <a:ea typeface="Courier"/>
-                <a:cs typeface="Courier"/>
-                <a:sym typeface="Courier"/>
-              </a:defRPr>
-            </a:pPr>
-            <a:r>
-              <a:rPr lang="de-DE" dirty="0" err="1">
-                <a:solidFill>
-                  <a:srgbClr val="569CD6"/>
-                </a:solidFill>
-              </a:rPr>
-              <a:t>dependencies</a:t>
-            </a:r>
-            <a:r>
-              <a:rPr lang="de-DE" dirty="0">
-                <a:solidFill>
-                  <a:srgbClr val="D4D4D4"/>
-                </a:solidFill>
-              </a:rPr>
-              <a:t> = [</a:t>
-            </a:r>
-            <a:r>
-              <a:rPr lang="de-DE" dirty="0"/>
-              <a:t>"</a:t>
-            </a:r>
-            <a:r>
-              <a:rPr lang="de-DE" dirty="0" err="1"/>
-              <a:t>numpy</a:t>
-            </a:r>
-            <a:r>
-              <a:rPr lang="de-DE" dirty="0"/>
-              <a:t>"</a:t>
-            </a:r>
-            <a:r>
-              <a:rPr lang="de-DE" dirty="0">
-                <a:solidFill>
-                  <a:srgbClr val="D4D4D4"/>
-                </a:solidFill>
-              </a:rPr>
-              <a:t>, </a:t>
-            </a:r>
-            <a:r>
-              <a:rPr lang="de-DE" dirty="0"/>
-              <a:t>"</a:t>
-            </a:r>
-            <a:r>
-              <a:rPr lang="de-DE" dirty="0" err="1"/>
-              <a:t>matplotlib</a:t>
-            </a:r>
-            <a:r>
-              <a:rPr lang="de-DE" dirty="0"/>
-              <a:t> &gt;= 3.0.0"</a:t>
-            </a:r>
-            <a:r>
-              <a:rPr lang="de-DE" dirty="0">
-                <a:solidFill>
-                  <a:srgbClr val="D4D4D4"/>
-                </a:solidFill>
-              </a:rPr>
-              <a:t>, </a:t>
-            </a:r>
-            <a:r>
-              <a:rPr lang="de-DE" dirty="0"/>
-              <a:t>"</a:t>
-            </a:r>
-            <a:r>
-              <a:rPr lang="de-DE" dirty="0" err="1"/>
-              <a:t>pytest</a:t>
-            </a:r>
-            <a:r>
-              <a:rPr lang="de-DE" dirty="0"/>
-              <a:t>"</a:t>
-            </a:r>
-            <a:r>
-              <a:rPr lang="de-DE" dirty="0">
-                <a:solidFill>
-                  <a:srgbClr val="D4D4D4"/>
-                </a:solidFill>
-              </a:rPr>
-              <a:t>]</a:t>
-            </a:r>
-          </a:p>
-          <a:p>
-            <a:pPr defTabSz="457200">
-              <a:defRPr sz="900">
-                <a:solidFill>
-                  <a:srgbClr val="D4D4D4"/>
-                </a:solidFill>
-                <a:latin typeface="Courier"/>
-                <a:ea typeface="Courier"/>
-                <a:cs typeface="Courier"/>
-                <a:sym typeface="Courier"/>
-              </a:defRPr>
-            </a:pPr>
-            <a:endParaRPr lang="de-DE" dirty="0">
-              <a:solidFill>
-                <a:srgbClr val="D4D4D4"/>
-              </a:solidFill>
-            </a:endParaRPr>
-          </a:p>
-          <a:p>
-            <a:pPr defTabSz="457200">
-              <a:defRPr sz="900">
-                <a:solidFill>
-                  <a:srgbClr val="9CDCFE"/>
-                </a:solidFill>
-                <a:latin typeface="Courier"/>
-                <a:ea typeface="Courier"/>
-                <a:cs typeface="Courier"/>
-                <a:sym typeface="Courier"/>
-              </a:defRPr>
-            </a:pPr>
-            <a:r>
-              <a:rPr lang="de-DE" dirty="0">
-                <a:solidFill>
-                  <a:srgbClr val="D4D4D4"/>
-                </a:solidFill>
-              </a:rPr>
-              <a:t>[</a:t>
-            </a:r>
-            <a:r>
-              <a:rPr lang="de-DE" dirty="0" err="1"/>
-              <a:t>build</a:t>
-            </a:r>
-            <a:r>
-              <a:rPr lang="de-DE" dirty="0"/>
-              <a:t>-system</a:t>
-            </a:r>
-            <a:r>
-              <a:rPr lang="de-DE" dirty="0">
-                <a:solidFill>
-                  <a:srgbClr val="D4D4D4"/>
-                </a:solidFill>
-              </a:rPr>
-              <a:t>]</a:t>
-            </a:r>
-          </a:p>
-          <a:p>
-            <a:pPr defTabSz="457200">
-              <a:defRPr sz="900">
-                <a:solidFill>
-                  <a:srgbClr val="CE9178"/>
-                </a:solidFill>
-                <a:latin typeface="Courier"/>
-                <a:ea typeface="Courier"/>
-                <a:cs typeface="Courier"/>
-                <a:sym typeface="Courier"/>
-              </a:defRPr>
-            </a:pPr>
-            <a:r>
-              <a:rPr lang="de-DE" dirty="0" err="1">
-                <a:solidFill>
-                  <a:srgbClr val="569CD6"/>
-                </a:solidFill>
-              </a:rPr>
-              <a:t>requires</a:t>
-            </a:r>
-            <a:r>
-              <a:rPr lang="de-DE" dirty="0">
-                <a:solidFill>
-                  <a:srgbClr val="D4D4D4"/>
-                </a:solidFill>
-              </a:rPr>
-              <a:t> = [</a:t>
-            </a:r>
-            <a:r>
-              <a:rPr lang="de-DE" dirty="0"/>
-              <a:t>"</a:t>
-            </a:r>
-            <a:r>
-              <a:rPr lang="de-DE" dirty="0" err="1"/>
-              <a:t>setuptools</a:t>
-            </a:r>
-            <a:r>
-              <a:rPr lang="de-DE" dirty="0"/>
-              <a:t>&gt;=42"</a:t>
-            </a:r>
-            <a:r>
-              <a:rPr lang="de-DE" dirty="0">
-                <a:solidFill>
-                  <a:srgbClr val="D4D4D4"/>
-                </a:solidFill>
-              </a:rPr>
-              <a:t>]</a:t>
-            </a:r>
-          </a:p>
-          <a:p>
-            <a:pPr defTabSz="457200">
-              <a:defRPr sz="900">
-                <a:solidFill>
-                  <a:srgbClr val="CE9178"/>
-                </a:solidFill>
-                <a:latin typeface="Courier"/>
-                <a:ea typeface="Courier"/>
-                <a:cs typeface="Courier"/>
-                <a:sym typeface="Courier"/>
-              </a:defRPr>
-            </a:pPr>
-            <a:r>
-              <a:rPr lang="de-DE" dirty="0" err="1">
-                <a:solidFill>
-                  <a:srgbClr val="569CD6"/>
-                </a:solidFill>
-              </a:rPr>
-              <a:t>build</a:t>
-            </a:r>
-            <a:r>
-              <a:rPr lang="de-DE" dirty="0">
-                <a:solidFill>
-                  <a:srgbClr val="569CD6"/>
-                </a:solidFill>
-              </a:rPr>
-              <a:t>-backend</a:t>
-            </a:r>
-            <a:r>
-              <a:rPr lang="de-DE" dirty="0">
-                <a:solidFill>
-                  <a:srgbClr val="D4D4D4"/>
-                </a:solidFill>
-              </a:rPr>
-              <a:t> = </a:t>
-            </a:r>
-            <a:r>
-              <a:rPr lang="de-DE" dirty="0"/>
-              <a:t>"</a:t>
-            </a:r>
-            <a:r>
-              <a:rPr lang="de-DE" dirty="0" err="1"/>
-              <a:t>setuptools.build_meta</a:t>
-            </a:r>
-            <a:r>
-              <a:rPr lang="de-DE" dirty="0"/>
-              <a:t>"</a:t>
-            </a:r>
-            <a:endParaRPr lang="de-DE" dirty="0">
-              <a:solidFill>
-                <a:srgbClr val="D4D4D4"/>
-              </a:solidFill>
-            </a:endParaRPr>
-          </a:p>
-        </p:txBody>
-      </p:sp>
-      <p:sp>
-        <p:nvSpPr>
           <p:cNvPr id="6" name="Abgerundetes Rechteck 5">
             <a:extLst>
               <a:ext uri="{FF2B5EF4-FFF2-40B4-BE49-F238E27FC236}">
@@ -18144,8 +17638,8 @@
         </p:nvSpPr>
         <p:spPr>
           <a:xfrm>
-            <a:off x="4362714" y="2512032"/>
-            <a:ext cx="4150626" cy="259773"/>
+            <a:off x="4463751" y="3095376"/>
+            <a:ext cx="4063304" cy="518157"/>
           </a:xfrm>
           <a:prstGeom prst="roundRect">
             <a:avLst/>
@@ -18214,6 +17708,942 @@
               <a:ea typeface="+mj-ea"/>
               <a:cs typeface="+mj-cs"/>
               <a:sym typeface="Arial"/>
+            </a:endParaRPr>
+          </a:p>
+        </p:txBody>
+      </p:sp>
+      <p:sp>
+        <p:nvSpPr>
+          <p:cNvPr id="7" name="Rectangle 6">
+            <a:extLst>
+              <a:ext uri="{FF2B5EF4-FFF2-40B4-BE49-F238E27FC236}">
+                <a16:creationId xmlns:a16="http://schemas.microsoft.com/office/drawing/2014/main" id="{85141D25-A723-E8EA-95BF-9F92E77F3EA8}"/>
+              </a:ext>
+            </a:extLst>
+          </p:cNvPr>
+          <p:cNvSpPr/>
+          <p:nvPr/>
+        </p:nvSpPr>
+        <p:spPr>
+          <a:xfrm>
+            <a:off x="4463751" y="1429347"/>
+            <a:ext cx="4150627" cy="2800767"/>
+          </a:xfrm>
+          <a:prstGeom prst="rect">
+            <a:avLst/>
+          </a:prstGeom>
+          <a:noFill/>
+          <a:ln w="12700">
+            <a:solidFill>
+              <a:schemeClr val="bg2"/>
+            </a:solidFill>
+            <a:miter lim="400000"/>
+          </a:ln>
+          <a:extLst>
+            <a:ext uri="{C572A759-6A51-4108-AA02-DFA0A04FC94B}">
+              <ma14:wrappingTextBoxFlag xmlns:ma14="http://schemas.microsoft.com/office/mac/drawingml/2011/main" xmlns:a14="http://schemas.microsoft.com/office/drawing/2010/main" xmlns:m="http://schemas.openxmlformats.org/officeDocument/2006/math" xmlns="" val="1"/>
+            </a:ext>
+          </a:extLst>
+        </p:spPr>
+        <p:txBody>
+          <a:bodyPr wrap="square" lIns="45719" rIns="45719">
+            <a:spAutoFit/>
+          </a:bodyPr>
+          <a:lstStyle/>
+          <a:p>
+            <a:pPr defTabSz="457200">
+              <a:defRPr sz="900">
+                <a:solidFill>
+                  <a:srgbClr val="9CDCFE"/>
+                </a:solidFill>
+                <a:latin typeface="Courier"/>
+                <a:ea typeface="Courier"/>
+                <a:cs typeface="Courier"/>
+                <a:sym typeface="Courier"/>
+              </a:defRPr>
+            </a:pPr>
+            <a:r>
+              <a:rPr sz="1100" b="1" dirty="0">
+                <a:solidFill>
+                  <a:schemeClr val="tx1"/>
+                </a:solidFill>
+              </a:rPr>
+              <a:t>[</a:t>
+            </a:r>
+            <a:r>
+              <a:rPr sz="1100" b="1" dirty="0">
+                <a:solidFill>
+                  <a:schemeClr val="accent6"/>
+                </a:solidFill>
+              </a:rPr>
+              <a:t>project</a:t>
+            </a:r>
+            <a:r>
+              <a:rPr sz="1100" b="1" dirty="0">
+                <a:solidFill>
+                  <a:schemeClr val="tx1"/>
+                </a:solidFill>
+              </a:rPr>
+              <a:t>]</a:t>
+            </a:r>
+          </a:p>
+          <a:p>
+            <a:pPr defTabSz="457200">
+              <a:defRPr sz="900">
+                <a:solidFill>
+                  <a:srgbClr val="CE9178"/>
+                </a:solidFill>
+                <a:latin typeface="Courier"/>
+                <a:ea typeface="Courier"/>
+                <a:cs typeface="Courier"/>
+                <a:sym typeface="Courier"/>
+              </a:defRPr>
+            </a:pPr>
+            <a:r>
+              <a:rPr sz="1100" b="1" dirty="0">
+                <a:solidFill>
+                  <a:srgbClr val="569CD6"/>
+                </a:solidFill>
+              </a:rPr>
+              <a:t>name</a:t>
+            </a:r>
+            <a:r>
+              <a:rPr sz="1100" b="1" dirty="0">
+                <a:solidFill>
+                  <a:srgbClr val="D4D4D4"/>
+                </a:solidFill>
+              </a:rPr>
+              <a:t> </a:t>
+            </a:r>
+            <a:r>
+              <a:rPr sz="1100" b="1" dirty="0">
+                <a:solidFill>
+                  <a:schemeClr val="tx1"/>
+                </a:solidFill>
+              </a:rPr>
+              <a:t>=</a:t>
+            </a:r>
+            <a:r>
+              <a:rPr sz="1100" b="1" dirty="0">
+                <a:solidFill>
+                  <a:srgbClr val="D4D4D4"/>
+                </a:solidFill>
+              </a:rPr>
+              <a:t> </a:t>
+            </a:r>
+            <a:r>
+              <a:rPr sz="1100" b="1" dirty="0"/>
+              <a:t>"</a:t>
+            </a:r>
+            <a:r>
+              <a:rPr lang="en-US" sz="1100" b="1" dirty="0" err="1"/>
+              <a:t>italianfood</a:t>
+            </a:r>
+            <a:r>
+              <a:rPr sz="1100" b="1" dirty="0"/>
+              <a:t>"</a:t>
+            </a:r>
+            <a:endParaRPr sz="1100" b="1" dirty="0">
+              <a:solidFill>
+                <a:srgbClr val="D4D4D4"/>
+              </a:solidFill>
+            </a:endParaRPr>
+          </a:p>
+          <a:p>
+            <a:pPr defTabSz="457200">
+              <a:defRPr sz="900">
+                <a:solidFill>
+                  <a:srgbClr val="569CD6"/>
+                </a:solidFill>
+                <a:latin typeface="Courier"/>
+                <a:ea typeface="Courier"/>
+                <a:cs typeface="Courier"/>
+                <a:sym typeface="Courier"/>
+              </a:defRPr>
+            </a:pPr>
+            <a:r>
+              <a:rPr sz="1100" b="1" dirty="0"/>
+              <a:t>version</a:t>
+            </a:r>
+            <a:r>
+              <a:rPr sz="1100" b="1" dirty="0">
+                <a:solidFill>
+                  <a:srgbClr val="D4D4D4"/>
+                </a:solidFill>
+              </a:rPr>
+              <a:t> </a:t>
+            </a:r>
+            <a:r>
+              <a:rPr sz="1100" b="1" dirty="0">
+                <a:solidFill>
+                  <a:schemeClr val="tx1"/>
+                </a:solidFill>
+              </a:rPr>
+              <a:t>=</a:t>
+            </a:r>
+            <a:r>
+              <a:rPr sz="1100" b="1" dirty="0">
+                <a:solidFill>
+                  <a:srgbClr val="D4D4D4"/>
+                </a:solidFill>
+              </a:rPr>
+              <a:t> </a:t>
+            </a:r>
+            <a:r>
+              <a:rPr sz="1100" b="1" dirty="0">
+                <a:solidFill>
+                  <a:srgbClr val="CE9178"/>
+                </a:solidFill>
+              </a:rPr>
+              <a:t>"0.1.0"</a:t>
+            </a:r>
+            <a:endParaRPr sz="1100" b="1" dirty="0">
+              <a:solidFill>
+                <a:srgbClr val="D4D4D4"/>
+              </a:solidFill>
+            </a:endParaRPr>
+          </a:p>
+          <a:p>
+            <a:pPr defTabSz="457200">
+              <a:defRPr sz="900">
+                <a:solidFill>
+                  <a:srgbClr val="CE9178"/>
+                </a:solidFill>
+                <a:latin typeface="Courier"/>
+                <a:ea typeface="Courier"/>
+                <a:cs typeface="Courier"/>
+                <a:sym typeface="Courier"/>
+              </a:defRPr>
+            </a:pPr>
+            <a:r>
+              <a:rPr sz="1100" b="1" dirty="0">
+                <a:solidFill>
+                  <a:srgbClr val="569CD6"/>
+                </a:solidFill>
+              </a:rPr>
+              <a:t>description</a:t>
+            </a:r>
+            <a:r>
+              <a:rPr sz="1100" b="1" dirty="0">
+                <a:solidFill>
+                  <a:srgbClr val="D4D4D4"/>
+                </a:solidFill>
+              </a:rPr>
+              <a:t> </a:t>
+            </a:r>
+            <a:r>
+              <a:rPr sz="1100" b="1" dirty="0">
+                <a:solidFill>
+                  <a:schemeClr val="tx1"/>
+                </a:solidFill>
+              </a:rPr>
+              <a:t>=</a:t>
+            </a:r>
+            <a:r>
+              <a:rPr sz="1100" b="1" dirty="0">
+                <a:solidFill>
+                  <a:srgbClr val="D4D4D4"/>
+                </a:solidFill>
+              </a:rPr>
+              <a:t> </a:t>
+            </a:r>
+            <a:r>
+              <a:rPr sz="1100" b="1" dirty="0"/>
+              <a:t>"a python package for </a:t>
+            </a:r>
+            <a:r>
+              <a:rPr lang="en-US" sz="1100" b="1" dirty="0"/>
+              <a:t>running an restaurant</a:t>
+            </a:r>
+            <a:r>
+              <a:rPr sz="1100" b="1" dirty="0"/>
+              <a:t>"</a:t>
+            </a:r>
+            <a:endParaRPr sz="1100" b="1" dirty="0">
+              <a:solidFill>
+                <a:srgbClr val="D4D4D4"/>
+              </a:solidFill>
+            </a:endParaRPr>
+          </a:p>
+          <a:p>
+            <a:pPr defTabSz="457200">
+              <a:defRPr sz="900">
+                <a:solidFill>
+                  <a:srgbClr val="CE9178"/>
+                </a:solidFill>
+                <a:latin typeface="Courier"/>
+                <a:ea typeface="Courier"/>
+                <a:cs typeface="Courier"/>
+                <a:sym typeface="Courier"/>
+              </a:defRPr>
+            </a:pPr>
+            <a:r>
+              <a:rPr sz="1100" b="1" dirty="0">
+                <a:solidFill>
+                  <a:srgbClr val="569CD6"/>
+                </a:solidFill>
+              </a:rPr>
+              <a:t>authors</a:t>
+            </a:r>
+            <a:r>
+              <a:rPr sz="1100" b="1" dirty="0">
+                <a:solidFill>
+                  <a:srgbClr val="D4D4D4"/>
+                </a:solidFill>
+              </a:rPr>
+              <a:t> </a:t>
+            </a:r>
+            <a:r>
+              <a:rPr sz="1100" b="1" dirty="0">
+                <a:solidFill>
+                  <a:schemeClr val="tx1"/>
+                </a:solidFill>
+              </a:rPr>
+              <a:t>= [{</a:t>
+            </a:r>
+            <a:r>
+              <a:rPr sz="1100" b="1" dirty="0">
+                <a:solidFill>
+                  <a:srgbClr val="569CD6"/>
+                </a:solidFill>
+              </a:rPr>
+              <a:t>name</a:t>
+            </a:r>
+            <a:r>
+              <a:rPr sz="1100" b="1" dirty="0">
+                <a:solidFill>
+                  <a:srgbClr val="D4D4D4"/>
+                </a:solidFill>
+              </a:rPr>
+              <a:t> </a:t>
+            </a:r>
+            <a:r>
+              <a:rPr sz="1100" b="1" dirty="0">
+                <a:solidFill>
+                  <a:schemeClr val="tx1"/>
+                </a:solidFill>
+              </a:rPr>
+              <a:t>=</a:t>
+            </a:r>
+            <a:r>
+              <a:rPr sz="1100" b="1" dirty="0">
+                <a:solidFill>
+                  <a:srgbClr val="D4D4D4"/>
+                </a:solidFill>
+              </a:rPr>
+              <a:t> </a:t>
+            </a:r>
+            <a:r>
+              <a:rPr sz="1100" b="1" dirty="0"/>
+              <a:t>"</a:t>
+            </a:r>
+            <a:r>
+              <a:rPr lang="en-US" sz="1100" b="1" dirty="0"/>
+              <a:t>TAM</a:t>
+            </a:r>
+            <a:r>
+              <a:rPr sz="1100" b="1" dirty="0"/>
+              <a:t> </a:t>
+            </a:r>
+            <a:r>
+              <a:rPr lang="en-US" sz="1100" b="1" dirty="0"/>
+              <a:t>PIZZA</a:t>
+            </a:r>
+            <a:r>
+              <a:rPr sz="1100" b="1" dirty="0"/>
+              <a:t>"</a:t>
+            </a:r>
+            <a:r>
+              <a:rPr lang="en-US" sz="1100" b="1" dirty="0">
+                <a:solidFill>
+                  <a:schemeClr val="tx1"/>
+                </a:solidFill>
+              </a:rPr>
+              <a:t>,</a:t>
+            </a:r>
+            <a:r>
+              <a:rPr sz="1100" b="1" dirty="0">
+                <a:solidFill>
+                  <a:srgbClr val="D4D4D4"/>
+                </a:solidFill>
+              </a:rPr>
+              <a:t> </a:t>
+            </a:r>
+            <a:r>
+              <a:rPr sz="1100" b="1" dirty="0">
+                <a:solidFill>
+                  <a:srgbClr val="569CD6"/>
+                </a:solidFill>
+              </a:rPr>
+              <a:t>email</a:t>
+            </a:r>
+            <a:r>
+              <a:rPr sz="1100" b="1" dirty="0">
+                <a:solidFill>
+                  <a:schemeClr val="tx1"/>
+                </a:solidFill>
+              </a:rPr>
+              <a:t>=</a:t>
+            </a:r>
+            <a:r>
+              <a:rPr sz="1100" b="1" dirty="0"/>
+              <a:t>"</a:t>
+            </a:r>
+            <a:r>
+              <a:rPr lang="en-US" sz="1100" b="1" dirty="0"/>
+              <a:t>tam@</a:t>
+            </a:r>
+            <a:r>
+              <a:rPr sz="1100" b="1" dirty="0"/>
+              <a:t>@</a:t>
+            </a:r>
+            <a:r>
+              <a:rPr lang="en-US" sz="1100" b="1" dirty="0" err="1"/>
+              <a:t>pizza</a:t>
+            </a:r>
+            <a:r>
+              <a:rPr sz="1100" b="1" dirty="0" err="1"/>
+              <a:t>.ac.uk</a:t>
+            </a:r>
+            <a:r>
+              <a:rPr sz="1100" b="1" dirty="0"/>
+              <a:t>"</a:t>
+            </a:r>
+            <a:r>
+              <a:rPr sz="1100" b="1" dirty="0">
+                <a:solidFill>
+                  <a:schemeClr val="tx1"/>
+                </a:solidFill>
+              </a:rPr>
+              <a:t>}]</a:t>
+            </a:r>
+          </a:p>
+          <a:p>
+            <a:pPr defTabSz="457200">
+              <a:defRPr sz="900">
+                <a:solidFill>
+                  <a:srgbClr val="CE9178"/>
+                </a:solidFill>
+                <a:latin typeface="Courier"/>
+                <a:ea typeface="Courier"/>
+                <a:cs typeface="Courier"/>
+                <a:sym typeface="Courier"/>
+              </a:defRPr>
+            </a:pPr>
+            <a:r>
+              <a:rPr sz="1100" b="1" dirty="0">
+                <a:solidFill>
+                  <a:srgbClr val="569CD6"/>
+                </a:solidFill>
+              </a:rPr>
+              <a:t>license</a:t>
+            </a:r>
+            <a:r>
+              <a:rPr sz="1100" b="1" dirty="0">
+                <a:solidFill>
+                  <a:srgbClr val="D4D4D4"/>
+                </a:solidFill>
+              </a:rPr>
+              <a:t> </a:t>
+            </a:r>
+            <a:r>
+              <a:rPr sz="1100" b="1" dirty="0">
+                <a:solidFill>
+                  <a:schemeClr val="tx1"/>
+                </a:solidFill>
+              </a:rPr>
+              <a:t>=</a:t>
+            </a:r>
+            <a:r>
+              <a:rPr sz="1100" b="1" dirty="0">
+                <a:solidFill>
+                  <a:srgbClr val="D4D4D4"/>
+                </a:solidFill>
+              </a:rPr>
+              <a:t> </a:t>
+            </a:r>
+            <a:r>
+              <a:rPr sz="1100" b="1" dirty="0">
+                <a:solidFill>
+                  <a:schemeClr val="tx1"/>
+                </a:solidFill>
+              </a:rPr>
+              <a:t>{</a:t>
+            </a:r>
+            <a:r>
+              <a:rPr sz="1100" b="1" dirty="0">
+                <a:solidFill>
+                  <a:srgbClr val="569CD6"/>
+                </a:solidFill>
+              </a:rPr>
+              <a:t>file</a:t>
+            </a:r>
+            <a:r>
+              <a:rPr sz="1100" b="1" dirty="0">
+                <a:solidFill>
+                  <a:srgbClr val="D4D4D4"/>
+                </a:solidFill>
+              </a:rPr>
+              <a:t> </a:t>
+            </a:r>
+            <a:r>
+              <a:rPr sz="1100" b="1" dirty="0">
+                <a:solidFill>
+                  <a:schemeClr val="tx1"/>
+                </a:solidFill>
+              </a:rPr>
+              <a:t>=</a:t>
+            </a:r>
+            <a:r>
+              <a:rPr sz="1100" b="1" dirty="0">
+                <a:solidFill>
+                  <a:srgbClr val="D4D4D4"/>
+                </a:solidFill>
+              </a:rPr>
+              <a:t> </a:t>
+            </a:r>
+            <a:r>
+              <a:rPr sz="1100" b="1" dirty="0"/>
+              <a:t>"LICENSE"</a:t>
+            </a:r>
+            <a:r>
+              <a:rPr sz="1100" b="1" dirty="0">
+                <a:solidFill>
+                  <a:schemeClr val="tx1"/>
+                </a:solidFill>
+              </a:rPr>
+              <a:t>}</a:t>
+            </a:r>
+          </a:p>
+          <a:p>
+            <a:pPr defTabSz="457200">
+              <a:defRPr sz="900">
+                <a:solidFill>
+                  <a:srgbClr val="CE9178"/>
+                </a:solidFill>
+                <a:latin typeface="Courier"/>
+                <a:ea typeface="Courier"/>
+                <a:cs typeface="Courier"/>
+                <a:sym typeface="Courier"/>
+              </a:defRPr>
+            </a:pPr>
+            <a:r>
+              <a:rPr sz="1100" b="1" dirty="0">
+                <a:solidFill>
+                  <a:srgbClr val="569CD6"/>
+                </a:solidFill>
+              </a:rPr>
+              <a:t>readme</a:t>
+            </a:r>
+            <a:r>
+              <a:rPr sz="1100" b="1" dirty="0">
+                <a:solidFill>
+                  <a:srgbClr val="D4D4D4"/>
+                </a:solidFill>
+              </a:rPr>
+              <a:t> </a:t>
+            </a:r>
+            <a:r>
+              <a:rPr sz="1100" b="1" dirty="0">
+                <a:solidFill>
+                  <a:schemeClr val="tx1"/>
+                </a:solidFill>
+              </a:rPr>
+              <a:t>=</a:t>
+            </a:r>
+            <a:r>
+              <a:rPr sz="1100" b="1" dirty="0">
+                <a:solidFill>
+                  <a:srgbClr val="D4D4D4"/>
+                </a:solidFill>
+              </a:rPr>
+              <a:t> </a:t>
+            </a:r>
+            <a:r>
+              <a:rPr sz="1100" b="1" dirty="0"/>
+              <a:t>"</a:t>
+            </a:r>
+            <a:r>
+              <a:rPr sz="1100" b="1" dirty="0" err="1"/>
+              <a:t>README.md</a:t>
+            </a:r>
+            <a:r>
+              <a:rPr sz="1100" b="1" dirty="0"/>
+              <a:t>"</a:t>
+            </a:r>
+            <a:endParaRPr sz="1100" b="1" dirty="0">
+              <a:solidFill>
+                <a:srgbClr val="D4D4D4"/>
+              </a:solidFill>
+            </a:endParaRPr>
+          </a:p>
+          <a:p>
+            <a:pPr defTabSz="457200">
+              <a:defRPr sz="900">
+                <a:solidFill>
+                  <a:srgbClr val="569CD6"/>
+                </a:solidFill>
+                <a:latin typeface="Courier"/>
+                <a:ea typeface="Courier"/>
+                <a:cs typeface="Courier"/>
+                <a:sym typeface="Courier"/>
+              </a:defRPr>
+            </a:pPr>
+            <a:r>
+              <a:rPr sz="1100" b="1" dirty="0"/>
+              <a:t>requires-python</a:t>
+            </a:r>
+            <a:r>
+              <a:rPr sz="1100" b="1" dirty="0">
+                <a:solidFill>
+                  <a:srgbClr val="D4D4D4"/>
+                </a:solidFill>
+              </a:rPr>
+              <a:t> </a:t>
+            </a:r>
+            <a:r>
+              <a:rPr sz="1100" b="1" dirty="0">
+                <a:solidFill>
+                  <a:schemeClr val="tx1"/>
+                </a:solidFill>
+              </a:rPr>
+              <a:t>=</a:t>
+            </a:r>
+            <a:r>
+              <a:rPr sz="1100" b="1" dirty="0">
+                <a:solidFill>
+                  <a:srgbClr val="D4D4D4"/>
+                </a:solidFill>
+              </a:rPr>
+              <a:t> </a:t>
+            </a:r>
+            <a:r>
+              <a:rPr sz="1100" b="1" dirty="0">
+                <a:solidFill>
+                  <a:srgbClr val="CE9178"/>
+                </a:solidFill>
+              </a:rPr>
+              <a:t>"&gt;=3.</a:t>
+            </a:r>
+            <a:r>
+              <a:rPr lang="en-US" sz="1100" b="1" dirty="0">
+                <a:solidFill>
+                  <a:srgbClr val="CE9178"/>
+                </a:solidFill>
+              </a:rPr>
+              <a:t>12</a:t>
+            </a:r>
+            <a:r>
+              <a:rPr sz="1100" b="1" dirty="0">
+                <a:solidFill>
+                  <a:srgbClr val="CE9178"/>
+                </a:solidFill>
+              </a:rPr>
+              <a:t>"</a:t>
+            </a:r>
+            <a:endParaRPr sz="1100" b="1" dirty="0">
+              <a:solidFill>
+                <a:srgbClr val="D4D4D4"/>
+              </a:solidFill>
+            </a:endParaRPr>
+          </a:p>
+          <a:p>
+            <a:pPr defTabSz="457200">
+              <a:defRPr sz="900">
+                <a:solidFill>
+                  <a:srgbClr val="CE9178"/>
+                </a:solidFill>
+                <a:latin typeface="Courier"/>
+                <a:ea typeface="Courier"/>
+                <a:cs typeface="Courier"/>
+                <a:sym typeface="Courier"/>
+              </a:defRPr>
+            </a:pPr>
+            <a:r>
+              <a:rPr sz="1100" b="1" dirty="0">
+                <a:solidFill>
+                  <a:srgbClr val="569CD6"/>
+                </a:solidFill>
+              </a:rPr>
+              <a:t>dependencies</a:t>
+            </a:r>
+            <a:r>
+              <a:rPr sz="1100" b="1" dirty="0">
+                <a:solidFill>
+                  <a:srgbClr val="D4D4D4"/>
+                </a:solidFill>
+              </a:rPr>
+              <a:t> </a:t>
+            </a:r>
+            <a:r>
+              <a:rPr sz="1100" b="1" dirty="0">
+                <a:solidFill>
+                  <a:schemeClr val="tx1"/>
+                </a:solidFill>
+              </a:rPr>
+              <a:t>= [</a:t>
+            </a:r>
+            <a:r>
+              <a:rPr sz="1100" b="1" dirty="0"/>
+              <a:t>"</a:t>
+            </a:r>
+            <a:r>
+              <a:rPr sz="1100" b="1" dirty="0" err="1"/>
+              <a:t>n</a:t>
+            </a:r>
+            <a:r>
+              <a:rPr lang="en-US" sz="1100" b="1" dirty="0" err="1"/>
+              <a:t>u</a:t>
+            </a:r>
+            <a:r>
+              <a:rPr sz="1100" b="1" dirty="0" err="1"/>
+              <a:t>mpy</a:t>
+            </a:r>
+            <a:r>
+              <a:rPr sz="1100" b="1" dirty="0"/>
+              <a:t>"</a:t>
+            </a:r>
+            <a:r>
+              <a:rPr sz="1100" b="1" dirty="0">
+                <a:solidFill>
+                  <a:schemeClr val="tx1"/>
+                </a:solidFill>
+              </a:rPr>
+              <a:t>,</a:t>
+            </a:r>
+            <a:r>
+              <a:rPr sz="1100" b="1" dirty="0">
+                <a:solidFill>
+                  <a:srgbClr val="D4D4D4"/>
+                </a:solidFill>
+              </a:rPr>
+              <a:t> </a:t>
+            </a:r>
+            <a:r>
+              <a:rPr sz="1100" b="1" dirty="0"/>
+              <a:t>"matplotlib &gt;= 3.0.0"</a:t>
+            </a:r>
+            <a:r>
+              <a:rPr sz="1100" b="1" dirty="0">
+                <a:solidFill>
+                  <a:schemeClr val="tx1"/>
+                </a:solidFill>
+              </a:rPr>
+              <a:t>,</a:t>
+            </a:r>
+            <a:r>
+              <a:rPr sz="1100" b="1" dirty="0">
+                <a:solidFill>
+                  <a:srgbClr val="D4D4D4"/>
+                </a:solidFill>
+              </a:rPr>
+              <a:t> </a:t>
+            </a:r>
+            <a:r>
+              <a:rPr lang="de-DE" sz="1100" b="1" dirty="0"/>
+              <a:t>"</a:t>
+            </a:r>
+            <a:r>
+              <a:rPr lang="de-DE" sz="1100" b="1" dirty="0" err="1"/>
+              <a:t>pytest</a:t>
+            </a:r>
+            <a:r>
+              <a:rPr sz="1100" b="1" dirty="0"/>
+              <a:t>"</a:t>
+            </a:r>
+            <a:r>
+              <a:rPr sz="1100" b="1" dirty="0">
+                <a:solidFill>
+                  <a:schemeClr val="tx1"/>
+                </a:solidFill>
+              </a:rPr>
+              <a:t>]</a:t>
+            </a:r>
+          </a:p>
+          <a:p>
+            <a:pPr defTabSz="457200">
+              <a:defRPr sz="900">
+                <a:solidFill>
+                  <a:srgbClr val="D4D4D4"/>
+                </a:solidFill>
+                <a:latin typeface="Courier"/>
+                <a:ea typeface="Courier"/>
+                <a:cs typeface="Courier"/>
+                <a:sym typeface="Courier"/>
+              </a:defRPr>
+            </a:pPr>
+            <a:endParaRPr sz="1100" b="1" dirty="0">
+              <a:solidFill>
+                <a:srgbClr val="D4D4D4"/>
+              </a:solidFill>
+            </a:endParaRPr>
+          </a:p>
+          <a:p>
+            <a:pPr defTabSz="457200">
+              <a:defRPr sz="900">
+                <a:solidFill>
+                  <a:srgbClr val="9CDCFE"/>
+                </a:solidFill>
+                <a:latin typeface="Courier"/>
+                <a:ea typeface="Courier"/>
+                <a:cs typeface="Courier"/>
+                <a:sym typeface="Courier"/>
+              </a:defRPr>
+            </a:pPr>
+            <a:r>
+              <a:rPr sz="1100" b="1" dirty="0">
+                <a:solidFill>
+                  <a:schemeClr val="tx1"/>
+                </a:solidFill>
+              </a:rPr>
+              <a:t>[</a:t>
+            </a:r>
+            <a:r>
+              <a:rPr sz="1100" b="1" dirty="0">
+                <a:solidFill>
+                  <a:schemeClr val="accent6"/>
+                </a:solidFill>
+              </a:rPr>
+              <a:t>build-system</a:t>
+            </a:r>
+            <a:r>
+              <a:rPr sz="1100" b="1" dirty="0">
+                <a:solidFill>
+                  <a:schemeClr val="tx1"/>
+                </a:solidFill>
+              </a:rPr>
+              <a:t>]</a:t>
+            </a:r>
+          </a:p>
+          <a:p>
+            <a:pPr defTabSz="457200">
+              <a:defRPr sz="900">
+                <a:solidFill>
+                  <a:srgbClr val="CE9178"/>
+                </a:solidFill>
+                <a:latin typeface="Courier"/>
+                <a:ea typeface="Courier"/>
+                <a:cs typeface="Courier"/>
+                <a:sym typeface="Courier"/>
+              </a:defRPr>
+            </a:pPr>
+            <a:r>
+              <a:rPr sz="1100" b="1" dirty="0">
+                <a:solidFill>
+                  <a:srgbClr val="569CD6"/>
+                </a:solidFill>
+              </a:rPr>
+              <a:t>requires</a:t>
+            </a:r>
+            <a:r>
+              <a:rPr sz="1100" b="1" dirty="0">
+                <a:solidFill>
+                  <a:srgbClr val="D4D4D4"/>
+                </a:solidFill>
+              </a:rPr>
+              <a:t> </a:t>
+            </a:r>
+            <a:r>
+              <a:rPr sz="1100" b="1" dirty="0">
+                <a:solidFill>
+                  <a:schemeClr val="tx1"/>
+                </a:solidFill>
+              </a:rPr>
+              <a:t>= [</a:t>
+            </a:r>
+            <a:r>
+              <a:rPr sz="1100" b="1" dirty="0"/>
+              <a:t>"</a:t>
+            </a:r>
+            <a:r>
+              <a:rPr sz="1100" b="1" dirty="0" err="1"/>
+              <a:t>setuptools</a:t>
+            </a:r>
+            <a:r>
+              <a:rPr sz="1100" b="1" dirty="0"/>
+              <a:t>&gt;=42"</a:t>
+            </a:r>
+            <a:r>
+              <a:rPr lang="en-US" sz="1100" b="1" dirty="0">
+                <a:solidFill>
+                  <a:schemeClr val="tx1"/>
+                </a:solidFill>
+              </a:rPr>
+              <a:t>,</a:t>
+            </a:r>
+            <a:r>
+              <a:rPr lang="en-US" sz="1100" b="1" dirty="0"/>
+              <a:t> “wheel”</a:t>
+            </a:r>
+            <a:r>
+              <a:rPr sz="1100" b="1" dirty="0">
+                <a:solidFill>
+                  <a:schemeClr val="tx1"/>
+                </a:solidFill>
+              </a:rPr>
+              <a:t>]</a:t>
+            </a:r>
+          </a:p>
+          <a:p>
+            <a:pPr defTabSz="457200">
+              <a:defRPr sz="900">
+                <a:solidFill>
+                  <a:srgbClr val="CE9178"/>
+                </a:solidFill>
+                <a:latin typeface="Courier"/>
+                <a:ea typeface="Courier"/>
+                <a:cs typeface="Courier"/>
+                <a:sym typeface="Courier"/>
+              </a:defRPr>
+            </a:pPr>
+            <a:r>
+              <a:rPr sz="1100" b="1" dirty="0">
+                <a:solidFill>
+                  <a:srgbClr val="569CD6"/>
+                </a:solidFill>
+              </a:rPr>
+              <a:t>build-backend</a:t>
+            </a:r>
+            <a:r>
+              <a:rPr sz="1100" b="1" dirty="0">
+                <a:solidFill>
+                  <a:srgbClr val="D4D4D4"/>
+                </a:solidFill>
+              </a:rPr>
+              <a:t> </a:t>
+            </a:r>
+            <a:r>
+              <a:rPr sz="1100" b="1" dirty="0">
+                <a:solidFill>
+                  <a:schemeClr val="tx1"/>
+                </a:solidFill>
+              </a:rPr>
+              <a:t>=</a:t>
+            </a:r>
+            <a:r>
+              <a:rPr sz="1100" b="1" dirty="0">
+                <a:solidFill>
+                  <a:srgbClr val="D4D4D4"/>
+                </a:solidFill>
+              </a:rPr>
+              <a:t> </a:t>
+            </a:r>
+            <a:r>
+              <a:rPr sz="1100" b="1" dirty="0"/>
+              <a:t>"</a:t>
+            </a:r>
+            <a:r>
+              <a:rPr sz="1100" b="1" dirty="0" err="1"/>
+              <a:t>setuptools.build_meta</a:t>
+            </a:r>
+            <a:r>
+              <a:rPr sz="1100" b="1" dirty="0"/>
+              <a:t>"</a:t>
+            </a:r>
+            <a:endParaRPr sz="1100" b="1" dirty="0">
+              <a:solidFill>
+                <a:srgbClr val="D4D4D4"/>
+              </a:solidFill>
             </a:endParaRPr>
           </a:p>
         </p:txBody>
@@ -18679,9 +19109,12 @@
             <a:avLst/>
           </a:prstGeom>
           <a:solidFill>
-            <a:srgbClr val="262626"/>
+            <a:schemeClr val="bg1"/>
           </a:solidFill>
           <a:ln w="12700">
+            <a:solidFill>
+              <a:schemeClr val="bg2"/>
+            </a:solidFill>
             <a:miter lim="400000"/>
           </a:ln>
           <a:extLst>
@@ -24842,859 +25275,6 @@
       </p:grpSpPr>
       <p:sp>
         <p:nvSpPr>
-          <p:cNvPr id="452" name="Text Placeholder 1"/>
-          <p:cNvSpPr txBox="1">
-            <a:spLocks noGrp="1"/>
-          </p:cNvSpPr>
-          <p:nvPr>
-            <p:ph type="body" idx="1"/>
-          </p:nvPr>
-        </p:nvSpPr>
-        <p:spPr>
-          <a:xfrm>
-            <a:off x="869150" y="846000"/>
-            <a:ext cx="7405697" cy="3295294"/>
-          </a:xfrm>
-          <a:prstGeom prst="rect">
-            <a:avLst/>
-          </a:prstGeom>
-        </p:spPr>
-        <p:txBody>
-          <a:bodyPr/>
-          <a:lstStyle/>
-          <a:p>
-            <a:pPr marL="0" indent="0">
-              <a:buClrTx/>
-              <a:buSzTx/>
-              <a:buFontTx/>
-              <a:buNone/>
-            </a:pPr>
-            <a:br>
-              <a:rPr dirty="0"/>
-            </a:br>
-            <a:r>
-              <a:rPr dirty="0"/>
-              <a:t>—&gt; </a:t>
-            </a:r>
-            <a:r>
-              <a:rPr lang="en-US" dirty="0"/>
-              <a:t>An editable installation</a:t>
-            </a:r>
-            <a:r>
-              <a:rPr dirty="0"/>
-              <a:t> lets you use your own code as any other package you installed</a:t>
-            </a:r>
-          </a:p>
-          <a:p>
-            <a:pPr marL="0" indent="126996">
-              <a:buSzTx/>
-              <a:buNone/>
-            </a:pPr>
-            <a:r>
-              <a:rPr dirty="0"/>
-              <a:t>Advantages:</a:t>
-            </a:r>
-          </a:p>
-          <a:p>
-            <a:pPr marL="469896" indent="-342900">
-              <a:buFontTx/>
-              <a:buAutoNum type="arabicPeriod"/>
-            </a:pPr>
-            <a:r>
-              <a:rPr dirty="0"/>
-              <a:t>you can </a:t>
-            </a:r>
-            <a:r>
-              <a:rPr dirty="0">
-                <a:latin typeface="Avenir Heavy"/>
-                <a:ea typeface="Avenir Heavy"/>
-                <a:cs typeface="Avenir Heavy"/>
-                <a:sym typeface="Avenir Heavy"/>
-              </a:rPr>
-              <a:t>import</a:t>
-            </a:r>
-            <a:r>
-              <a:rPr dirty="0"/>
-              <a:t> the objects in the package </a:t>
-            </a:r>
-            <a:r>
-              <a:rPr dirty="0">
-                <a:latin typeface="Avenir Heavy"/>
-                <a:ea typeface="Avenir Heavy"/>
-                <a:cs typeface="Avenir Heavy"/>
-                <a:sym typeface="Avenir Heavy"/>
-              </a:rPr>
-              <a:t>from any directory </a:t>
-            </a:r>
-            <a:br>
-              <a:rPr dirty="0">
-                <a:latin typeface="Avenir Heavy"/>
-                <a:ea typeface="Avenir Heavy"/>
-                <a:cs typeface="Avenir Heavy"/>
-                <a:sym typeface="Avenir Heavy"/>
-              </a:rPr>
-            </a:br>
-            <a:r>
-              <a:rPr dirty="0"/>
-              <a:t>(no longer bound to the directory which contains the package)</a:t>
-            </a:r>
-          </a:p>
-          <a:p>
-            <a:pPr marL="469896" indent="-342900">
-              <a:buFontTx/>
-              <a:buAutoNum type="arabicPeriod"/>
-            </a:pPr>
-            <a:r>
-              <a:rPr dirty="0"/>
-              <a:t>at the same time you can keep your project in your current directory</a:t>
-            </a:r>
-            <a:r>
-              <a:rPr lang="en-US" dirty="0"/>
-              <a:t> and all changes are immediately available (no re-install required)</a:t>
-            </a:r>
-            <a:endParaRPr dirty="0"/>
-          </a:p>
-          <a:p>
-            <a:pPr marL="469896" indent="-342900">
-              <a:buFontTx/>
-              <a:buAutoNum type="arabicPeriod"/>
-            </a:pPr>
-            <a:r>
-              <a:rPr dirty="0"/>
-              <a:t>you use your code as someone else would use it, which forces you to write it in a more usable way</a:t>
-            </a:r>
-          </a:p>
-        </p:txBody>
-      </p:sp>
-      <p:sp>
-        <p:nvSpPr>
-          <p:cNvPr id="453" name="Slide Number Placeholder 3"/>
-          <p:cNvSpPr txBox="1">
-            <a:spLocks noGrp="1"/>
-          </p:cNvSpPr>
-          <p:nvPr>
-            <p:ph type="sldNum" sz="quarter" idx="2"/>
-          </p:nvPr>
-        </p:nvSpPr>
-        <p:spPr>
-          <a:xfrm>
-            <a:off x="8317170" y="4384352"/>
-            <a:ext cx="391029" cy="411451"/>
-          </a:xfrm>
-          <a:prstGeom prst="rect">
-            <a:avLst/>
-          </a:prstGeom>
-          <a:extLst>
-            <a:ext uri="{C572A759-6A51-4108-AA02-DFA0A04FC94B}">
-              <ma14:wrappingTextBoxFlag xmlns:ma14="http://schemas.microsoft.com/office/mac/drawingml/2011/main" xmlns:a14="http://schemas.microsoft.com/office/drawing/2010/main" xmlns:m="http://schemas.openxmlformats.org/officeDocument/2006/math" xmlns="" val="1"/>
-            </a:ext>
-          </a:extLst>
-        </p:spPr>
-        <p:txBody>
-          <a:bodyPr/>
-          <a:lstStyle/>
-          <a:p>
-            <a:fld id="{86CB4B4D-7CA3-9044-876B-883B54F8677D}" type="slidenum">
-              <a:rPr/>
-              <a:t>4</a:t>
-            </a:fld>
-            <a:endParaRPr/>
-          </a:p>
-        </p:txBody>
-      </p:sp>
-      <p:sp>
-        <p:nvSpPr>
-          <p:cNvPr id="454" name="Title 4"/>
-          <p:cNvSpPr txBox="1">
-            <a:spLocks noGrp="1"/>
-          </p:cNvSpPr>
-          <p:nvPr>
-            <p:ph type="title"/>
-          </p:nvPr>
-        </p:nvSpPr>
-        <p:spPr>
-          <a:xfrm>
-            <a:off x="869151" y="0"/>
-            <a:ext cx="5063299" cy="912373"/>
-          </a:xfrm>
-          <a:prstGeom prst="rect">
-            <a:avLst/>
-          </a:prstGeom>
-          <a:solidFill>
-            <a:srgbClr val="FFFFFF"/>
-          </a:solidFill>
-        </p:spPr>
-        <p:txBody>
-          <a:bodyPr anchor="t"/>
-          <a:lstStyle/>
-          <a:p>
-            <a:r>
-              <a:t>Pip editable install</a:t>
-            </a:r>
-          </a:p>
-        </p:txBody>
-      </p:sp>
-    </p:spTree>
-  </p:cSld>
-  <p:clrMapOvr>
-    <a:masterClrMapping/>
-  </p:clrMapOvr>
-  <p:transition spd="med"/>
-</p:sld>
-</file>
-
-<file path=ppt/slides/slide5.xml><?xml version="1.0" encoding="utf-8"?>
-<p:sld xmlns:a="http://schemas.openxmlformats.org/drawingml/2006/main" xmlns:r="http://schemas.openxmlformats.org/officeDocument/2006/relationships" xmlns:p="http://schemas.openxmlformats.org/presentationml/2006/main">
-  <p:cSld>
-    <p:spTree>
-      <p:nvGrpSpPr>
-        <p:cNvPr id="1" name=""/>
-        <p:cNvGrpSpPr/>
-        <p:nvPr/>
-      </p:nvGrpSpPr>
-      <p:grpSpPr>
-        <a:xfrm>
-          <a:off x="0" y="0"/>
-          <a:ext cx="0" cy="0"/>
-          <a:chOff x="0" y="0"/>
-          <a:chExt cx="0" cy="0"/>
-        </a:xfrm>
-      </p:grpSpPr>
-      <p:sp>
-        <p:nvSpPr>
-          <p:cNvPr id="408" name="Title 1"/>
-          <p:cNvSpPr txBox="1">
-            <a:spLocks noGrp="1"/>
-          </p:cNvSpPr>
-          <p:nvPr>
-            <p:ph type="title"/>
-          </p:nvPr>
-        </p:nvSpPr>
-        <p:spPr>
-          <a:xfrm>
-            <a:off x="869151" y="0"/>
-            <a:ext cx="6367991" cy="912373"/>
-          </a:xfrm>
-          <a:prstGeom prst="rect">
-            <a:avLst/>
-          </a:prstGeom>
-          <a:solidFill>
-            <a:srgbClr val="FFFFFF"/>
-          </a:solidFill>
-        </p:spPr>
-        <p:txBody>
-          <a:bodyPr anchor="t"/>
-          <a:lstStyle/>
-          <a:p>
-            <a:r>
-              <a:t>Pip editable installation</a:t>
-            </a:r>
-          </a:p>
-        </p:txBody>
-      </p:sp>
-      <p:sp>
-        <p:nvSpPr>
-          <p:cNvPr id="409" name="Slide Number Placeholder 3"/>
-          <p:cNvSpPr txBox="1">
-            <a:spLocks noGrp="1"/>
-          </p:cNvSpPr>
-          <p:nvPr>
-            <p:ph type="sldNum" sz="quarter" idx="2"/>
-          </p:nvPr>
-        </p:nvSpPr>
-        <p:spPr>
-          <a:xfrm>
-            <a:off x="8317170" y="4384352"/>
-            <a:ext cx="391029" cy="411451"/>
-          </a:xfrm>
-          <a:prstGeom prst="rect">
-            <a:avLst/>
-          </a:prstGeom>
-          <a:extLst>
-            <a:ext uri="{C572A759-6A51-4108-AA02-DFA0A04FC94B}">
-              <ma14:wrappingTextBoxFlag xmlns:ma14="http://schemas.microsoft.com/office/mac/drawingml/2011/main" xmlns:a14="http://schemas.microsoft.com/office/drawing/2010/main" xmlns:m="http://schemas.openxmlformats.org/officeDocument/2006/math" xmlns="" val="1"/>
-            </a:ext>
-          </a:extLst>
-        </p:spPr>
-        <p:txBody>
-          <a:bodyPr/>
-          <a:lstStyle/>
-          <a:p>
-            <a:fld id="{86CB4B4D-7CA3-9044-876B-883B54F8677D}" type="slidenum">
-              <a:rPr/>
-              <a:t>5</a:t>
-            </a:fld>
-            <a:endParaRPr/>
-          </a:p>
-        </p:txBody>
-      </p:sp>
-      <p:sp>
-        <p:nvSpPr>
-          <p:cNvPr id="410" name="Text Placeholder 1"/>
-          <p:cNvSpPr txBox="1">
-            <a:spLocks noGrp="1"/>
-          </p:cNvSpPr>
-          <p:nvPr>
-            <p:ph type="body" idx="1"/>
-          </p:nvPr>
-        </p:nvSpPr>
-        <p:spPr>
-          <a:xfrm>
-            <a:off x="869150" y="845999"/>
-            <a:ext cx="7527874" cy="3598113"/>
-          </a:xfrm>
-          <a:prstGeom prst="rect">
-            <a:avLst/>
-          </a:prstGeom>
-        </p:spPr>
-        <p:txBody>
-          <a:bodyPr>
-            <a:normAutofit/>
-          </a:bodyPr>
-          <a:lstStyle/>
-          <a:p>
-            <a:pPr marL="402326" indent="-312920" defTabSz="804672">
-              <a:spcBef>
-                <a:spcPts val="500"/>
-              </a:spcBef>
-              <a:buSzPct val="100000"/>
-              <a:defRPr sz="1760"/>
-            </a:pPr>
-            <a:r>
-              <a:rPr lang="de-DE" dirty="0" err="1">
-                <a:latin typeface="Avenir Book" panose="02000503020000020003" pitchFamily="2" charset="0"/>
-                <a:ea typeface="Courier"/>
-                <a:cs typeface="Courier"/>
-                <a:sym typeface="Courier"/>
-              </a:rPr>
-              <a:t>Navigate</a:t>
-            </a:r>
-            <a:r>
-              <a:rPr lang="de-DE" dirty="0">
-                <a:latin typeface="Avenir Book" panose="02000503020000020003" pitchFamily="2" charset="0"/>
-                <a:ea typeface="Courier"/>
-                <a:cs typeface="Courier"/>
-                <a:sym typeface="Courier"/>
-              </a:rPr>
-              <a:t> </a:t>
-            </a:r>
-            <a:r>
-              <a:rPr lang="de-DE" dirty="0" err="1">
-                <a:latin typeface="Avenir Book" panose="02000503020000020003" pitchFamily="2" charset="0"/>
-                <a:ea typeface="Courier"/>
-                <a:cs typeface="Courier"/>
-                <a:sym typeface="Courier"/>
-              </a:rPr>
-              <a:t>into</a:t>
-            </a:r>
-            <a:r>
-              <a:rPr lang="de-DE" dirty="0">
-                <a:latin typeface="Avenir Book" panose="02000503020000020003" pitchFamily="2" charset="0"/>
-                <a:ea typeface="Courier"/>
-                <a:cs typeface="Courier"/>
-                <a:sym typeface="Courier"/>
-              </a:rPr>
-              <a:t> </a:t>
-            </a:r>
-            <a:r>
-              <a:rPr lang="de-DE" dirty="0" err="1">
-                <a:latin typeface="Avenir Book" panose="02000503020000020003" pitchFamily="2" charset="0"/>
-                <a:ea typeface="Courier"/>
-                <a:cs typeface="Courier"/>
-                <a:sym typeface="Courier"/>
-              </a:rPr>
-              <a:t>the</a:t>
-            </a:r>
-            <a:r>
-              <a:rPr lang="de-DE" dirty="0">
-                <a:latin typeface="Avenir Book" panose="02000503020000020003" pitchFamily="2" charset="0"/>
-                <a:ea typeface="Courier"/>
-                <a:cs typeface="Courier"/>
-                <a:sym typeface="Courier"/>
-              </a:rPr>
-              <a:t> </a:t>
-            </a:r>
-            <a:r>
-              <a:rPr lang="en-US" b="1" dirty="0">
-                <a:latin typeface="Avenir Book" panose="02000503020000020003" pitchFamily="2" charset="0"/>
-                <a:ea typeface="Courier"/>
-                <a:cs typeface="Courier"/>
-                <a:sym typeface="Courier"/>
-              </a:rPr>
-              <a:t>2025-TAM-retreat/ODD </a:t>
-            </a:r>
-            <a:r>
-              <a:rPr lang="en-US" dirty="0">
-                <a:latin typeface="Avenir Book" panose="02000503020000020003" pitchFamily="2" charset="0"/>
-                <a:ea typeface="Courier"/>
-                <a:cs typeface="Courier"/>
-                <a:sym typeface="Courier"/>
-              </a:rPr>
-              <a:t>folder (Terminal)</a:t>
-            </a:r>
-          </a:p>
-          <a:p>
-            <a:pPr marL="402326" indent="-312920" defTabSz="804672">
-              <a:spcBef>
-                <a:spcPts val="500"/>
-              </a:spcBef>
-              <a:buSzPct val="100000"/>
-              <a:defRPr sz="1760"/>
-            </a:pPr>
-            <a:r>
-              <a:rPr lang="en-US" dirty="0">
-                <a:latin typeface="Avenir Book" panose="02000503020000020003" pitchFamily="2" charset="0"/>
-                <a:ea typeface="Courier"/>
-                <a:cs typeface="Courier"/>
-                <a:sym typeface="Courier"/>
-              </a:rPr>
-              <a:t>Run </a:t>
-            </a:r>
-            <a:r>
-              <a:rPr lang="de-DE" b="1" dirty="0" err="1">
-                <a:highlight>
-                  <a:srgbClr val="C0C0C0"/>
-                </a:highlight>
-                <a:latin typeface="Courier"/>
-                <a:ea typeface="Courier"/>
-                <a:cs typeface="Courier"/>
-                <a:sym typeface="Courier"/>
-              </a:rPr>
-              <a:t>pip</a:t>
-            </a:r>
-            <a:r>
-              <a:rPr lang="de-DE" b="1" dirty="0">
-                <a:highlight>
-                  <a:srgbClr val="C0C0C0"/>
-                </a:highlight>
-                <a:latin typeface="Courier"/>
-                <a:ea typeface="Courier"/>
-                <a:cs typeface="Courier"/>
-                <a:sym typeface="Courier"/>
-              </a:rPr>
-              <a:t> </a:t>
-            </a:r>
-            <a:r>
-              <a:rPr lang="de-DE" b="1" dirty="0" err="1">
-                <a:highlight>
-                  <a:srgbClr val="C0C0C0"/>
-                </a:highlight>
-                <a:latin typeface="Courier"/>
-                <a:ea typeface="Courier"/>
-                <a:cs typeface="Courier"/>
-                <a:sym typeface="Courier"/>
-              </a:rPr>
-              <a:t>list</a:t>
-            </a:r>
-            <a:r>
-              <a:rPr lang="de-DE" dirty="0"/>
-              <a:t>. </a:t>
-            </a:r>
-            <a:r>
-              <a:rPr lang="de-DE" dirty="0" err="1"/>
-              <a:t>What</a:t>
-            </a:r>
-            <a:r>
-              <a:rPr lang="de-DE" dirty="0"/>
-              <a:t> do </a:t>
-            </a:r>
-            <a:r>
-              <a:rPr lang="de-DE" dirty="0" err="1"/>
-              <a:t>you</a:t>
-            </a:r>
-            <a:r>
-              <a:rPr lang="de-DE" dirty="0"/>
-              <a:t> </a:t>
-            </a:r>
-            <a:r>
-              <a:rPr lang="de-DE" dirty="0" err="1"/>
-              <a:t>see</a:t>
-            </a:r>
-            <a:r>
-              <a:rPr lang="de-DE" dirty="0"/>
-              <a:t>?</a:t>
-            </a:r>
-            <a:endParaRPr lang="de-DE" dirty="0">
-              <a:highlight>
-                <a:srgbClr val="C0C0C0"/>
-              </a:highlight>
-              <a:latin typeface="Courier"/>
-              <a:ea typeface="Courier"/>
-              <a:cs typeface="Courier"/>
-              <a:sym typeface="Courier"/>
-            </a:endParaRPr>
-          </a:p>
-          <a:p>
-            <a:pPr marL="402326" indent="-312920" defTabSz="804672">
-              <a:lnSpc>
-                <a:spcPct val="120000"/>
-              </a:lnSpc>
-              <a:spcBef>
-                <a:spcPts val="500"/>
-              </a:spcBef>
-              <a:buSzPct val="100000"/>
-              <a:defRPr sz="1760"/>
-            </a:pPr>
-            <a:r>
-              <a:rPr lang="en-US" dirty="0">
-                <a:latin typeface="Avenir Book" panose="02000503020000020003" pitchFamily="2" charset="0"/>
-                <a:ea typeface="Courier"/>
-                <a:cs typeface="Courier"/>
-                <a:sym typeface="Courier"/>
-              </a:rPr>
-              <a:t>Run </a:t>
-            </a:r>
-            <a:r>
-              <a:rPr b="1" dirty="0">
-                <a:highlight>
-                  <a:srgbClr val="C0C0C0"/>
-                </a:highlight>
-                <a:latin typeface="Courier"/>
-                <a:ea typeface="Courier"/>
-                <a:cs typeface="Courier"/>
-                <a:sym typeface="Courier"/>
-              </a:rPr>
-              <a:t>pip install -e </a:t>
-            </a:r>
-            <a:r>
-              <a:rPr sz="2400" b="1" dirty="0">
-                <a:highlight>
-                  <a:srgbClr val="C0C0C0"/>
-                </a:highlight>
-                <a:latin typeface="Courier"/>
-                <a:ea typeface="Courier"/>
-                <a:cs typeface="Courier"/>
-                <a:sym typeface="Courier"/>
-              </a:rPr>
-              <a:t>.</a:t>
-            </a:r>
-            <a:r>
-              <a:rPr lang="en-US" b="1" dirty="0">
-                <a:latin typeface="Avenir Book" panose="02000503020000020003" pitchFamily="2" charset="0"/>
-                <a:ea typeface="Courier"/>
-                <a:cs typeface="Courier"/>
-                <a:sym typeface="Courier"/>
-              </a:rPr>
-              <a:t> </a:t>
-            </a:r>
-            <a:r>
-              <a:rPr lang="en-US" dirty="0">
-                <a:latin typeface="Avenir Book" panose="02000503020000020003" pitchFamily="2" charset="0"/>
-                <a:ea typeface="Courier"/>
-                <a:cs typeface="Courier"/>
-                <a:sym typeface="Courier"/>
-              </a:rPr>
-              <a:t>(full stop = this directory)</a:t>
-            </a:r>
-            <a:endParaRPr lang="de-DE" sz="2816" dirty="0">
-              <a:latin typeface="Avenir Book" panose="02000503020000020003" pitchFamily="2" charset="0"/>
-              <a:ea typeface="Courier"/>
-              <a:cs typeface="Courier"/>
-              <a:sym typeface="Courier"/>
-            </a:endParaRPr>
-          </a:p>
-          <a:p>
-            <a:pPr marL="402326" indent="-312920" defTabSz="804672">
-              <a:spcBef>
-                <a:spcPts val="500"/>
-              </a:spcBef>
-              <a:buSzPct val="100000"/>
-              <a:defRPr sz="1760"/>
-            </a:pPr>
-            <a:r>
-              <a:rPr lang="de-DE" dirty="0"/>
-              <a:t>Run </a:t>
-            </a:r>
-            <a:r>
-              <a:rPr lang="de-DE" b="1" dirty="0" err="1">
-                <a:highlight>
-                  <a:srgbClr val="C0C0C0"/>
-                </a:highlight>
-                <a:latin typeface="Courier"/>
-                <a:ea typeface="Courier"/>
-                <a:cs typeface="Courier"/>
-                <a:sym typeface="Courier"/>
-              </a:rPr>
-              <a:t>pip</a:t>
-            </a:r>
-            <a:r>
-              <a:rPr lang="de-DE" b="1" dirty="0">
-                <a:highlight>
-                  <a:srgbClr val="C0C0C0"/>
-                </a:highlight>
-                <a:latin typeface="Courier"/>
-                <a:ea typeface="Courier"/>
-                <a:cs typeface="Courier"/>
-                <a:sym typeface="Courier"/>
-              </a:rPr>
-              <a:t> </a:t>
-            </a:r>
-            <a:r>
-              <a:rPr lang="de-DE" b="1" dirty="0" err="1">
-                <a:highlight>
-                  <a:srgbClr val="C0C0C0"/>
-                </a:highlight>
-                <a:latin typeface="Courier"/>
-                <a:ea typeface="Courier"/>
-                <a:cs typeface="Courier"/>
-                <a:sym typeface="Courier"/>
-              </a:rPr>
-              <a:t>list</a:t>
-            </a:r>
-            <a:r>
-              <a:rPr lang="de-DE" b="1" dirty="0"/>
-              <a:t> </a:t>
-            </a:r>
-            <a:r>
-              <a:rPr lang="de-DE" dirty="0" err="1"/>
-              <a:t>again</a:t>
-            </a:r>
-            <a:r>
-              <a:rPr lang="de-DE" dirty="0"/>
-              <a:t>. </a:t>
-            </a:r>
-            <a:r>
-              <a:rPr lang="de-DE" dirty="0" err="1"/>
-              <a:t>What</a:t>
-            </a:r>
-            <a:r>
-              <a:rPr lang="de-DE" dirty="0"/>
-              <a:t> </a:t>
-            </a:r>
-            <a:r>
-              <a:rPr lang="de-DE" dirty="0" err="1"/>
-              <a:t>has</a:t>
-            </a:r>
-            <a:r>
-              <a:rPr lang="de-DE" dirty="0"/>
-              <a:t> </a:t>
-            </a:r>
-            <a:r>
-              <a:rPr lang="de-DE" dirty="0" err="1"/>
-              <a:t>changed</a:t>
-            </a:r>
-            <a:r>
-              <a:rPr lang="de-DE" dirty="0"/>
-              <a:t>?</a:t>
-            </a:r>
-          </a:p>
-          <a:p>
-            <a:pPr marL="402326" indent="-312920" defTabSz="804672">
-              <a:spcBef>
-                <a:spcPts val="500"/>
-              </a:spcBef>
-              <a:buSzPct val="100000"/>
-              <a:defRPr sz="1760"/>
-            </a:pPr>
-            <a:endParaRPr lang="de-DE" dirty="0"/>
-          </a:p>
-          <a:p>
-            <a:pPr marL="402326" indent="-312920" defTabSz="804672">
-              <a:spcBef>
-                <a:spcPts val="500"/>
-              </a:spcBef>
-              <a:buSzPct val="100000"/>
-              <a:defRPr sz="1760"/>
-            </a:pPr>
-            <a:r>
-              <a:rPr lang="de-DE" dirty="0"/>
-              <a:t>Run </a:t>
-            </a:r>
-            <a:r>
-              <a:rPr lang="de-DE" dirty="0" err="1">
-                <a:latin typeface="Courier"/>
-              </a:rPr>
-              <a:t>run_italian_restaurant.py</a:t>
-            </a:r>
-            <a:r>
-              <a:rPr lang="de-DE" dirty="0">
-                <a:latin typeface="Courier"/>
-              </a:rPr>
-              <a:t> </a:t>
-            </a:r>
-            <a:r>
-              <a:rPr lang="de-DE" dirty="0" err="1"/>
-              <a:t>again</a:t>
-            </a:r>
-            <a:r>
-              <a:rPr lang="de-DE" dirty="0"/>
-              <a:t> </a:t>
-            </a:r>
-            <a:r>
-              <a:rPr lang="de-DE" dirty="0" err="1"/>
-              <a:t>from</a:t>
-            </a:r>
-            <a:r>
-              <a:rPr lang="de-DE" dirty="0"/>
-              <a:t> </a:t>
-            </a:r>
-            <a:r>
-              <a:rPr lang="de-DE" dirty="0" err="1">
-                <a:latin typeface="Courier"/>
-              </a:rPr>
-              <a:t>scripts</a:t>
-            </a:r>
-            <a:r>
-              <a:rPr lang="de-DE" dirty="0">
-                <a:latin typeface="Courier"/>
-              </a:rPr>
-              <a:t>/</a:t>
-            </a:r>
-            <a:r>
-              <a:rPr lang="de-DE" dirty="0"/>
-              <a:t>, </a:t>
-            </a:r>
-            <a:r>
-              <a:rPr lang="de-DE" dirty="0" err="1"/>
-              <a:t>which</a:t>
-            </a:r>
-            <a:r>
-              <a:rPr lang="de-DE" dirty="0"/>
-              <a:t> </a:t>
-            </a:r>
-            <a:r>
-              <a:rPr lang="de-DE" dirty="0" err="1"/>
-              <a:t>imports</a:t>
-            </a:r>
-            <a:r>
-              <a:rPr lang="de-DE" dirty="0"/>
-              <a:t> </a:t>
-            </a:r>
-            <a:r>
-              <a:rPr lang="de-DE" dirty="0" err="1"/>
-              <a:t>the</a:t>
-            </a:r>
-            <a:r>
-              <a:rPr lang="de-DE" dirty="0"/>
-              <a:t> </a:t>
-            </a:r>
-            <a:r>
-              <a:rPr lang="de-DE" dirty="0" err="1">
-                <a:latin typeface="Courier"/>
-              </a:rPr>
-              <a:t>make_margarita_pizza</a:t>
-            </a:r>
-            <a:r>
-              <a:rPr lang="de-DE" dirty="0">
-                <a:latin typeface="Courier"/>
-              </a:rPr>
-              <a:t> </a:t>
-            </a:r>
-            <a:r>
-              <a:rPr lang="de-DE" dirty="0" err="1"/>
-              <a:t>function</a:t>
-            </a:r>
-            <a:r>
-              <a:rPr lang="de-DE" dirty="0"/>
-              <a:t>. </a:t>
-            </a:r>
-            <a:r>
-              <a:rPr lang="de-DE" dirty="0" err="1"/>
-              <a:t>Does</a:t>
-            </a:r>
-            <a:r>
-              <a:rPr lang="de-DE" dirty="0"/>
-              <a:t> </a:t>
-            </a:r>
-            <a:r>
-              <a:rPr lang="de-DE" dirty="0" err="1"/>
-              <a:t>it</a:t>
-            </a:r>
-            <a:r>
-              <a:rPr lang="de-DE" dirty="0"/>
-              <a:t> </a:t>
-            </a:r>
-            <a:r>
-              <a:rPr lang="de-DE" dirty="0" err="1"/>
-              <a:t>work</a:t>
-            </a:r>
-            <a:r>
-              <a:rPr lang="de-DE" dirty="0"/>
-              <a:t> </a:t>
-            </a:r>
-            <a:r>
-              <a:rPr lang="de-DE" dirty="0" err="1"/>
-              <a:t>now</a:t>
-            </a:r>
-            <a:r>
-              <a:rPr lang="de-DE" dirty="0"/>
-              <a:t>?</a:t>
-            </a:r>
-            <a:endParaRPr lang="de-DE" dirty="0">
-              <a:highlight>
-                <a:srgbClr val="FF0000"/>
-              </a:highlight>
-            </a:endParaRPr>
-          </a:p>
-          <a:p>
-            <a:pPr marL="402326" indent="-312920" defTabSz="804672">
-              <a:spcBef>
-                <a:spcPts val="500"/>
-              </a:spcBef>
-              <a:buSzPct val="100000"/>
-              <a:defRPr sz="1760"/>
-            </a:pPr>
-            <a:endParaRPr lang="de-DE" dirty="0"/>
-          </a:p>
-          <a:p>
-            <a:pPr marL="402326" indent="-312920" defTabSz="804672">
-              <a:spcBef>
-                <a:spcPts val="500"/>
-              </a:spcBef>
-              <a:buSzPct val="100000"/>
-              <a:defRPr sz="1760"/>
-            </a:pPr>
-            <a:endParaRPr lang="de-DE" dirty="0"/>
-          </a:p>
-          <a:p>
-            <a:pPr marL="89406" indent="0" defTabSz="804672">
-              <a:spcBef>
-                <a:spcPts val="500"/>
-              </a:spcBef>
-              <a:buSzPct val="100000"/>
-              <a:buNone/>
-              <a:defRPr sz="1760"/>
-            </a:pPr>
-            <a:r>
-              <a:rPr lang="de-DE" dirty="0"/>
-              <a:t>(5 min)</a:t>
-            </a:r>
-          </a:p>
-        </p:txBody>
-      </p:sp>
-    </p:spTree>
-    <p:extLst>
-      <p:ext uri="{BB962C8B-B14F-4D97-AF65-F5344CB8AC3E}">
-        <p14:creationId xmlns:p14="http://schemas.microsoft.com/office/powerpoint/2010/main" val="3588378640"/>
-      </p:ext>
-    </p:extLst>
-  </p:cSld>
-  <p:clrMapOvr>
-    <a:masterClrMapping/>
-  </p:clrMapOvr>
-  <p:transition spd="med"/>
-</p:sld>
-</file>
-
-<file path=ppt/slides/slide6.xml><?xml version="1.0" encoding="utf-8"?>
-<p:sld xmlns:a="http://schemas.openxmlformats.org/drawingml/2006/main" xmlns:r="http://schemas.openxmlformats.org/officeDocument/2006/relationships" xmlns:p="http://schemas.openxmlformats.org/presentationml/2006/main">
-  <p:cSld>
-    <p:spTree>
-      <p:nvGrpSpPr>
-        <p:cNvPr id="1" name=""/>
-        <p:cNvGrpSpPr/>
-        <p:nvPr/>
-      </p:nvGrpSpPr>
-      <p:grpSpPr>
-        <a:xfrm>
-          <a:off x="0" y="0"/>
-          <a:ext cx="0" cy="0"/>
-          <a:chOff x="0" y="0"/>
-          <a:chExt cx="0" cy="0"/>
-        </a:xfrm>
-      </p:grpSpPr>
-      <p:sp>
-        <p:nvSpPr>
           <p:cNvPr id="463" name="Text Placeholder 8"/>
           <p:cNvSpPr txBox="1"/>
           <p:nvPr/>
@@ -25872,7 +25452,7 @@
           <a:p>
             <a:fld id="{86CB4B4D-7CA3-9044-876B-883B54F8677D}" type="slidenum">
               <a:rPr/>
-              <a:t>6</a:t>
+              <a:t>4</a:t>
             </a:fld>
             <a:endParaRPr/>
           </a:p>
@@ -26259,6 +25839,1106 @@
           </p:txBody>
         </p:sp>
       </p:grpSp>
+    </p:spTree>
+  </p:cSld>
+  <p:clrMapOvr>
+    <a:masterClrMapping/>
+  </p:clrMapOvr>
+  <p:transition spd="med"/>
+</p:sld>
+</file>
+
+<file path=ppt/slides/slide5.xml><?xml version="1.0" encoding="utf-8"?>
+<p:sld xmlns:a="http://schemas.openxmlformats.org/drawingml/2006/main" xmlns:r="http://schemas.openxmlformats.org/officeDocument/2006/relationships" xmlns:p="http://schemas.openxmlformats.org/presentationml/2006/main">
+  <p:cSld>
+    <p:spTree>
+      <p:nvGrpSpPr>
+        <p:cNvPr id="1" name=""/>
+        <p:cNvGrpSpPr/>
+        <p:nvPr/>
+      </p:nvGrpSpPr>
+      <p:grpSpPr>
+        <a:xfrm>
+          <a:off x="0" y="0"/>
+          <a:ext cx="0" cy="0"/>
+          <a:chOff x="0" y="0"/>
+          <a:chExt cx="0" cy="0"/>
+        </a:xfrm>
+      </p:grpSpPr>
+      <p:sp>
+        <p:nvSpPr>
+          <p:cNvPr id="408" name="Title 1"/>
+          <p:cNvSpPr txBox="1">
+            <a:spLocks noGrp="1"/>
+          </p:cNvSpPr>
+          <p:nvPr>
+            <p:ph type="title"/>
+          </p:nvPr>
+        </p:nvSpPr>
+        <p:spPr>
+          <a:xfrm>
+            <a:off x="869151" y="0"/>
+            <a:ext cx="6367991" cy="912373"/>
+          </a:xfrm>
+          <a:prstGeom prst="rect">
+            <a:avLst/>
+          </a:prstGeom>
+          <a:solidFill>
+            <a:srgbClr val="FFFFFF"/>
+          </a:solidFill>
+        </p:spPr>
+        <p:txBody>
+          <a:bodyPr anchor="t"/>
+          <a:lstStyle/>
+          <a:p>
+            <a:r>
+              <a:t>Pip editable installation</a:t>
+            </a:r>
+          </a:p>
+        </p:txBody>
+      </p:sp>
+      <p:sp>
+        <p:nvSpPr>
+          <p:cNvPr id="409" name="Slide Number Placeholder 3"/>
+          <p:cNvSpPr txBox="1">
+            <a:spLocks noGrp="1"/>
+          </p:cNvSpPr>
+          <p:nvPr>
+            <p:ph type="sldNum" sz="quarter" idx="2"/>
+          </p:nvPr>
+        </p:nvSpPr>
+        <p:spPr>
+          <a:xfrm>
+            <a:off x="8317170" y="4384352"/>
+            <a:ext cx="391029" cy="411451"/>
+          </a:xfrm>
+          <a:prstGeom prst="rect">
+            <a:avLst/>
+          </a:prstGeom>
+          <a:extLst>
+            <a:ext uri="{C572A759-6A51-4108-AA02-DFA0A04FC94B}">
+              <ma14:wrappingTextBoxFlag xmlns:ma14="http://schemas.microsoft.com/office/mac/drawingml/2011/main" xmlns:a14="http://schemas.microsoft.com/office/drawing/2010/main" xmlns:m="http://schemas.openxmlformats.org/officeDocument/2006/math" xmlns="" val="1"/>
+            </a:ext>
+          </a:extLst>
+        </p:spPr>
+        <p:txBody>
+          <a:bodyPr/>
+          <a:lstStyle/>
+          <a:p>
+            <a:fld id="{86CB4B4D-7CA3-9044-876B-883B54F8677D}" type="slidenum">
+              <a:rPr/>
+              <a:t>5</a:t>
+            </a:fld>
+            <a:endParaRPr/>
+          </a:p>
+        </p:txBody>
+      </p:sp>
+      <p:sp>
+        <p:nvSpPr>
+          <p:cNvPr id="410" name="Text Placeholder 1"/>
+          <p:cNvSpPr txBox="1">
+            <a:spLocks noGrp="1"/>
+          </p:cNvSpPr>
+          <p:nvPr>
+            <p:ph type="body" idx="1"/>
+          </p:nvPr>
+        </p:nvSpPr>
+        <p:spPr>
+          <a:xfrm>
+            <a:off x="869150" y="845999"/>
+            <a:ext cx="7527874" cy="3598113"/>
+          </a:xfrm>
+          <a:prstGeom prst="rect">
+            <a:avLst/>
+          </a:prstGeom>
+        </p:spPr>
+        <p:txBody>
+          <a:bodyPr>
+            <a:normAutofit/>
+          </a:bodyPr>
+          <a:lstStyle/>
+          <a:p>
+            <a:pPr marL="402326" indent="-312920" defTabSz="804672">
+              <a:spcBef>
+                <a:spcPts val="500"/>
+              </a:spcBef>
+              <a:buSzPct val="100000"/>
+              <a:defRPr sz="1760"/>
+            </a:pPr>
+            <a:r>
+              <a:rPr lang="de-DE" dirty="0" err="1">
+                <a:latin typeface="Avenir Book" panose="02000503020000020003" pitchFamily="2" charset="0"/>
+                <a:ea typeface="Courier"/>
+                <a:cs typeface="Courier"/>
+                <a:sym typeface="Courier"/>
+              </a:rPr>
+              <a:t>Navigate</a:t>
+            </a:r>
+            <a:r>
+              <a:rPr lang="de-DE" dirty="0">
+                <a:latin typeface="Avenir Book" panose="02000503020000020003" pitchFamily="2" charset="0"/>
+                <a:ea typeface="Courier"/>
+                <a:cs typeface="Courier"/>
+                <a:sym typeface="Courier"/>
+              </a:rPr>
+              <a:t> </a:t>
+            </a:r>
+            <a:r>
+              <a:rPr lang="de-DE" dirty="0" err="1">
+                <a:latin typeface="Avenir Book" panose="02000503020000020003" pitchFamily="2" charset="0"/>
+                <a:ea typeface="Courier"/>
+                <a:cs typeface="Courier"/>
+                <a:sym typeface="Courier"/>
+              </a:rPr>
+              <a:t>into</a:t>
+            </a:r>
+            <a:r>
+              <a:rPr lang="de-DE" dirty="0">
+                <a:latin typeface="Avenir Book" panose="02000503020000020003" pitchFamily="2" charset="0"/>
+                <a:ea typeface="Courier"/>
+                <a:cs typeface="Courier"/>
+                <a:sym typeface="Courier"/>
+              </a:rPr>
+              <a:t> </a:t>
+            </a:r>
+            <a:r>
+              <a:rPr lang="de-DE" dirty="0" err="1">
+                <a:latin typeface="Avenir Book" panose="02000503020000020003" pitchFamily="2" charset="0"/>
+                <a:ea typeface="Courier"/>
+                <a:cs typeface="Courier"/>
+                <a:sym typeface="Courier"/>
+              </a:rPr>
+              <a:t>the</a:t>
+            </a:r>
+            <a:r>
+              <a:rPr lang="de-DE" dirty="0">
+                <a:latin typeface="Avenir Book" panose="02000503020000020003" pitchFamily="2" charset="0"/>
+                <a:ea typeface="Courier"/>
+                <a:cs typeface="Courier"/>
+                <a:sym typeface="Courier"/>
+              </a:rPr>
+              <a:t> </a:t>
+            </a:r>
+            <a:r>
+              <a:rPr lang="en-US" b="1" dirty="0">
+                <a:latin typeface="Avenir Book" panose="02000503020000020003" pitchFamily="2" charset="0"/>
+                <a:ea typeface="Courier"/>
+                <a:cs typeface="Courier"/>
+                <a:sym typeface="Courier"/>
+              </a:rPr>
+              <a:t>2025-TAM-retreat/ODD </a:t>
+            </a:r>
+            <a:r>
+              <a:rPr lang="en-US" dirty="0">
+                <a:latin typeface="Avenir Book" panose="02000503020000020003" pitchFamily="2" charset="0"/>
+                <a:ea typeface="Courier"/>
+                <a:cs typeface="Courier"/>
+                <a:sym typeface="Courier"/>
+              </a:rPr>
+              <a:t>folder (Terminal)</a:t>
+            </a:r>
+          </a:p>
+          <a:p>
+            <a:pPr marL="402326" indent="-312920" defTabSz="804672">
+              <a:spcBef>
+                <a:spcPts val="500"/>
+              </a:spcBef>
+              <a:buSzPct val="100000"/>
+              <a:defRPr sz="1760"/>
+            </a:pPr>
+            <a:r>
+              <a:rPr lang="en-US" dirty="0">
+                <a:latin typeface="Avenir Book" panose="02000503020000020003" pitchFamily="2" charset="0"/>
+                <a:ea typeface="Courier"/>
+                <a:cs typeface="Courier"/>
+                <a:sym typeface="Courier"/>
+              </a:rPr>
+              <a:t>Run </a:t>
+            </a:r>
+            <a:r>
+              <a:rPr lang="de-DE" b="1" dirty="0" err="1">
+                <a:highlight>
+                  <a:srgbClr val="C0C0C0"/>
+                </a:highlight>
+                <a:latin typeface="Courier"/>
+                <a:ea typeface="Courier"/>
+                <a:cs typeface="Courier"/>
+                <a:sym typeface="Courier"/>
+              </a:rPr>
+              <a:t>pip</a:t>
+            </a:r>
+            <a:r>
+              <a:rPr lang="de-DE" b="1" dirty="0">
+                <a:highlight>
+                  <a:srgbClr val="C0C0C0"/>
+                </a:highlight>
+                <a:latin typeface="Courier"/>
+                <a:ea typeface="Courier"/>
+                <a:cs typeface="Courier"/>
+                <a:sym typeface="Courier"/>
+              </a:rPr>
+              <a:t> </a:t>
+            </a:r>
+            <a:r>
+              <a:rPr lang="de-DE" b="1" dirty="0" err="1">
+                <a:highlight>
+                  <a:srgbClr val="C0C0C0"/>
+                </a:highlight>
+                <a:latin typeface="Courier"/>
+                <a:ea typeface="Courier"/>
+                <a:cs typeface="Courier"/>
+                <a:sym typeface="Courier"/>
+              </a:rPr>
+              <a:t>list</a:t>
+            </a:r>
+            <a:r>
+              <a:rPr lang="de-DE" dirty="0"/>
+              <a:t>. </a:t>
+            </a:r>
+            <a:r>
+              <a:rPr lang="de-DE" dirty="0" err="1"/>
+              <a:t>What</a:t>
+            </a:r>
+            <a:r>
+              <a:rPr lang="de-DE" dirty="0"/>
+              <a:t> do </a:t>
+            </a:r>
+            <a:r>
+              <a:rPr lang="de-DE" dirty="0" err="1"/>
+              <a:t>you</a:t>
+            </a:r>
+            <a:r>
+              <a:rPr lang="de-DE" dirty="0"/>
+              <a:t> </a:t>
+            </a:r>
+            <a:r>
+              <a:rPr lang="de-DE" dirty="0" err="1"/>
+              <a:t>see</a:t>
+            </a:r>
+            <a:r>
+              <a:rPr lang="de-DE" dirty="0"/>
+              <a:t>?</a:t>
+            </a:r>
+            <a:endParaRPr lang="de-DE" dirty="0">
+              <a:highlight>
+                <a:srgbClr val="C0C0C0"/>
+              </a:highlight>
+              <a:latin typeface="Courier"/>
+              <a:ea typeface="Courier"/>
+              <a:cs typeface="Courier"/>
+              <a:sym typeface="Courier"/>
+            </a:endParaRPr>
+          </a:p>
+          <a:p>
+            <a:pPr marL="402326" indent="-312920" defTabSz="804672">
+              <a:lnSpc>
+                <a:spcPct val="120000"/>
+              </a:lnSpc>
+              <a:spcBef>
+                <a:spcPts val="500"/>
+              </a:spcBef>
+              <a:buSzPct val="100000"/>
+              <a:defRPr sz="1760"/>
+            </a:pPr>
+            <a:r>
+              <a:rPr lang="en-US" dirty="0">
+                <a:latin typeface="Avenir Book" panose="02000503020000020003" pitchFamily="2" charset="0"/>
+                <a:ea typeface="Courier"/>
+                <a:cs typeface="Courier"/>
+                <a:sym typeface="Courier"/>
+              </a:rPr>
+              <a:t>Run </a:t>
+            </a:r>
+            <a:r>
+              <a:rPr b="1" dirty="0">
+                <a:highlight>
+                  <a:srgbClr val="C0C0C0"/>
+                </a:highlight>
+                <a:latin typeface="Courier"/>
+                <a:ea typeface="Courier"/>
+                <a:cs typeface="Courier"/>
+                <a:sym typeface="Courier"/>
+              </a:rPr>
+              <a:t>pip install -e </a:t>
+            </a:r>
+            <a:r>
+              <a:rPr sz="2400" b="1" dirty="0">
+                <a:highlight>
+                  <a:srgbClr val="C0C0C0"/>
+                </a:highlight>
+                <a:latin typeface="Courier"/>
+                <a:ea typeface="Courier"/>
+                <a:cs typeface="Courier"/>
+                <a:sym typeface="Courier"/>
+              </a:rPr>
+              <a:t>.</a:t>
+            </a:r>
+            <a:r>
+              <a:rPr lang="en-US" b="1" dirty="0">
+                <a:latin typeface="Avenir Book" panose="02000503020000020003" pitchFamily="2" charset="0"/>
+                <a:ea typeface="Courier"/>
+                <a:cs typeface="Courier"/>
+                <a:sym typeface="Courier"/>
+              </a:rPr>
+              <a:t> </a:t>
+            </a:r>
+            <a:r>
+              <a:rPr lang="en-US" dirty="0">
+                <a:latin typeface="Avenir Book" panose="02000503020000020003" pitchFamily="2" charset="0"/>
+                <a:ea typeface="Courier"/>
+                <a:cs typeface="Courier"/>
+                <a:sym typeface="Courier"/>
+              </a:rPr>
+              <a:t>(full stop = this directory)</a:t>
+            </a:r>
+            <a:endParaRPr lang="de-DE" sz="2816" dirty="0">
+              <a:latin typeface="Avenir Book" panose="02000503020000020003" pitchFamily="2" charset="0"/>
+              <a:ea typeface="Courier"/>
+              <a:cs typeface="Courier"/>
+              <a:sym typeface="Courier"/>
+            </a:endParaRPr>
+          </a:p>
+          <a:p>
+            <a:pPr marL="402326" indent="-312920" defTabSz="804672">
+              <a:spcBef>
+                <a:spcPts val="500"/>
+              </a:spcBef>
+              <a:buSzPct val="100000"/>
+              <a:defRPr sz="1760"/>
+            </a:pPr>
+            <a:r>
+              <a:rPr lang="de-DE" dirty="0"/>
+              <a:t>Run </a:t>
+            </a:r>
+            <a:r>
+              <a:rPr lang="de-DE" b="1" dirty="0" err="1">
+                <a:highlight>
+                  <a:srgbClr val="C0C0C0"/>
+                </a:highlight>
+                <a:latin typeface="Courier"/>
+                <a:ea typeface="Courier"/>
+                <a:cs typeface="Courier"/>
+                <a:sym typeface="Courier"/>
+              </a:rPr>
+              <a:t>pip</a:t>
+            </a:r>
+            <a:r>
+              <a:rPr lang="de-DE" b="1" dirty="0">
+                <a:highlight>
+                  <a:srgbClr val="C0C0C0"/>
+                </a:highlight>
+                <a:latin typeface="Courier"/>
+                <a:ea typeface="Courier"/>
+                <a:cs typeface="Courier"/>
+                <a:sym typeface="Courier"/>
+              </a:rPr>
+              <a:t> </a:t>
+            </a:r>
+            <a:r>
+              <a:rPr lang="de-DE" b="1" dirty="0" err="1">
+                <a:highlight>
+                  <a:srgbClr val="C0C0C0"/>
+                </a:highlight>
+                <a:latin typeface="Courier"/>
+                <a:ea typeface="Courier"/>
+                <a:cs typeface="Courier"/>
+                <a:sym typeface="Courier"/>
+              </a:rPr>
+              <a:t>list</a:t>
+            </a:r>
+            <a:r>
+              <a:rPr lang="de-DE" b="1" dirty="0"/>
+              <a:t> </a:t>
+            </a:r>
+            <a:r>
+              <a:rPr lang="de-DE" dirty="0" err="1"/>
+              <a:t>again</a:t>
+            </a:r>
+            <a:r>
+              <a:rPr lang="de-DE" dirty="0"/>
+              <a:t>. </a:t>
+            </a:r>
+            <a:r>
+              <a:rPr lang="de-DE" dirty="0" err="1"/>
+              <a:t>What</a:t>
+            </a:r>
+            <a:r>
+              <a:rPr lang="de-DE" dirty="0"/>
+              <a:t> </a:t>
+            </a:r>
+            <a:r>
+              <a:rPr lang="de-DE" dirty="0" err="1"/>
+              <a:t>has</a:t>
+            </a:r>
+            <a:r>
+              <a:rPr lang="de-DE" dirty="0"/>
+              <a:t> </a:t>
+            </a:r>
+            <a:r>
+              <a:rPr lang="de-DE" dirty="0" err="1"/>
+              <a:t>changed</a:t>
+            </a:r>
+            <a:r>
+              <a:rPr lang="de-DE" dirty="0"/>
+              <a:t>?</a:t>
+            </a:r>
+          </a:p>
+          <a:p>
+            <a:pPr marL="402326" indent="-312920" defTabSz="804672">
+              <a:spcBef>
+                <a:spcPts val="500"/>
+              </a:spcBef>
+              <a:buSzPct val="100000"/>
+              <a:defRPr sz="1760"/>
+            </a:pPr>
+            <a:endParaRPr lang="de-DE" dirty="0"/>
+          </a:p>
+          <a:p>
+            <a:pPr marL="402326" indent="-312920" defTabSz="804672">
+              <a:spcBef>
+                <a:spcPts val="500"/>
+              </a:spcBef>
+              <a:buSzPct val="100000"/>
+              <a:defRPr sz="1760"/>
+            </a:pPr>
+            <a:r>
+              <a:rPr lang="de-DE" dirty="0"/>
+              <a:t>Run </a:t>
+            </a:r>
+            <a:r>
+              <a:rPr lang="de-DE" dirty="0" err="1">
+                <a:latin typeface="Courier"/>
+              </a:rPr>
+              <a:t>run_italian_restaurant.py</a:t>
+            </a:r>
+            <a:r>
+              <a:rPr lang="de-DE" dirty="0">
+                <a:latin typeface="Courier"/>
+              </a:rPr>
+              <a:t> </a:t>
+            </a:r>
+            <a:r>
+              <a:rPr lang="de-DE" dirty="0" err="1"/>
+              <a:t>again</a:t>
+            </a:r>
+            <a:r>
+              <a:rPr lang="de-DE" dirty="0"/>
+              <a:t> </a:t>
+            </a:r>
+            <a:r>
+              <a:rPr lang="de-DE" dirty="0" err="1"/>
+              <a:t>from</a:t>
+            </a:r>
+            <a:r>
+              <a:rPr lang="de-DE" dirty="0"/>
+              <a:t> </a:t>
+            </a:r>
+            <a:r>
+              <a:rPr lang="de-DE" dirty="0" err="1">
+                <a:latin typeface="Courier"/>
+              </a:rPr>
+              <a:t>scripts</a:t>
+            </a:r>
+            <a:r>
+              <a:rPr lang="de-DE" dirty="0">
+                <a:latin typeface="Courier"/>
+              </a:rPr>
+              <a:t>/</a:t>
+            </a:r>
+            <a:r>
+              <a:rPr lang="de-DE" dirty="0"/>
+              <a:t>, </a:t>
+            </a:r>
+            <a:r>
+              <a:rPr lang="de-DE" dirty="0" err="1"/>
+              <a:t>which</a:t>
+            </a:r>
+            <a:r>
+              <a:rPr lang="de-DE" dirty="0"/>
+              <a:t> </a:t>
+            </a:r>
+            <a:r>
+              <a:rPr lang="de-DE" dirty="0" err="1"/>
+              <a:t>imports</a:t>
+            </a:r>
+            <a:r>
+              <a:rPr lang="de-DE" dirty="0"/>
+              <a:t> </a:t>
+            </a:r>
+            <a:r>
+              <a:rPr lang="de-DE" dirty="0" err="1"/>
+              <a:t>the</a:t>
+            </a:r>
+            <a:r>
+              <a:rPr lang="de-DE" dirty="0"/>
+              <a:t> </a:t>
+            </a:r>
+            <a:r>
+              <a:rPr lang="de-DE" dirty="0" err="1">
+                <a:latin typeface="Courier"/>
+              </a:rPr>
+              <a:t>make_margarita_pizza</a:t>
+            </a:r>
+            <a:r>
+              <a:rPr lang="de-DE" dirty="0">
+                <a:latin typeface="Courier"/>
+              </a:rPr>
+              <a:t> </a:t>
+            </a:r>
+            <a:r>
+              <a:rPr lang="de-DE" dirty="0" err="1"/>
+              <a:t>function</a:t>
+            </a:r>
+            <a:r>
+              <a:rPr lang="de-DE" dirty="0"/>
+              <a:t>. </a:t>
+            </a:r>
+            <a:r>
+              <a:rPr lang="de-DE" dirty="0" err="1"/>
+              <a:t>Does</a:t>
+            </a:r>
+            <a:r>
+              <a:rPr lang="de-DE" dirty="0"/>
+              <a:t> </a:t>
+            </a:r>
+            <a:r>
+              <a:rPr lang="de-DE" dirty="0" err="1"/>
+              <a:t>it</a:t>
+            </a:r>
+            <a:r>
+              <a:rPr lang="de-DE" dirty="0"/>
+              <a:t> </a:t>
+            </a:r>
+            <a:r>
+              <a:rPr lang="de-DE" dirty="0" err="1"/>
+              <a:t>work</a:t>
+            </a:r>
+            <a:r>
+              <a:rPr lang="de-DE" dirty="0"/>
+              <a:t> </a:t>
+            </a:r>
+            <a:r>
+              <a:rPr lang="de-DE" dirty="0" err="1"/>
+              <a:t>now</a:t>
+            </a:r>
+            <a:r>
+              <a:rPr lang="de-DE" dirty="0"/>
+              <a:t>?</a:t>
+            </a:r>
+            <a:endParaRPr lang="de-DE" dirty="0">
+              <a:highlight>
+                <a:srgbClr val="FF0000"/>
+              </a:highlight>
+            </a:endParaRPr>
+          </a:p>
+          <a:p>
+            <a:pPr marL="402326" indent="-312920" defTabSz="804672">
+              <a:spcBef>
+                <a:spcPts val="500"/>
+              </a:spcBef>
+              <a:buSzPct val="100000"/>
+              <a:defRPr sz="1760"/>
+            </a:pPr>
+            <a:endParaRPr lang="de-DE" dirty="0"/>
+          </a:p>
+          <a:p>
+            <a:pPr marL="402326" indent="-312920" defTabSz="804672">
+              <a:spcBef>
+                <a:spcPts val="500"/>
+              </a:spcBef>
+              <a:buSzPct val="100000"/>
+              <a:defRPr sz="1760"/>
+            </a:pPr>
+            <a:endParaRPr lang="de-DE" dirty="0"/>
+          </a:p>
+          <a:p>
+            <a:pPr marL="89406" indent="0" defTabSz="804672">
+              <a:spcBef>
+                <a:spcPts val="500"/>
+              </a:spcBef>
+              <a:buSzPct val="100000"/>
+              <a:buNone/>
+              <a:defRPr sz="1760"/>
+            </a:pPr>
+            <a:r>
+              <a:rPr lang="de-DE" dirty="0"/>
+              <a:t>(5 min)</a:t>
+            </a:r>
+          </a:p>
+        </p:txBody>
+      </p:sp>
+    </p:spTree>
+    <p:extLst>
+      <p:ext uri="{BB962C8B-B14F-4D97-AF65-F5344CB8AC3E}">
+        <p14:creationId xmlns:p14="http://schemas.microsoft.com/office/powerpoint/2010/main" val="3588378640"/>
+      </p:ext>
+    </p:extLst>
+  </p:cSld>
+  <p:clrMapOvr>
+    <a:masterClrMapping/>
+  </p:clrMapOvr>
+  <p:transition spd="med"/>
+</p:sld>
+</file>
+
+<file path=ppt/slides/slide6.xml><?xml version="1.0" encoding="utf-8"?>
+<p:sld xmlns:a="http://schemas.openxmlformats.org/drawingml/2006/main" xmlns:r="http://schemas.openxmlformats.org/officeDocument/2006/relationships" xmlns:p="http://schemas.openxmlformats.org/presentationml/2006/main">
+  <p:cSld>
+    <p:spTree>
+      <p:nvGrpSpPr>
+        <p:cNvPr id="1" name=""/>
+        <p:cNvGrpSpPr/>
+        <p:nvPr/>
+      </p:nvGrpSpPr>
+      <p:grpSpPr>
+        <a:xfrm>
+          <a:off x="0" y="0"/>
+          <a:ext cx="0" cy="0"/>
+          <a:chOff x="0" y="0"/>
+          <a:chExt cx="0" cy="0"/>
+        </a:xfrm>
+      </p:grpSpPr>
+      <p:sp>
+        <p:nvSpPr>
+          <p:cNvPr id="452" name="Text Placeholder 1"/>
+          <p:cNvSpPr txBox="1">
+            <a:spLocks noGrp="1"/>
+          </p:cNvSpPr>
+          <p:nvPr>
+            <p:ph type="body" idx="1"/>
+          </p:nvPr>
+        </p:nvSpPr>
+        <p:spPr>
+          <a:xfrm>
+            <a:off x="869150" y="846000"/>
+            <a:ext cx="7405697" cy="3295294"/>
+          </a:xfrm>
+          <a:prstGeom prst="rect">
+            <a:avLst/>
+          </a:prstGeom>
+        </p:spPr>
+        <p:txBody>
+          <a:bodyPr>
+            <a:normAutofit lnSpcReduction="10000"/>
+          </a:bodyPr>
+          <a:lstStyle/>
+          <a:p>
+            <a:pPr marL="0" indent="0">
+              <a:buClrTx/>
+              <a:buSzTx/>
+              <a:buFontTx/>
+              <a:buNone/>
+            </a:pPr>
+            <a:br>
+              <a:rPr dirty="0"/>
+            </a:br>
+            <a:r>
+              <a:rPr dirty="0"/>
+              <a:t>—&gt; </a:t>
+            </a:r>
+            <a:r>
+              <a:rPr lang="en-US" dirty="0"/>
+              <a:t>An editable installation</a:t>
+            </a:r>
+            <a:r>
+              <a:rPr dirty="0"/>
+              <a:t> lets you use your own code as any other package you installed</a:t>
+            </a:r>
+            <a:r>
+              <a:rPr lang="en-US" dirty="0"/>
+              <a:t>. You can</a:t>
+            </a:r>
+            <a:endParaRPr dirty="0"/>
+          </a:p>
+          <a:p>
+            <a:pPr marL="469896" indent="-342900">
+              <a:buFontTx/>
+              <a:buAutoNum type="arabicPeriod"/>
+            </a:pPr>
+            <a:r>
+              <a:rPr dirty="0">
+                <a:latin typeface="Avenir Heavy"/>
+                <a:ea typeface="Avenir Heavy"/>
+                <a:cs typeface="Avenir Heavy"/>
+                <a:sym typeface="Avenir Heavy"/>
+              </a:rPr>
+              <a:t>import</a:t>
+            </a:r>
+            <a:r>
+              <a:rPr dirty="0"/>
+              <a:t> the objects in the package </a:t>
+            </a:r>
+            <a:r>
+              <a:rPr dirty="0">
+                <a:latin typeface="Avenir Heavy"/>
+                <a:ea typeface="Avenir Heavy"/>
+                <a:cs typeface="Avenir Heavy"/>
+                <a:sym typeface="Avenir Heavy"/>
+              </a:rPr>
+              <a:t>from any directory </a:t>
+            </a:r>
+            <a:br>
+              <a:rPr dirty="0">
+                <a:latin typeface="Avenir Heavy"/>
+                <a:ea typeface="Avenir Heavy"/>
+                <a:cs typeface="Avenir Heavy"/>
+                <a:sym typeface="Avenir Heavy"/>
+              </a:rPr>
+            </a:br>
+            <a:r>
+              <a:rPr dirty="0"/>
+              <a:t>(no longer bound to the directory which contains the package)</a:t>
+            </a:r>
+          </a:p>
+          <a:p>
+            <a:pPr marL="469896" indent="-342900">
+              <a:buFontTx/>
+              <a:buAutoNum type="arabicPeriod"/>
+            </a:pPr>
+            <a:r>
+              <a:rPr dirty="0"/>
+              <a:t>keep your project in your current directory</a:t>
+            </a:r>
+            <a:r>
+              <a:rPr lang="en-US" dirty="0"/>
+              <a:t> and </a:t>
+            </a:r>
+            <a:r>
+              <a:rPr lang="en-US" b="1" dirty="0"/>
+              <a:t>all changes are immediately available</a:t>
+            </a:r>
+            <a:r>
+              <a:rPr lang="en-US" dirty="0"/>
+              <a:t> (no re-install required)</a:t>
+            </a:r>
+            <a:endParaRPr dirty="0"/>
+          </a:p>
+          <a:p>
+            <a:pPr marL="469896" indent="-342900">
+              <a:buFontTx/>
+              <a:buAutoNum type="arabicPeriod"/>
+            </a:pPr>
+            <a:endParaRPr lang="de-DE" dirty="0"/>
+          </a:p>
+          <a:p>
+            <a:pPr marL="126996" indent="0">
+              <a:buNone/>
+            </a:pPr>
+            <a:r>
+              <a:rPr lang="de-DE" dirty="0"/>
+              <a:t>Import </a:t>
+            </a:r>
+            <a:r>
+              <a:rPr lang="de-DE" dirty="0" err="1"/>
+              <a:t>statements</a:t>
+            </a:r>
+            <a:r>
+              <a:rPr lang="de-DE" dirty="0"/>
+              <a:t> in all </a:t>
+            </a:r>
+            <a:r>
+              <a:rPr lang="de-DE" dirty="0" err="1"/>
+              <a:t>files</a:t>
+            </a:r>
+            <a:r>
+              <a:rPr lang="de-DE" dirty="0"/>
+              <a:t> </a:t>
+            </a:r>
+            <a:r>
+              <a:rPr lang="de-DE" dirty="0" err="1"/>
+              <a:t>are</a:t>
+            </a:r>
+            <a:r>
+              <a:rPr lang="de-DE" dirty="0"/>
+              <a:t> </a:t>
+            </a:r>
+            <a:r>
+              <a:rPr lang="de-DE" dirty="0" err="1"/>
+              <a:t>written</a:t>
+            </a:r>
+            <a:r>
+              <a:rPr lang="de-DE" dirty="0"/>
+              <a:t> </a:t>
+            </a:r>
+            <a:r>
+              <a:rPr lang="de-DE" dirty="0" err="1"/>
+              <a:t>as</a:t>
+            </a:r>
+            <a:r>
+              <a:rPr lang="de-DE" dirty="0"/>
+              <a:t> </a:t>
+            </a:r>
+            <a:r>
+              <a:rPr lang="de-DE" dirty="0" err="1"/>
+              <a:t>if</a:t>
+            </a:r>
+            <a:r>
+              <a:rPr lang="de-DE" dirty="0"/>
+              <a:t> </a:t>
+            </a:r>
+            <a:r>
+              <a:rPr lang="de-DE" dirty="0" err="1"/>
+              <a:t>it</a:t>
+            </a:r>
+            <a:r>
+              <a:rPr lang="de-DE" dirty="0"/>
+              <a:t> </a:t>
+            </a:r>
+            <a:r>
+              <a:rPr lang="de-DE" dirty="0" err="1"/>
+              <a:t>is</a:t>
+            </a:r>
+            <a:r>
+              <a:rPr lang="de-DE" dirty="0"/>
+              <a:t> an </a:t>
+            </a:r>
+            <a:r>
+              <a:rPr lang="de-DE" dirty="0" err="1"/>
+              <a:t>installed</a:t>
+            </a:r>
+            <a:r>
+              <a:rPr lang="de-DE" dirty="0"/>
+              <a:t> </a:t>
+            </a:r>
+            <a:r>
+              <a:rPr lang="de-DE" dirty="0" err="1"/>
+              <a:t>package</a:t>
+            </a:r>
+            <a:endParaRPr lang="de-DE" dirty="0"/>
+          </a:p>
+          <a:p>
+            <a:pPr marL="126996" indent="0">
+              <a:buNone/>
+            </a:pPr>
+            <a:r>
+              <a:rPr lang="de-DE" dirty="0"/>
+              <a:t>	</a:t>
+            </a:r>
+            <a:r>
+              <a:rPr lang="de-DE" dirty="0">
+                <a:sym typeface="Wingdings" pitchFamily="2" charset="2"/>
+              </a:rPr>
+              <a:t> </a:t>
+            </a:r>
+            <a:r>
+              <a:rPr lang="de-DE" dirty="0" err="1">
+                <a:latin typeface="Courier New" panose="02070309020205020404" pitchFamily="49" charset="0"/>
+                <a:cs typeface="Courier New" panose="02070309020205020404" pitchFamily="49" charset="0"/>
+                <a:sym typeface="Wingdings" pitchFamily="2" charset="2"/>
+              </a:rPr>
+              <a:t>from</a:t>
+            </a:r>
+            <a:r>
+              <a:rPr lang="de-DE" dirty="0">
+                <a:latin typeface="Courier New" panose="02070309020205020404" pitchFamily="49" charset="0"/>
+                <a:cs typeface="Courier New" panose="02070309020205020404" pitchFamily="49" charset="0"/>
+                <a:sym typeface="Wingdings" pitchFamily="2" charset="2"/>
+              </a:rPr>
+              <a:t> </a:t>
+            </a:r>
+            <a:r>
+              <a:rPr lang="de-DE" dirty="0" err="1">
+                <a:latin typeface="Courier New" panose="02070309020205020404" pitchFamily="49" charset="0"/>
+                <a:cs typeface="Courier New" panose="02070309020205020404" pitchFamily="49" charset="0"/>
+                <a:sym typeface="Wingdings" pitchFamily="2" charset="2"/>
+              </a:rPr>
+              <a:t>your_package.module</a:t>
+            </a:r>
+            <a:r>
+              <a:rPr lang="de-DE" dirty="0">
+                <a:latin typeface="Courier New" panose="02070309020205020404" pitchFamily="49" charset="0"/>
+                <a:cs typeface="Courier New" panose="02070309020205020404" pitchFamily="49" charset="0"/>
+                <a:sym typeface="Wingdings" pitchFamily="2" charset="2"/>
+              </a:rPr>
+              <a:t> </a:t>
+            </a:r>
+            <a:r>
+              <a:rPr lang="de-DE" dirty="0" err="1">
+                <a:latin typeface="Courier New" panose="02070309020205020404" pitchFamily="49" charset="0"/>
+                <a:cs typeface="Courier New" panose="02070309020205020404" pitchFamily="49" charset="0"/>
+                <a:sym typeface="Wingdings" pitchFamily="2" charset="2"/>
+              </a:rPr>
+              <a:t>import</a:t>
+            </a:r>
+            <a:r>
+              <a:rPr lang="de-DE" dirty="0">
+                <a:latin typeface="Courier New" panose="02070309020205020404" pitchFamily="49" charset="0"/>
+                <a:cs typeface="Courier New" panose="02070309020205020404" pitchFamily="49" charset="0"/>
+                <a:sym typeface="Wingdings" pitchFamily="2" charset="2"/>
+              </a:rPr>
+              <a:t> </a:t>
+            </a:r>
+            <a:r>
+              <a:rPr lang="de-DE" dirty="0" err="1">
+                <a:latin typeface="Courier New" panose="02070309020205020404" pitchFamily="49" charset="0"/>
+                <a:cs typeface="Courier New" panose="02070309020205020404" pitchFamily="49" charset="0"/>
+                <a:sym typeface="Wingdings" pitchFamily="2" charset="2"/>
+              </a:rPr>
+              <a:t>function</a:t>
+            </a:r>
+            <a:endParaRPr lang="de-DE" dirty="0">
+              <a:latin typeface="Courier New" panose="02070309020205020404" pitchFamily="49" charset="0"/>
+              <a:cs typeface="Courier New" panose="02070309020205020404" pitchFamily="49" charset="0"/>
+              <a:sym typeface="Wingdings" pitchFamily="2" charset="2"/>
+            </a:endParaRPr>
+          </a:p>
+          <a:p>
+            <a:pPr marL="126996" indent="0">
+              <a:buNone/>
+            </a:pPr>
+            <a:r>
+              <a:rPr lang="de-DE" dirty="0"/>
+              <a:t>	</a:t>
+            </a:r>
+            <a:r>
+              <a:rPr lang="de-DE" dirty="0">
+                <a:sym typeface="Wingdings" pitchFamily="2" charset="2"/>
+              </a:rPr>
+              <a:t> </a:t>
+            </a:r>
+            <a:r>
+              <a:rPr lang="de-DE" dirty="0" err="1"/>
+              <a:t>you</a:t>
+            </a:r>
+            <a:r>
+              <a:rPr lang="de-DE" dirty="0"/>
+              <a:t> </a:t>
+            </a:r>
+            <a:r>
+              <a:rPr lang="de-DE" dirty="0" err="1"/>
+              <a:t>use</a:t>
+            </a:r>
+            <a:r>
+              <a:rPr lang="de-DE" dirty="0"/>
+              <a:t> </a:t>
+            </a:r>
+            <a:r>
+              <a:rPr lang="de-DE" dirty="0" err="1"/>
+              <a:t>your</a:t>
+            </a:r>
+            <a:r>
+              <a:rPr lang="de-DE" dirty="0"/>
+              <a:t> code </a:t>
+            </a:r>
+            <a:r>
+              <a:rPr lang="de-DE" dirty="0" err="1"/>
+              <a:t>as</a:t>
+            </a:r>
+            <a:r>
+              <a:rPr lang="de-DE" dirty="0"/>
+              <a:t> </a:t>
+            </a:r>
+            <a:r>
+              <a:rPr lang="de-DE" dirty="0" err="1"/>
+              <a:t>someone</a:t>
+            </a:r>
+            <a:r>
+              <a:rPr lang="de-DE" dirty="0"/>
+              <a:t> </a:t>
+            </a:r>
+            <a:r>
+              <a:rPr lang="de-DE" dirty="0" err="1"/>
+              <a:t>else</a:t>
+            </a:r>
+            <a:r>
+              <a:rPr lang="de-DE" dirty="0"/>
+              <a:t> </a:t>
+            </a:r>
+            <a:r>
+              <a:rPr lang="de-DE" dirty="0" err="1"/>
+              <a:t>would</a:t>
+            </a:r>
+            <a:r>
+              <a:rPr lang="de-DE" dirty="0"/>
+              <a:t> </a:t>
+            </a:r>
+            <a:r>
+              <a:rPr lang="de-DE" dirty="0" err="1"/>
+              <a:t>use</a:t>
+            </a:r>
+            <a:r>
+              <a:rPr lang="de-DE" dirty="0"/>
+              <a:t> </a:t>
+            </a:r>
+            <a:r>
+              <a:rPr lang="de-DE" dirty="0" err="1"/>
+              <a:t>it</a:t>
+            </a:r>
+            <a:endParaRPr lang="en-US" dirty="0">
+              <a:latin typeface="Courier New" panose="02070309020205020404" pitchFamily="49" charset="0"/>
+              <a:cs typeface="Courier New" panose="02070309020205020404" pitchFamily="49" charset="0"/>
+            </a:endParaRPr>
+          </a:p>
+        </p:txBody>
+      </p:sp>
+      <p:sp>
+        <p:nvSpPr>
+          <p:cNvPr id="453" name="Slide Number Placeholder 3"/>
+          <p:cNvSpPr txBox="1">
+            <a:spLocks noGrp="1"/>
+          </p:cNvSpPr>
+          <p:nvPr>
+            <p:ph type="sldNum" sz="quarter" idx="2"/>
+          </p:nvPr>
+        </p:nvSpPr>
+        <p:spPr>
+          <a:xfrm>
+            <a:off x="8317170" y="4384352"/>
+            <a:ext cx="391029" cy="411451"/>
+          </a:xfrm>
+          <a:prstGeom prst="rect">
+            <a:avLst/>
+          </a:prstGeom>
+          <a:extLst>
+            <a:ext uri="{C572A759-6A51-4108-AA02-DFA0A04FC94B}">
+              <ma14:wrappingTextBoxFlag xmlns:ma14="http://schemas.microsoft.com/office/mac/drawingml/2011/main" xmlns:a14="http://schemas.microsoft.com/office/drawing/2010/main" xmlns:m="http://schemas.openxmlformats.org/officeDocument/2006/math" xmlns="" val="1"/>
+            </a:ext>
+          </a:extLst>
+        </p:spPr>
+        <p:txBody>
+          <a:bodyPr/>
+          <a:lstStyle/>
+          <a:p>
+            <a:fld id="{86CB4B4D-7CA3-9044-876B-883B54F8677D}" type="slidenum">
+              <a:rPr/>
+              <a:t>6</a:t>
+            </a:fld>
+            <a:endParaRPr/>
+          </a:p>
+        </p:txBody>
+      </p:sp>
+      <p:sp>
+        <p:nvSpPr>
+          <p:cNvPr id="454" name="Title 4"/>
+          <p:cNvSpPr txBox="1">
+            <a:spLocks noGrp="1"/>
+          </p:cNvSpPr>
+          <p:nvPr>
+            <p:ph type="title"/>
+          </p:nvPr>
+        </p:nvSpPr>
+        <p:spPr>
+          <a:xfrm>
+            <a:off x="869151" y="0"/>
+            <a:ext cx="5063299" cy="912373"/>
+          </a:xfrm>
+          <a:prstGeom prst="rect">
+            <a:avLst/>
+          </a:prstGeom>
+          <a:solidFill>
+            <a:srgbClr val="FFFFFF"/>
+          </a:solidFill>
+        </p:spPr>
+        <p:txBody>
+          <a:bodyPr anchor="t"/>
+          <a:lstStyle/>
+          <a:p>
+            <a:r>
+              <a:t>Pip editable install</a:t>
+            </a:r>
+          </a:p>
+        </p:txBody>
+      </p:sp>
     </p:spTree>
   </p:cSld>
   <p:clrMapOvr>
@@ -27112,7 +27792,7 @@
             </a:r>
             <a:r>
               <a:rPr lang="en-US" dirty="0"/>
-              <a:t>)</a:t>
+              <a:t>, since importing from notebooks can be tricky)</a:t>
             </a:r>
           </a:p>
           <a:p>
